--- a/3º Periodo Computação/S.O/Trabalho Tanenbaum/Tanenbaum.pptx
+++ b/3º Periodo Computação/S.O/Trabalho Tanenbaum/Tanenbaum.pptx
@@ -5,22 +5,24 @@
     <p:sldMasterId id="2147483684" r:id="rId1"/>
   </p:sldMasterIdLst>
   <p:notesMasterIdLst>
-    <p:notesMasterId r:id="rId15"/>
+    <p:notesMasterId r:id="rId17"/>
   </p:notesMasterIdLst>
   <p:sldIdLst>
     <p:sldId id="256" r:id="rId2"/>
     <p:sldId id="257" r:id="rId3"/>
-    <p:sldId id="258" r:id="rId4"/>
-    <p:sldId id="259" r:id="rId5"/>
-    <p:sldId id="260" r:id="rId6"/>
-    <p:sldId id="261" r:id="rId7"/>
-    <p:sldId id="262" r:id="rId8"/>
-    <p:sldId id="263" r:id="rId9"/>
-    <p:sldId id="264" r:id="rId10"/>
-    <p:sldId id="265" r:id="rId11"/>
-    <p:sldId id="266" r:id="rId12"/>
-    <p:sldId id="267" r:id="rId13"/>
-    <p:sldId id="268" r:id="rId14"/>
+    <p:sldId id="270" r:id="rId4"/>
+    <p:sldId id="269" r:id="rId5"/>
+    <p:sldId id="271" r:id="rId6"/>
+    <p:sldId id="272" r:id="rId7"/>
+    <p:sldId id="273" r:id="rId8"/>
+    <p:sldId id="274" r:id="rId9"/>
+    <p:sldId id="279" r:id="rId10"/>
+    <p:sldId id="280" r:id="rId11"/>
+    <p:sldId id="281" r:id="rId12"/>
+    <p:sldId id="282" r:id="rId13"/>
+    <p:sldId id="283" r:id="rId14"/>
+    <p:sldId id="268" r:id="rId15"/>
+    <p:sldId id="284" r:id="rId16"/>
   </p:sldIdLst>
   <p:sldSz cx="9144000" cy="6858000" type="screen4x3"/>
   <p:notesSz cx="6858000" cy="9144000"/>
@@ -119,6 +121,22 @@
       </a:defRPr>
     </a:lvl9pPr>
   </p:defaultTextStyle>
+  <p:extLst>
+    <p:ext uri="{EFAFB233-063F-42B5-8137-9DF3F51BA10A}">
+      <p15:sldGuideLst xmlns:p15="http://schemas.microsoft.com/office/powerpoint/2012/main" xmlns="">
+        <p15:guide id="1" orient="horz" pos="2160">
+          <p15:clr>
+            <a:srgbClr val="A4A3A4"/>
+          </p15:clr>
+        </p15:guide>
+        <p15:guide id="2" pos="2880">
+          <p15:clr>
+            <a:srgbClr val="A4A3A4"/>
+          </p15:clr>
+        </p15:guide>
+      </p15:sldGuideLst>
+    </p:ext>
+  </p:extLst>
 </p:presentation>
 </file>
 
@@ -892,7 +910,7 @@
         <a:p>
           <a:pPr algn="l"/>
           <a:r>
-            <a:rPr lang="pt-BR" b="0" dirty="0" smtClean="0">
+            <a:rPr lang="pt-BR" b="0" dirty="0">
               <a:solidFill>
                 <a:schemeClr val="tx1"/>
               </a:solidFill>
@@ -938,7 +956,7 @@
         <a:lstStyle/>
         <a:p>
           <a:r>
-            <a:rPr lang="pt-BR" dirty="0" smtClean="0">
+            <a:rPr lang="pt-BR" dirty="0">
               <a:hlinkClick xmlns:r="http://schemas.openxmlformats.org/officeDocument/2006/relationships" r:id="rId2" action="ppaction://hlinksldjump"/>
             </a:rPr>
             <a:t>Projetos</a:t>
@@ -963,7 +981,7 @@
         <a:lstStyle/>
         <a:p>
           <a:r>
-            <a:rPr lang="pt-BR" dirty="0" smtClean="0">
+            <a:rPr lang="pt-BR" dirty="0">
               <a:hlinkClick xmlns:r="http://schemas.openxmlformats.org/officeDocument/2006/relationships" r:id="rId3" action="ppaction://hlinksldjump"/>
             </a:rPr>
             <a:t>Publicações</a:t>
@@ -988,7 +1006,7 @@
         <a:lstStyle/>
         <a:p>
           <a:r>
-            <a:rPr lang="pt-BR" dirty="0" smtClean="0">
+            <a:rPr lang="pt-BR" dirty="0">
               <a:hlinkClick xmlns:r="http://schemas.openxmlformats.org/officeDocument/2006/relationships" r:id="rId4" action="ppaction://hlinksldjump"/>
             </a:rPr>
             <a:t>Links</a:t>
@@ -1014,6 +1032,13 @@
         </dgm:presLayoutVars>
       </dgm:prSet>
       <dgm:spPr/>
+      <dgm:t>
+        <a:bodyPr/>
+        <a:lstStyle/>
+        <a:p>
+          <a:endParaRPr lang="pt-BR"/>
+        </a:p>
+      </dgm:t>
     </dgm:pt>
     <dgm:pt modelId="{49560848-AC1D-4B49-8063-D444F02A17CB}" type="pres">
       <dgm:prSet presAssocID="{324335D8-9FFC-4F95-A4F2-0CE3AA9321EF}" presName="parentLin" presStyleCnt="0"/>
@@ -1022,6 +1047,13 @@
     <dgm:pt modelId="{D695F42B-E1B6-490D-B76D-69E6702F0F5A}" type="pres">
       <dgm:prSet presAssocID="{324335D8-9FFC-4F95-A4F2-0CE3AA9321EF}" presName="parentLeftMargin" presStyleLbl="node1" presStyleIdx="0" presStyleCnt="4"/>
       <dgm:spPr/>
+      <dgm:t>
+        <a:bodyPr/>
+        <a:lstStyle/>
+        <a:p>
+          <a:endParaRPr lang="pt-BR"/>
+        </a:p>
+      </dgm:t>
     </dgm:pt>
     <dgm:pt modelId="{F4BF5279-C0BB-4CA4-9E43-E7DF31C32272}" type="pres">
       <dgm:prSet presAssocID="{324335D8-9FFC-4F95-A4F2-0CE3AA9321EF}" presName="parentText" presStyleLbl="node1" presStyleIdx="0" presStyleCnt="4">
@@ -1031,6 +1063,13 @@
         </dgm:presLayoutVars>
       </dgm:prSet>
       <dgm:spPr/>
+      <dgm:t>
+        <a:bodyPr/>
+        <a:lstStyle/>
+        <a:p>
+          <a:endParaRPr lang="pt-BR"/>
+        </a:p>
+      </dgm:t>
     </dgm:pt>
     <dgm:pt modelId="{1F4322E3-958B-45A1-9553-AF89AA24050F}" type="pres">
       <dgm:prSet presAssocID="{324335D8-9FFC-4F95-A4F2-0CE3AA9321EF}" presName="negativeSpace" presStyleCnt="0"/>
@@ -1055,6 +1094,13 @@
     <dgm:pt modelId="{7BD287DB-C389-448B-AB91-DDAB02AE4BDA}" type="pres">
       <dgm:prSet presAssocID="{EE123B41-4DD6-4D39-85B9-91858EBB824E}" presName="parentLeftMargin" presStyleLbl="node1" presStyleIdx="0" presStyleCnt="4"/>
       <dgm:spPr/>
+      <dgm:t>
+        <a:bodyPr/>
+        <a:lstStyle/>
+        <a:p>
+          <a:endParaRPr lang="pt-BR"/>
+        </a:p>
+      </dgm:t>
     </dgm:pt>
     <dgm:pt modelId="{63CCA736-80EC-4C40-B74C-1864695387BE}" type="pres">
       <dgm:prSet presAssocID="{EE123B41-4DD6-4D39-85B9-91858EBB824E}" presName="parentText" presStyleLbl="node1" presStyleIdx="1" presStyleCnt="4">
@@ -1064,6 +1110,13 @@
         </dgm:presLayoutVars>
       </dgm:prSet>
       <dgm:spPr/>
+      <dgm:t>
+        <a:bodyPr/>
+        <a:lstStyle/>
+        <a:p>
+          <a:endParaRPr lang="pt-BR"/>
+        </a:p>
+      </dgm:t>
     </dgm:pt>
     <dgm:pt modelId="{57570EF3-C083-455E-A80E-ABFDA2BDFCB9}" type="pres">
       <dgm:prSet presAssocID="{EE123B41-4DD6-4D39-85B9-91858EBB824E}" presName="negativeSpace" presStyleCnt="0"/>
@@ -1088,6 +1141,13 @@
     <dgm:pt modelId="{AA1D695A-2AC4-46CF-B6B7-4672F4178BA7}" type="pres">
       <dgm:prSet presAssocID="{FFFF5955-B14E-4D9C-A124-C73C00B7A080}" presName="parentLeftMargin" presStyleLbl="node1" presStyleIdx="1" presStyleCnt="4"/>
       <dgm:spPr/>
+      <dgm:t>
+        <a:bodyPr/>
+        <a:lstStyle/>
+        <a:p>
+          <a:endParaRPr lang="pt-BR"/>
+        </a:p>
+      </dgm:t>
     </dgm:pt>
     <dgm:pt modelId="{91951800-ED8B-4AD1-B1D0-0E8459019DEB}" type="pres">
       <dgm:prSet presAssocID="{FFFF5955-B14E-4D9C-A124-C73C00B7A080}" presName="parentText" presStyleLbl="node1" presStyleIdx="2" presStyleCnt="4">
@@ -1097,6 +1157,13 @@
         </dgm:presLayoutVars>
       </dgm:prSet>
       <dgm:spPr/>
+      <dgm:t>
+        <a:bodyPr/>
+        <a:lstStyle/>
+        <a:p>
+          <a:endParaRPr lang="pt-BR"/>
+        </a:p>
+      </dgm:t>
     </dgm:pt>
     <dgm:pt modelId="{65726926-B8B3-4CAF-B850-868C2F3DDD7A}" type="pres">
       <dgm:prSet presAssocID="{FFFF5955-B14E-4D9C-A124-C73C00B7A080}" presName="negativeSpace" presStyleCnt="0"/>
@@ -1121,6 +1188,13 @@
     <dgm:pt modelId="{3DC335E2-B1E2-4E30-B1E3-7F313E727E9B}" type="pres">
       <dgm:prSet presAssocID="{D3A7B123-C29E-4DB6-80C0-00BE9BE6CFB7}" presName="parentLeftMargin" presStyleLbl="node1" presStyleIdx="2" presStyleCnt="4"/>
       <dgm:spPr/>
+      <dgm:t>
+        <a:bodyPr/>
+        <a:lstStyle/>
+        <a:p>
+          <a:endParaRPr lang="pt-BR"/>
+        </a:p>
+      </dgm:t>
     </dgm:pt>
     <dgm:pt modelId="{95BAD304-A72D-4712-855B-395C227916A3}" type="pres">
       <dgm:prSet presAssocID="{D3A7B123-C29E-4DB6-80C0-00BE9BE6CFB7}" presName="parentText" presStyleLbl="node1" presStyleIdx="3" presStyleCnt="4">
@@ -1130,6 +1204,13 @@
         </dgm:presLayoutVars>
       </dgm:prSet>
       <dgm:spPr/>
+      <dgm:t>
+        <a:bodyPr/>
+        <a:lstStyle/>
+        <a:p>
+          <a:endParaRPr lang="pt-BR"/>
+        </a:p>
+      </dgm:t>
     </dgm:pt>
     <dgm:pt modelId="{E270B332-16FB-4807-980F-8B4C9A5A8536}" type="pres">
       <dgm:prSet presAssocID="{D3A7B123-C29E-4DB6-80C0-00BE9BE6CFB7}" presName="negativeSpace" presStyleCnt="0"/>
@@ -1145,19 +1226,19 @@
     </dgm:pt>
   </dgm:ptLst>
   <dgm:cxnLst>
+    <dgm:cxn modelId="{C045E222-B94E-47AC-B963-1695189368D8}" type="presOf" srcId="{D3A7B123-C29E-4DB6-80C0-00BE9BE6CFB7}" destId="{95BAD304-A72D-4712-855B-395C227916A3}" srcOrd="1" destOrd="0" presId="urn:microsoft.com/office/officeart/2005/8/layout/list1"/>
+    <dgm:cxn modelId="{E4C562C7-03B7-43F5-860B-9B353D16D0BE}" srcId="{2B109069-44D5-4908-85C7-754186FA4299}" destId="{FFFF5955-B14E-4D9C-A124-C73C00B7A080}" srcOrd="2" destOrd="0" parTransId="{9C967E4F-E2DD-4947-8303-7BB0848791D4}" sibTransId="{2E60D78B-28F3-4D55-91A9-C7AB281317BB}"/>
+    <dgm:cxn modelId="{C611C683-1DD4-40C5-8AC4-0136F86D9109}" type="presOf" srcId="{324335D8-9FFC-4F95-A4F2-0CE3AA9321EF}" destId="{D695F42B-E1B6-490D-B76D-69E6702F0F5A}" srcOrd="0" destOrd="0" presId="urn:microsoft.com/office/officeart/2005/8/layout/list1"/>
+    <dgm:cxn modelId="{F0259DF7-B468-4D14-B0C1-490EC188EEEB}" type="presOf" srcId="{324335D8-9FFC-4F95-A4F2-0CE3AA9321EF}" destId="{F4BF5279-C0BB-4CA4-9E43-E7DF31C32272}" srcOrd="1" destOrd="0" presId="urn:microsoft.com/office/officeart/2005/8/layout/list1"/>
+    <dgm:cxn modelId="{F385FA7D-9F34-4741-8132-CE046C20A3D1}" srcId="{2B109069-44D5-4908-85C7-754186FA4299}" destId="{D3A7B123-C29E-4DB6-80C0-00BE9BE6CFB7}" srcOrd="3" destOrd="0" parTransId="{44949A86-3FFE-4B64-BD79-94F7840C82A1}" sibTransId="{8F1CC50C-58AD-4080-909A-8C20F9AFCA23}"/>
+    <dgm:cxn modelId="{056BE37B-4AC4-4927-B6A9-5683686405B8}" type="presOf" srcId="{EE123B41-4DD6-4D39-85B9-91858EBB824E}" destId="{7BD287DB-C389-448B-AB91-DDAB02AE4BDA}" srcOrd="0" destOrd="0" presId="urn:microsoft.com/office/officeart/2005/8/layout/list1"/>
     <dgm:cxn modelId="{9F6F6712-F874-40FC-A935-F9AA89ACEED8}" srcId="{2B109069-44D5-4908-85C7-754186FA4299}" destId="{EE123B41-4DD6-4D39-85B9-91858EBB824E}" srcOrd="1" destOrd="0" parTransId="{42566898-7B63-4DCD-9947-9399625E43B6}" sibTransId="{8F7EA9E1-70DE-4A77-8A3E-320291F1ACA6}"/>
-    <dgm:cxn modelId="{C611C683-1DD4-40C5-8AC4-0136F86D9109}" type="presOf" srcId="{324335D8-9FFC-4F95-A4F2-0CE3AA9321EF}" destId="{D695F42B-E1B6-490D-B76D-69E6702F0F5A}" srcOrd="0" destOrd="0" presId="urn:microsoft.com/office/officeart/2005/8/layout/list1"/>
-    <dgm:cxn modelId="{F385FA7D-9F34-4741-8132-CE046C20A3D1}" srcId="{2B109069-44D5-4908-85C7-754186FA4299}" destId="{D3A7B123-C29E-4DB6-80C0-00BE9BE6CFB7}" srcOrd="3" destOrd="0" parTransId="{44949A86-3FFE-4B64-BD79-94F7840C82A1}" sibTransId="{8F1CC50C-58AD-4080-909A-8C20F9AFCA23}"/>
+    <dgm:cxn modelId="{B0D6ED5A-E223-42F9-B627-B49EF609F05D}" type="presOf" srcId="{D3A7B123-C29E-4DB6-80C0-00BE9BE6CFB7}" destId="{3DC335E2-B1E2-4E30-B1E3-7F313E727E9B}" srcOrd="0" destOrd="0" presId="urn:microsoft.com/office/officeart/2005/8/layout/list1"/>
+    <dgm:cxn modelId="{26AFE2C8-B93A-42A0-9B12-8015C0E862E6}" type="presOf" srcId="{2B109069-44D5-4908-85C7-754186FA4299}" destId="{A7E5EFF3-3B0C-4E61-8FB6-B10F11B9A7DD}" srcOrd="0" destOrd="0" presId="urn:microsoft.com/office/officeart/2005/8/layout/list1"/>
     <dgm:cxn modelId="{34765711-D999-450D-B989-1075A47E19A2}" srcId="{2B109069-44D5-4908-85C7-754186FA4299}" destId="{324335D8-9FFC-4F95-A4F2-0CE3AA9321EF}" srcOrd="0" destOrd="0" parTransId="{0E8D8ECB-F199-4661-AA9D-CF7B35D6F598}" sibTransId="{81B95035-88E1-479B-8275-849430DF92C9}"/>
-    <dgm:cxn modelId="{C045E222-B94E-47AC-B963-1695189368D8}" type="presOf" srcId="{D3A7B123-C29E-4DB6-80C0-00BE9BE6CFB7}" destId="{95BAD304-A72D-4712-855B-395C227916A3}" srcOrd="1" destOrd="0" presId="urn:microsoft.com/office/officeart/2005/8/layout/list1"/>
     <dgm:cxn modelId="{E6E5E28A-2ED4-4312-BF4A-6EA2729DE723}" type="presOf" srcId="{FFFF5955-B14E-4D9C-A124-C73C00B7A080}" destId="{91951800-ED8B-4AD1-B1D0-0E8459019DEB}" srcOrd="1" destOrd="0" presId="urn:microsoft.com/office/officeart/2005/8/layout/list1"/>
-    <dgm:cxn modelId="{056BE37B-4AC4-4927-B6A9-5683686405B8}" type="presOf" srcId="{EE123B41-4DD6-4D39-85B9-91858EBB824E}" destId="{7BD287DB-C389-448B-AB91-DDAB02AE4BDA}" srcOrd="0" destOrd="0" presId="urn:microsoft.com/office/officeart/2005/8/layout/list1"/>
     <dgm:cxn modelId="{519B00FB-844B-4AD7-8604-0FCFBF869AA7}" type="presOf" srcId="{EE123B41-4DD6-4D39-85B9-91858EBB824E}" destId="{63CCA736-80EC-4C40-B74C-1864695387BE}" srcOrd="1" destOrd="0" presId="urn:microsoft.com/office/officeart/2005/8/layout/list1"/>
     <dgm:cxn modelId="{0DE0150B-5E1D-4B34-99C0-F09B3FF7004D}" type="presOf" srcId="{FFFF5955-B14E-4D9C-A124-C73C00B7A080}" destId="{AA1D695A-2AC4-46CF-B6B7-4672F4178BA7}" srcOrd="0" destOrd="0" presId="urn:microsoft.com/office/officeart/2005/8/layout/list1"/>
-    <dgm:cxn modelId="{F0259DF7-B468-4D14-B0C1-490EC188EEEB}" type="presOf" srcId="{324335D8-9FFC-4F95-A4F2-0CE3AA9321EF}" destId="{F4BF5279-C0BB-4CA4-9E43-E7DF31C32272}" srcOrd="1" destOrd="0" presId="urn:microsoft.com/office/officeart/2005/8/layout/list1"/>
-    <dgm:cxn modelId="{B0D6ED5A-E223-42F9-B627-B49EF609F05D}" type="presOf" srcId="{D3A7B123-C29E-4DB6-80C0-00BE9BE6CFB7}" destId="{3DC335E2-B1E2-4E30-B1E3-7F313E727E9B}" srcOrd="0" destOrd="0" presId="urn:microsoft.com/office/officeart/2005/8/layout/list1"/>
-    <dgm:cxn modelId="{26AFE2C8-B93A-42A0-9B12-8015C0E862E6}" type="presOf" srcId="{2B109069-44D5-4908-85C7-754186FA4299}" destId="{A7E5EFF3-3B0C-4E61-8FB6-B10F11B9A7DD}" srcOrd="0" destOrd="0" presId="urn:microsoft.com/office/officeart/2005/8/layout/list1"/>
-    <dgm:cxn modelId="{E4C562C7-03B7-43F5-860B-9B353D16D0BE}" srcId="{2B109069-44D5-4908-85C7-754186FA4299}" destId="{FFFF5955-B14E-4D9C-A124-C73C00B7A080}" srcOrd="2" destOrd="0" parTransId="{9C967E4F-E2DD-4947-8303-7BB0848791D4}" sibTransId="{2E60D78B-28F3-4D55-91A9-C7AB281317BB}"/>
     <dgm:cxn modelId="{AFF468A2-5A2C-4A62-A0CD-50EEB6B084E2}" type="presParOf" srcId="{A7E5EFF3-3B0C-4E61-8FB6-B10F11B9A7DD}" destId="{49560848-AC1D-4B49-8063-D444F02A17CB}" srcOrd="0" destOrd="0" presId="urn:microsoft.com/office/officeart/2005/8/layout/list1"/>
     <dgm:cxn modelId="{41984D18-D80C-4788-804E-56C989316D41}" type="presParOf" srcId="{49560848-AC1D-4B49-8063-D444F02A17CB}" destId="{D695F42B-E1B6-490D-B76D-69E6702F0F5A}" srcOrd="0" destOrd="0" presId="urn:microsoft.com/office/officeart/2005/8/layout/list1"/>
     <dgm:cxn modelId="{DB668985-4EC7-4026-9DD0-DF5100522A06}" type="presParOf" srcId="{49560848-AC1D-4B49-8063-D444F02A17CB}" destId="{F4BF5279-C0BB-4CA4-9E43-E7DF31C32272}" srcOrd="1" destOrd="0" presId="urn:microsoft.com/office/officeart/2005/8/layout/list1"/>
@@ -1184,7 +1265,543 @@
   </dgm:cxnLst>
   <dgm:bg/>
   <dgm:whole/>
+  <dgm:extLst>
+    <a:ext uri="http://schemas.microsoft.com/office/drawing/2008/diagram">
+      <dsp:dataModelExt xmlns:dsp="http://schemas.microsoft.com/office/drawing/2008/diagram" xmlns="" relId="rId6" minVer="http://schemas.openxmlformats.org/drawingml/2006/diagram"/>
+    </a:ext>
+  </dgm:extLst>
 </dgm:dataModel>
+</file>
+
+<file path=ppt/diagrams/drawing1.xml><?xml version="1.0" encoding="utf-8"?>
+<dsp:drawing xmlns:dgm="http://schemas.openxmlformats.org/drawingml/2006/diagram" xmlns:dsp="http://schemas.microsoft.com/office/drawing/2008/diagram" xmlns:a="http://schemas.openxmlformats.org/drawingml/2006/main">
+  <dsp:spTree>
+    <dsp:nvGrpSpPr>
+      <dsp:cNvPr id="0" name=""/>
+      <dsp:cNvGrpSpPr/>
+    </dsp:nvGrpSpPr>
+    <dsp:grpSpPr/>
+    <dsp:sp modelId="{08F00EA0-CC2A-4EFE-A05D-AD93DCB1D9AD}">
+      <dsp:nvSpPr>
+        <dsp:cNvPr id="0" name=""/>
+        <dsp:cNvSpPr/>
+      </dsp:nvSpPr>
+      <dsp:spPr>
+        <a:xfrm>
+          <a:off x="0" y="431480"/>
+          <a:ext cx="8229600" cy="630000"/>
+        </a:xfrm>
+        <a:prstGeom prst="rect">
+          <a:avLst/>
+        </a:prstGeom>
+        <a:solidFill>
+          <a:schemeClr val="lt1">
+            <a:alpha val="90000"/>
+            <a:hueOff val="0"/>
+            <a:satOff val="0"/>
+            <a:lumOff val="0"/>
+            <a:alphaOff val="0"/>
+          </a:schemeClr>
+        </a:solidFill>
+        <a:ln w="25400" cap="flat" cmpd="sng" algn="ctr">
+          <a:solidFill>
+            <a:schemeClr val="accent1">
+              <a:hueOff val="0"/>
+              <a:satOff val="0"/>
+              <a:lumOff val="0"/>
+              <a:alphaOff val="0"/>
+            </a:schemeClr>
+          </a:solidFill>
+          <a:prstDash val="solid"/>
+        </a:ln>
+        <a:effectLst/>
+      </dsp:spPr>
+      <dsp:style>
+        <a:lnRef idx="2">
+          <a:scrgbClr r="0" g="0" b="0"/>
+        </a:lnRef>
+        <a:fillRef idx="1">
+          <a:scrgbClr r="0" g="0" b="0"/>
+        </a:fillRef>
+        <a:effectRef idx="0">
+          <a:scrgbClr r="0" g="0" b="0"/>
+        </a:effectRef>
+        <a:fontRef idx="minor"/>
+      </dsp:style>
+    </dsp:sp>
+    <dsp:sp modelId="{F4BF5279-C0BB-4CA4-9E43-E7DF31C32272}">
+      <dsp:nvSpPr>
+        <dsp:cNvPr id="0" name=""/>
+        <dsp:cNvSpPr/>
+      </dsp:nvSpPr>
+      <dsp:spPr>
+        <a:xfrm>
+          <a:off x="411480" y="62480"/>
+          <a:ext cx="5760720" cy="738000"/>
+        </a:xfrm>
+        <a:prstGeom prst="roundRect">
+          <a:avLst/>
+        </a:prstGeom>
+        <a:solidFill>
+          <a:schemeClr val="accent1">
+            <a:hueOff val="0"/>
+            <a:satOff val="0"/>
+            <a:lumOff val="0"/>
+            <a:alphaOff val="0"/>
+          </a:schemeClr>
+        </a:solidFill>
+        <a:ln w="25400" cap="flat" cmpd="sng" algn="ctr">
+          <a:solidFill>
+            <a:schemeClr val="lt1">
+              <a:hueOff val="0"/>
+              <a:satOff val="0"/>
+              <a:lumOff val="0"/>
+              <a:alphaOff val="0"/>
+            </a:schemeClr>
+          </a:solidFill>
+          <a:prstDash val="solid"/>
+        </a:ln>
+        <a:effectLst/>
+      </dsp:spPr>
+      <dsp:style>
+        <a:lnRef idx="2">
+          <a:scrgbClr r="0" g="0" b="0"/>
+        </a:lnRef>
+        <a:fillRef idx="1">
+          <a:scrgbClr r="0" g="0" b="0"/>
+        </a:fillRef>
+        <a:effectRef idx="0">
+          <a:scrgbClr r="0" g="0" b="0"/>
+        </a:effectRef>
+        <a:fontRef idx="minor">
+          <a:schemeClr val="lt1"/>
+        </a:fontRef>
+      </dsp:style>
+      <dsp:txBody>
+        <a:bodyPr spcFirstLastPara="0" vert="horz" wrap="square" lIns="217742" tIns="0" rIns="217742" bIns="0" numCol="1" spcCol="1270" anchor="ctr" anchorCtr="0">
+          <a:noAutofit/>
+        </a:bodyPr>
+        <a:lstStyle/>
+        <a:p>
+          <a:pPr marL="0" lvl="0" indent="0" algn="l" defTabSz="1111250">
+            <a:lnSpc>
+              <a:spcPct val="90000"/>
+            </a:lnSpc>
+            <a:spcBef>
+              <a:spcPct val="0"/>
+            </a:spcBef>
+            <a:spcAft>
+              <a:spcPct val="35000"/>
+            </a:spcAft>
+            <a:buNone/>
+          </a:pPr>
+          <a:r>
+            <a:rPr lang="pt-BR" sz="2500" b="0" kern="1200" dirty="0">
+              <a:solidFill>
+                <a:schemeClr val="tx1"/>
+              </a:solidFill>
+              <a:hlinkClick xmlns:r="http://schemas.openxmlformats.org/officeDocument/2006/relationships" r:id="" action="ppaction://hlinksldjump"/>
+            </a:rPr>
+            <a:t>Introdução</a:t>
+          </a:r>
+          <a:endParaRPr lang="pt-BR" sz="2500" b="0" kern="1200" dirty="0">
+            <a:solidFill>
+              <a:schemeClr val="tx1"/>
+            </a:solidFill>
+          </a:endParaRPr>
+        </a:p>
+      </dsp:txBody>
+      <dsp:txXfrm>
+        <a:off x="447506" y="98506"/>
+        <a:ext cx="5688668" cy="665948"/>
+      </dsp:txXfrm>
+    </dsp:sp>
+    <dsp:sp modelId="{F485422B-7398-4A71-A992-D7A0173C382C}">
+      <dsp:nvSpPr>
+        <dsp:cNvPr id="0" name=""/>
+        <dsp:cNvSpPr/>
+      </dsp:nvSpPr>
+      <dsp:spPr>
+        <a:xfrm>
+          <a:off x="0" y="1565481"/>
+          <a:ext cx="8229600" cy="630000"/>
+        </a:xfrm>
+        <a:prstGeom prst="rect">
+          <a:avLst/>
+        </a:prstGeom>
+        <a:solidFill>
+          <a:schemeClr val="lt1">
+            <a:alpha val="90000"/>
+            <a:hueOff val="0"/>
+            <a:satOff val="0"/>
+            <a:lumOff val="0"/>
+            <a:alphaOff val="0"/>
+          </a:schemeClr>
+        </a:solidFill>
+        <a:ln w="25400" cap="flat" cmpd="sng" algn="ctr">
+          <a:solidFill>
+            <a:schemeClr val="accent1">
+              <a:hueOff val="0"/>
+              <a:satOff val="0"/>
+              <a:lumOff val="0"/>
+              <a:alphaOff val="0"/>
+            </a:schemeClr>
+          </a:solidFill>
+          <a:prstDash val="solid"/>
+        </a:ln>
+        <a:effectLst/>
+      </dsp:spPr>
+      <dsp:style>
+        <a:lnRef idx="2">
+          <a:scrgbClr r="0" g="0" b="0"/>
+        </a:lnRef>
+        <a:fillRef idx="1">
+          <a:scrgbClr r="0" g="0" b="0"/>
+        </a:fillRef>
+        <a:effectRef idx="0">
+          <a:scrgbClr r="0" g="0" b="0"/>
+        </a:effectRef>
+        <a:fontRef idx="minor"/>
+      </dsp:style>
+    </dsp:sp>
+    <dsp:sp modelId="{63CCA736-80EC-4C40-B74C-1864695387BE}">
+      <dsp:nvSpPr>
+        <dsp:cNvPr id="0" name=""/>
+        <dsp:cNvSpPr/>
+      </dsp:nvSpPr>
+      <dsp:spPr>
+        <a:xfrm>
+          <a:off x="411480" y="1196481"/>
+          <a:ext cx="5760720" cy="738000"/>
+        </a:xfrm>
+        <a:prstGeom prst="roundRect">
+          <a:avLst/>
+        </a:prstGeom>
+        <a:solidFill>
+          <a:schemeClr val="accent1">
+            <a:hueOff val="0"/>
+            <a:satOff val="0"/>
+            <a:lumOff val="0"/>
+            <a:alphaOff val="0"/>
+          </a:schemeClr>
+        </a:solidFill>
+        <a:ln w="25400" cap="flat" cmpd="sng" algn="ctr">
+          <a:solidFill>
+            <a:schemeClr val="lt1">
+              <a:hueOff val="0"/>
+              <a:satOff val="0"/>
+              <a:lumOff val="0"/>
+              <a:alphaOff val="0"/>
+            </a:schemeClr>
+          </a:solidFill>
+          <a:prstDash val="solid"/>
+        </a:ln>
+        <a:effectLst/>
+      </dsp:spPr>
+      <dsp:style>
+        <a:lnRef idx="2">
+          <a:scrgbClr r="0" g="0" b="0"/>
+        </a:lnRef>
+        <a:fillRef idx="1">
+          <a:scrgbClr r="0" g="0" b="0"/>
+        </a:fillRef>
+        <a:effectRef idx="0">
+          <a:scrgbClr r="0" g="0" b="0"/>
+        </a:effectRef>
+        <a:fontRef idx="minor">
+          <a:schemeClr val="lt1"/>
+        </a:fontRef>
+      </dsp:style>
+      <dsp:txBody>
+        <a:bodyPr spcFirstLastPara="0" vert="horz" wrap="square" lIns="217742" tIns="0" rIns="217742" bIns="0" numCol="1" spcCol="1270" anchor="ctr" anchorCtr="0">
+          <a:noAutofit/>
+        </a:bodyPr>
+        <a:lstStyle/>
+        <a:p>
+          <a:pPr marL="0" lvl="0" indent="0" algn="l" defTabSz="1111250">
+            <a:lnSpc>
+              <a:spcPct val="90000"/>
+            </a:lnSpc>
+            <a:spcBef>
+              <a:spcPct val="0"/>
+            </a:spcBef>
+            <a:spcAft>
+              <a:spcPct val="35000"/>
+            </a:spcAft>
+            <a:buNone/>
+          </a:pPr>
+          <a:r>
+            <a:rPr lang="pt-BR" sz="2500" kern="1200" dirty="0">
+              <a:hlinkClick xmlns:r="http://schemas.openxmlformats.org/officeDocument/2006/relationships" r:id="" action="ppaction://hlinksldjump"/>
+            </a:rPr>
+            <a:t>Projetos</a:t>
+          </a:r>
+          <a:endParaRPr lang="pt-BR" sz="2500" kern="1200" dirty="0"/>
+        </a:p>
+      </dsp:txBody>
+      <dsp:txXfrm>
+        <a:off x="447506" y="1232507"/>
+        <a:ext cx="5688668" cy="665948"/>
+      </dsp:txXfrm>
+    </dsp:sp>
+    <dsp:sp modelId="{D6DF7FA6-6C0C-468C-B844-CAB5BCDBCACB}">
+      <dsp:nvSpPr>
+        <dsp:cNvPr id="0" name=""/>
+        <dsp:cNvSpPr/>
+      </dsp:nvSpPr>
+      <dsp:spPr>
+        <a:xfrm>
+          <a:off x="0" y="2699480"/>
+          <a:ext cx="8229600" cy="630000"/>
+        </a:xfrm>
+        <a:prstGeom prst="rect">
+          <a:avLst/>
+        </a:prstGeom>
+        <a:solidFill>
+          <a:schemeClr val="lt1">
+            <a:alpha val="90000"/>
+            <a:hueOff val="0"/>
+            <a:satOff val="0"/>
+            <a:lumOff val="0"/>
+            <a:alphaOff val="0"/>
+          </a:schemeClr>
+        </a:solidFill>
+        <a:ln w="25400" cap="flat" cmpd="sng" algn="ctr">
+          <a:solidFill>
+            <a:schemeClr val="accent1">
+              <a:hueOff val="0"/>
+              <a:satOff val="0"/>
+              <a:lumOff val="0"/>
+              <a:alphaOff val="0"/>
+            </a:schemeClr>
+          </a:solidFill>
+          <a:prstDash val="solid"/>
+        </a:ln>
+        <a:effectLst/>
+      </dsp:spPr>
+      <dsp:style>
+        <a:lnRef idx="2">
+          <a:scrgbClr r="0" g="0" b="0"/>
+        </a:lnRef>
+        <a:fillRef idx="1">
+          <a:scrgbClr r="0" g="0" b="0"/>
+        </a:fillRef>
+        <a:effectRef idx="0">
+          <a:scrgbClr r="0" g="0" b="0"/>
+        </a:effectRef>
+        <a:fontRef idx="minor"/>
+      </dsp:style>
+    </dsp:sp>
+    <dsp:sp modelId="{91951800-ED8B-4AD1-B1D0-0E8459019DEB}">
+      <dsp:nvSpPr>
+        <dsp:cNvPr id="0" name=""/>
+        <dsp:cNvSpPr/>
+      </dsp:nvSpPr>
+      <dsp:spPr>
+        <a:xfrm>
+          <a:off x="411480" y="2330480"/>
+          <a:ext cx="5760720" cy="738000"/>
+        </a:xfrm>
+        <a:prstGeom prst="roundRect">
+          <a:avLst/>
+        </a:prstGeom>
+        <a:solidFill>
+          <a:schemeClr val="accent1">
+            <a:hueOff val="0"/>
+            <a:satOff val="0"/>
+            <a:lumOff val="0"/>
+            <a:alphaOff val="0"/>
+          </a:schemeClr>
+        </a:solidFill>
+        <a:ln w="25400" cap="flat" cmpd="sng" algn="ctr">
+          <a:solidFill>
+            <a:schemeClr val="lt1">
+              <a:hueOff val="0"/>
+              <a:satOff val="0"/>
+              <a:lumOff val="0"/>
+              <a:alphaOff val="0"/>
+            </a:schemeClr>
+          </a:solidFill>
+          <a:prstDash val="solid"/>
+        </a:ln>
+        <a:effectLst/>
+      </dsp:spPr>
+      <dsp:style>
+        <a:lnRef idx="2">
+          <a:scrgbClr r="0" g="0" b="0"/>
+        </a:lnRef>
+        <a:fillRef idx="1">
+          <a:scrgbClr r="0" g="0" b="0"/>
+        </a:fillRef>
+        <a:effectRef idx="0">
+          <a:scrgbClr r="0" g="0" b="0"/>
+        </a:effectRef>
+        <a:fontRef idx="minor">
+          <a:schemeClr val="lt1"/>
+        </a:fontRef>
+      </dsp:style>
+      <dsp:txBody>
+        <a:bodyPr spcFirstLastPara="0" vert="horz" wrap="square" lIns="217742" tIns="0" rIns="217742" bIns="0" numCol="1" spcCol="1270" anchor="ctr" anchorCtr="0">
+          <a:noAutofit/>
+        </a:bodyPr>
+        <a:lstStyle/>
+        <a:p>
+          <a:pPr marL="0" lvl="0" indent="0" algn="l" defTabSz="1111250">
+            <a:lnSpc>
+              <a:spcPct val="90000"/>
+            </a:lnSpc>
+            <a:spcBef>
+              <a:spcPct val="0"/>
+            </a:spcBef>
+            <a:spcAft>
+              <a:spcPct val="35000"/>
+            </a:spcAft>
+            <a:buNone/>
+          </a:pPr>
+          <a:r>
+            <a:rPr lang="pt-BR" sz="2500" kern="1200" dirty="0">
+              <a:hlinkClick xmlns:r="http://schemas.openxmlformats.org/officeDocument/2006/relationships" r:id="" action="ppaction://hlinksldjump"/>
+            </a:rPr>
+            <a:t>Publicações</a:t>
+          </a:r>
+          <a:endParaRPr lang="pt-BR" sz="2500" kern="1200" dirty="0"/>
+        </a:p>
+      </dsp:txBody>
+      <dsp:txXfrm>
+        <a:off x="447506" y="2366506"/>
+        <a:ext cx="5688668" cy="665948"/>
+      </dsp:txXfrm>
+    </dsp:sp>
+    <dsp:sp modelId="{7CA47B46-257A-4ED0-9D37-CB7BDFE45B48}">
+      <dsp:nvSpPr>
+        <dsp:cNvPr id="0" name=""/>
+        <dsp:cNvSpPr/>
+      </dsp:nvSpPr>
+      <dsp:spPr>
+        <a:xfrm>
+          <a:off x="0" y="3833481"/>
+          <a:ext cx="8229600" cy="630000"/>
+        </a:xfrm>
+        <a:prstGeom prst="rect">
+          <a:avLst/>
+        </a:prstGeom>
+        <a:solidFill>
+          <a:schemeClr val="lt1">
+            <a:alpha val="90000"/>
+            <a:hueOff val="0"/>
+            <a:satOff val="0"/>
+            <a:lumOff val="0"/>
+            <a:alphaOff val="0"/>
+          </a:schemeClr>
+        </a:solidFill>
+        <a:ln w="25400" cap="flat" cmpd="sng" algn="ctr">
+          <a:solidFill>
+            <a:schemeClr val="accent1">
+              <a:hueOff val="0"/>
+              <a:satOff val="0"/>
+              <a:lumOff val="0"/>
+              <a:alphaOff val="0"/>
+            </a:schemeClr>
+          </a:solidFill>
+          <a:prstDash val="solid"/>
+        </a:ln>
+        <a:effectLst/>
+      </dsp:spPr>
+      <dsp:style>
+        <a:lnRef idx="2">
+          <a:scrgbClr r="0" g="0" b="0"/>
+        </a:lnRef>
+        <a:fillRef idx="1">
+          <a:scrgbClr r="0" g="0" b="0"/>
+        </a:fillRef>
+        <a:effectRef idx="0">
+          <a:scrgbClr r="0" g="0" b="0"/>
+        </a:effectRef>
+        <a:fontRef idx="minor"/>
+      </dsp:style>
+    </dsp:sp>
+    <dsp:sp modelId="{95BAD304-A72D-4712-855B-395C227916A3}">
+      <dsp:nvSpPr>
+        <dsp:cNvPr id="0" name=""/>
+        <dsp:cNvSpPr/>
+      </dsp:nvSpPr>
+      <dsp:spPr>
+        <a:xfrm>
+          <a:off x="411480" y="3464481"/>
+          <a:ext cx="5760720" cy="738000"/>
+        </a:xfrm>
+        <a:prstGeom prst="roundRect">
+          <a:avLst/>
+        </a:prstGeom>
+        <a:solidFill>
+          <a:schemeClr val="accent1">
+            <a:hueOff val="0"/>
+            <a:satOff val="0"/>
+            <a:lumOff val="0"/>
+            <a:alphaOff val="0"/>
+          </a:schemeClr>
+        </a:solidFill>
+        <a:ln w="25400" cap="flat" cmpd="sng" algn="ctr">
+          <a:solidFill>
+            <a:schemeClr val="lt1">
+              <a:hueOff val="0"/>
+              <a:satOff val="0"/>
+              <a:lumOff val="0"/>
+              <a:alphaOff val="0"/>
+            </a:schemeClr>
+          </a:solidFill>
+          <a:prstDash val="solid"/>
+        </a:ln>
+        <a:effectLst/>
+      </dsp:spPr>
+      <dsp:style>
+        <a:lnRef idx="2">
+          <a:scrgbClr r="0" g="0" b="0"/>
+        </a:lnRef>
+        <a:fillRef idx="1">
+          <a:scrgbClr r="0" g="0" b="0"/>
+        </a:fillRef>
+        <a:effectRef idx="0">
+          <a:scrgbClr r="0" g="0" b="0"/>
+        </a:effectRef>
+        <a:fontRef idx="minor">
+          <a:schemeClr val="lt1"/>
+        </a:fontRef>
+      </dsp:style>
+      <dsp:txBody>
+        <a:bodyPr spcFirstLastPara="0" vert="horz" wrap="square" lIns="217742" tIns="0" rIns="217742" bIns="0" numCol="1" spcCol="1270" anchor="ctr" anchorCtr="0">
+          <a:noAutofit/>
+        </a:bodyPr>
+        <a:lstStyle/>
+        <a:p>
+          <a:pPr marL="0" lvl="0" indent="0" algn="l" defTabSz="1111250">
+            <a:lnSpc>
+              <a:spcPct val="90000"/>
+            </a:lnSpc>
+            <a:spcBef>
+              <a:spcPct val="0"/>
+            </a:spcBef>
+            <a:spcAft>
+              <a:spcPct val="35000"/>
+            </a:spcAft>
+            <a:buNone/>
+          </a:pPr>
+          <a:r>
+            <a:rPr lang="pt-BR" sz="2500" kern="1200" dirty="0">
+              <a:hlinkClick xmlns:r="http://schemas.openxmlformats.org/officeDocument/2006/relationships" r:id="" action="ppaction://hlinksldjump"/>
+            </a:rPr>
+            <a:t>Links</a:t>
+          </a:r>
+          <a:endParaRPr lang="pt-BR" sz="2500" kern="1200" dirty="0"/>
+        </a:p>
+      </dsp:txBody>
+      <dsp:txXfrm>
+        <a:off x="447506" y="3500507"/>
+        <a:ext cx="5688668" cy="665948"/>
+      </dsp:txXfrm>
+    </dsp:sp>
+  </dsp:spTree>
+</dsp:drawing>
 </file>
 
 <file path=ppt/diagrams/layout1.xml><?xml version="1.0" encoding="utf-8"?>
@@ -2528,7 +3145,8 @@
           <a:p>
             <a:fld id="{6A7C1E0C-B2A2-4B4C-B692-57F2D22D2B19}" type="datetimeFigureOut">
               <a:rPr lang="pt-BR" smtClean="0"/>
-              <a:t>23/11/2018</a:t>
+              <a:pPr/>
+              <a:t>27/11/2018</a:t>
             </a:fld>
             <a:endParaRPr lang="pt-BR"/>
           </a:p>
@@ -2594,38 +3212,37 @@
           <a:p>
             <a:pPr lvl="0"/>
             <a:r>
-              <a:rPr lang="pt-BR" smtClean="0"/>
+              <a:rPr lang="pt-BR"/>
               <a:t>Clique para editar os estilos do texto mestre</a:t>
             </a:r>
           </a:p>
           <a:p>
             <a:pPr lvl="1"/>
             <a:r>
-              <a:rPr lang="pt-BR" smtClean="0"/>
+              <a:rPr lang="pt-BR"/>
               <a:t>Segundo nível</a:t>
             </a:r>
           </a:p>
           <a:p>
             <a:pPr lvl="2"/>
             <a:r>
-              <a:rPr lang="pt-BR" smtClean="0"/>
+              <a:rPr lang="pt-BR"/>
               <a:t>Terceiro nível</a:t>
             </a:r>
           </a:p>
           <a:p>
             <a:pPr lvl="3"/>
             <a:r>
-              <a:rPr lang="pt-BR" smtClean="0"/>
+              <a:rPr lang="pt-BR"/>
               <a:t>Quarto nível</a:t>
             </a:r>
           </a:p>
           <a:p>
             <a:pPr lvl="4"/>
             <a:r>
-              <a:rPr lang="pt-BR" smtClean="0"/>
+              <a:rPr lang="pt-BR"/>
               <a:t>Quinto nível</a:t>
             </a:r>
-            <a:endParaRPr lang="pt-BR"/>
           </a:p>
         </p:txBody>
       </p:sp>
@@ -2689,6 +3306,7 @@
           <a:p>
             <a:fld id="{2D08AB27-4B01-414A-A22C-20E20A219124}" type="slidenum">
               <a:rPr lang="pt-BR" smtClean="0"/>
+              <a:pPr/>
               <a:t>‹nº›</a:t>
             </a:fld>
             <a:endParaRPr lang="pt-BR"/>
@@ -2873,9 +3491,7 @@
         </p:style>
         <p:txBody>
           <a:bodyPr anchor="ctr"/>
-          <a:lstStyle>
-            <a:extLst/>
-          </a:lstStyle>
+          <a:lstStyle/>
           <a:p>
             <a:pPr algn="ctr" eaLnBrk="1" latinLnBrk="0" hangingPunct="1"/>
             <a:endParaRPr kumimoji="0" lang="en-US"/>
@@ -2928,7 +3544,7 @@
           </a:lstStyle>
           <a:p>
             <a:r>
-              <a:rPr kumimoji="0" lang="pt-BR" smtClean="0"/>
+              <a:rPr kumimoji="0" lang="pt-BR"/>
               <a:t>Clique para editar o estilo do título mestre</a:t>
             </a:r>
             <a:endParaRPr kumimoji="0" lang="en-US"/>
@@ -2990,7 +3606,7 @@
           </a:lstStyle>
           <a:p>
             <a:r>
-              <a:rPr kumimoji="0" lang="pt-BR" smtClean="0"/>
+              <a:rPr kumimoji="0" lang="pt-BR"/>
               <a:t>Clique para editar o estilo do subtítulo mestre</a:t>
             </a:r>
             <a:endParaRPr kumimoji="0" lang="en-US"/>
@@ -3088,9 +3704,7 @@
           </p:spPr>
           <p:txBody>
             <a:bodyPr vert="horz" wrap="square" lIns="91440" tIns="45720" rIns="91440" bIns="45720" anchor="t" compatLnSpc="1"/>
-            <a:lstStyle>
-              <a:extLst/>
-            </a:lstStyle>
+            <a:lstStyle/>
             <a:p>
               <a:endParaRPr kumimoji="0" lang="en-US"/>
             </a:p>
@@ -3170,9 +3784,7 @@
           </p:spPr>
           <p:txBody>
             <a:bodyPr vert="horz" wrap="square" lIns="91440" tIns="45720" rIns="91440" bIns="45720" anchor="t" compatLnSpc="1"/>
-            <a:lstStyle>
-              <a:extLst/>
-            </a:lstStyle>
+            <a:lstStyle/>
             <a:p>
               <a:endParaRPr kumimoji="0" lang="en-US"/>
             </a:p>
@@ -3329,9 +3941,7 @@
           </p:style>
           <p:txBody>
             <a:bodyPr vert="horz" wrap="square" lIns="91440" tIns="45720" rIns="91440" bIns="45720" anchor="ctr" compatLnSpc="1"/>
-            <a:lstStyle>
-              <a:extLst/>
-            </a:lstStyle>
+            <a:lstStyle/>
             <a:p>
               <a:pPr algn="ctr" eaLnBrk="1" latinLnBrk="0" hangingPunct="1"/>
               <a:endParaRPr kumimoji="0" lang="en-US"/>
@@ -3418,7 +4028,8 @@
           <a:p>
             <a:fld id="{BA168321-A260-47A0-9ADB-704C2874E403}" type="datetime1">
               <a:rPr lang="pt-BR" smtClean="0"/>
-              <a:t>23/11/2018</a:t>
+              <a:pPr/>
+              <a:t>27/11/2018</a:t>
             </a:fld>
             <a:endParaRPr lang="pt-BR"/>
           </a:p>
@@ -3525,12 +4136,10 @@
         <p:spPr/>
         <p:txBody>
           <a:bodyPr/>
-          <a:lstStyle>
-            <a:extLst/>
-          </a:lstStyle>
-          <a:p>
-            <a:r>
-              <a:rPr kumimoji="0" lang="pt-BR" smtClean="0"/>
+          <a:lstStyle/>
+          <a:p>
+            <a:r>
+              <a:rPr kumimoji="0" lang="pt-BR"/>
               <a:t>Clique para editar o estilo do título mestre</a:t>
             </a:r>
             <a:endParaRPr kumimoji="0" lang="en-US"/>
@@ -3555,41 +4164,39 @@
         </p:spPr>
         <p:txBody>
           <a:bodyPr vert="eaVert"/>
-          <a:lstStyle>
-            <a:extLst/>
-          </a:lstStyle>
+          <a:lstStyle/>
           <a:p>
             <a:pPr lvl="0" eaLnBrk="1" latinLnBrk="0" hangingPunct="1"/>
             <a:r>
-              <a:rPr lang="pt-BR" smtClean="0"/>
+              <a:rPr lang="pt-BR"/>
               <a:t>Clique para editar os estilos do texto mestre</a:t>
             </a:r>
           </a:p>
           <a:p>
             <a:pPr lvl="1" eaLnBrk="1" latinLnBrk="0" hangingPunct="1"/>
             <a:r>
-              <a:rPr lang="pt-BR" smtClean="0"/>
+              <a:rPr lang="pt-BR"/>
               <a:t>Segundo nível</a:t>
             </a:r>
           </a:p>
           <a:p>
             <a:pPr lvl="2" eaLnBrk="1" latinLnBrk="0" hangingPunct="1"/>
             <a:r>
-              <a:rPr lang="pt-BR" smtClean="0"/>
+              <a:rPr lang="pt-BR"/>
               <a:t>Terceiro nível</a:t>
             </a:r>
           </a:p>
           <a:p>
             <a:pPr lvl="3" eaLnBrk="1" latinLnBrk="0" hangingPunct="1"/>
             <a:r>
-              <a:rPr lang="pt-BR" smtClean="0"/>
+              <a:rPr lang="pt-BR"/>
               <a:t>Quarto nível</a:t>
             </a:r>
           </a:p>
           <a:p>
             <a:pPr lvl="4" eaLnBrk="1" latinLnBrk="0" hangingPunct="1"/>
             <a:r>
-              <a:rPr lang="pt-BR" smtClean="0"/>
+              <a:rPr lang="pt-BR"/>
               <a:t>Quinto nível</a:t>
             </a:r>
             <a:endParaRPr kumimoji="0" lang="en-US"/>
@@ -3609,13 +4216,12 @@
         <p:spPr/>
         <p:txBody>
           <a:bodyPr/>
-          <a:lstStyle>
-            <a:extLst/>
-          </a:lstStyle>
+          <a:lstStyle/>
           <a:p>
             <a:fld id="{6EB4B9EC-2B3C-442B-8FF0-D8475E18D159}" type="datetime1">
               <a:rPr lang="pt-BR" smtClean="0"/>
-              <a:t>23/11/2018</a:t>
+              <a:pPr/>
+              <a:t>27/11/2018</a:t>
             </a:fld>
             <a:endParaRPr lang="pt-BR"/>
           </a:p>
@@ -3634,9 +4240,7 @@
         <p:spPr/>
         <p:txBody>
           <a:bodyPr/>
-          <a:lstStyle>
-            <a:extLst/>
-          </a:lstStyle>
+          <a:lstStyle/>
           <a:p>
             <a:endParaRPr lang="pt-BR"/>
           </a:p>
@@ -3655,9 +4259,7 @@
         <p:spPr/>
         <p:txBody>
           <a:bodyPr/>
-          <a:lstStyle>
-            <a:extLst/>
-          </a:lstStyle>
+          <a:lstStyle/>
           <a:p>
             <a:fld id="{2119D8CF-8DEC-4D9F-84EE-ADF04DFF3391}" type="slidenum">
               <a:rPr lang="pt-BR" smtClean="0"/>
@@ -3711,12 +4313,10 @@
         </p:spPr>
         <p:txBody>
           <a:bodyPr vert="eaVert"/>
-          <a:lstStyle>
-            <a:extLst/>
-          </a:lstStyle>
-          <a:p>
-            <a:r>
-              <a:rPr kumimoji="0" lang="pt-BR" smtClean="0"/>
+          <a:lstStyle/>
+          <a:p>
+            <a:r>
+              <a:rPr kumimoji="0" lang="pt-BR"/>
               <a:t>Clique para editar o estilo do título mestre</a:t>
             </a:r>
             <a:endParaRPr kumimoji="0" lang="en-US"/>
@@ -3741,41 +4341,39 @@
         </p:spPr>
         <p:txBody>
           <a:bodyPr vert="eaVert"/>
-          <a:lstStyle>
-            <a:extLst/>
-          </a:lstStyle>
+          <a:lstStyle/>
           <a:p>
             <a:pPr lvl="0" eaLnBrk="1" latinLnBrk="0" hangingPunct="1"/>
             <a:r>
-              <a:rPr lang="pt-BR" smtClean="0"/>
+              <a:rPr lang="pt-BR"/>
               <a:t>Clique para editar os estilos do texto mestre</a:t>
             </a:r>
           </a:p>
           <a:p>
             <a:pPr lvl="1" eaLnBrk="1" latinLnBrk="0" hangingPunct="1"/>
             <a:r>
-              <a:rPr lang="pt-BR" smtClean="0"/>
+              <a:rPr lang="pt-BR"/>
               <a:t>Segundo nível</a:t>
             </a:r>
           </a:p>
           <a:p>
             <a:pPr lvl="2" eaLnBrk="1" latinLnBrk="0" hangingPunct="1"/>
             <a:r>
-              <a:rPr lang="pt-BR" smtClean="0"/>
+              <a:rPr lang="pt-BR"/>
               <a:t>Terceiro nível</a:t>
             </a:r>
           </a:p>
           <a:p>
             <a:pPr lvl="3" eaLnBrk="1" latinLnBrk="0" hangingPunct="1"/>
             <a:r>
-              <a:rPr lang="pt-BR" smtClean="0"/>
+              <a:rPr lang="pt-BR"/>
               <a:t>Quarto nível</a:t>
             </a:r>
           </a:p>
           <a:p>
             <a:pPr lvl="4" eaLnBrk="1" latinLnBrk="0" hangingPunct="1"/>
             <a:r>
-              <a:rPr lang="pt-BR" smtClean="0"/>
+              <a:rPr lang="pt-BR"/>
               <a:t>Quinto nível</a:t>
             </a:r>
             <a:endParaRPr kumimoji="0" lang="en-US"/>
@@ -3795,13 +4393,12 @@
         <p:spPr/>
         <p:txBody>
           <a:bodyPr/>
-          <a:lstStyle>
-            <a:extLst/>
-          </a:lstStyle>
+          <a:lstStyle/>
           <a:p>
             <a:fld id="{95B2B04B-22A6-44B4-9EA8-5D1C5BB3808E}" type="datetime1">
               <a:rPr lang="pt-BR" smtClean="0"/>
-              <a:t>23/11/2018</a:t>
+              <a:pPr/>
+              <a:t>27/11/2018</a:t>
             </a:fld>
             <a:endParaRPr lang="pt-BR"/>
           </a:p>
@@ -3820,9 +4417,7 @@
         <p:spPr/>
         <p:txBody>
           <a:bodyPr/>
-          <a:lstStyle>
-            <a:extLst/>
-          </a:lstStyle>
+          <a:lstStyle/>
           <a:p>
             <a:endParaRPr lang="pt-BR"/>
           </a:p>
@@ -3841,9 +4436,7 @@
         <p:spPr/>
         <p:txBody>
           <a:bodyPr/>
-          <a:lstStyle>
-            <a:extLst/>
-          </a:lstStyle>
+          <a:lstStyle/>
           <a:p>
             <a:fld id="{2119D8CF-8DEC-4D9F-84EE-ADF04DFF3391}" type="slidenum">
               <a:rPr lang="pt-BR" smtClean="0"/>
@@ -3892,41 +4485,39 @@
         <p:spPr/>
         <p:txBody>
           <a:bodyPr/>
-          <a:lstStyle>
-            <a:extLst/>
-          </a:lstStyle>
+          <a:lstStyle/>
           <a:p>
             <a:pPr lvl="0" eaLnBrk="1" latinLnBrk="0" hangingPunct="1"/>
             <a:r>
-              <a:rPr lang="pt-BR" smtClean="0"/>
+              <a:rPr lang="pt-BR"/>
               <a:t>Clique para editar os estilos do texto mestre</a:t>
             </a:r>
           </a:p>
           <a:p>
             <a:pPr lvl="1" eaLnBrk="1" latinLnBrk="0" hangingPunct="1"/>
             <a:r>
-              <a:rPr lang="pt-BR" smtClean="0"/>
+              <a:rPr lang="pt-BR"/>
               <a:t>Segundo nível</a:t>
             </a:r>
           </a:p>
           <a:p>
             <a:pPr lvl="2" eaLnBrk="1" latinLnBrk="0" hangingPunct="1"/>
             <a:r>
-              <a:rPr lang="pt-BR" smtClean="0"/>
+              <a:rPr lang="pt-BR"/>
               <a:t>Terceiro nível</a:t>
             </a:r>
           </a:p>
           <a:p>
             <a:pPr lvl="3" eaLnBrk="1" latinLnBrk="0" hangingPunct="1"/>
             <a:r>
-              <a:rPr lang="pt-BR" smtClean="0"/>
+              <a:rPr lang="pt-BR"/>
               <a:t>Quarto nível</a:t>
             </a:r>
           </a:p>
           <a:p>
             <a:pPr lvl="4" eaLnBrk="1" latinLnBrk="0" hangingPunct="1"/>
             <a:r>
-              <a:rPr lang="pt-BR" smtClean="0"/>
+              <a:rPr lang="pt-BR"/>
               <a:t>Quinto nível</a:t>
             </a:r>
             <a:endParaRPr kumimoji="0" lang="en-US"/>
@@ -3946,13 +4537,12 @@
         <p:spPr/>
         <p:txBody>
           <a:bodyPr/>
-          <a:lstStyle>
-            <a:extLst/>
-          </a:lstStyle>
+          <a:lstStyle/>
           <a:p>
             <a:fld id="{74D31C1C-0684-4061-A877-6D22EE36BDC7}" type="datetime1">
               <a:rPr lang="pt-BR" smtClean="0"/>
-              <a:t>23/11/2018</a:t>
+              <a:pPr/>
+              <a:t>27/11/2018</a:t>
             </a:fld>
             <a:endParaRPr lang="pt-BR"/>
           </a:p>
@@ -3971,9 +4561,7 @@
         <p:spPr/>
         <p:txBody>
           <a:bodyPr/>
-          <a:lstStyle>
-            <a:extLst/>
-          </a:lstStyle>
+          <a:lstStyle/>
           <a:p>
             <a:endParaRPr lang="pt-BR"/>
           </a:p>
@@ -3992,9 +4580,7 @@
         <p:spPr/>
         <p:txBody>
           <a:bodyPr/>
-          <a:lstStyle>
-            <a:extLst/>
-          </a:lstStyle>
+          <a:lstStyle/>
           <a:p>
             <a:fld id="{2119D8CF-8DEC-4D9F-84EE-ADF04DFF3391}" type="slidenum">
               <a:rPr lang="pt-BR" smtClean="0"/>
@@ -4018,12 +4604,10 @@
         <p:spPr/>
         <p:txBody>
           <a:bodyPr rtlCol="0"/>
-          <a:lstStyle>
-            <a:extLst/>
-          </a:lstStyle>
-          <a:p>
-            <a:r>
-              <a:rPr kumimoji="0" lang="pt-BR" smtClean="0"/>
+          <a:lstStyle/>
+          <a:p>
+            <a:r>
+              <a:rPr kumimoji="0" lang="pt-BR"/>
               <a:t>Clique para editar o estilo do título mestre</a:t>
             </a:r>
             <a:endParaRPr kumimoji="0" lang="en-US"/>
@@ -4104,7 +4688,7 @@
           </a:lstStyle>
           <a:p>
             <a:r>
-              <a:rPr kumimoji="0" lang="pt-BR" smtClean="0"/>
+              <a:rPr kumimoji="0" lang="pt-BR"/>
               <a:t>Clique para editar o estilo do título mestre</a:t>
             </a:r>
             <a:endParaRPr kumimoji="0" lang="en-US"/>
@@ -4183,7 +4767,7 @@
           <a:p>
             <a:pPr lvl="0" eaLnBrk="1" latinLnBrk="0" hangingPunct="1"/>
             <a:r>
-              <a:rPr kumimoji="0" lang="pt-BR" smtClean="0"/>
+              <a:rPr kumimoji="0" lang="pt-BR"/>
               <a:t>Clique para editar os estilos do texto mestre</a:t>
             </a:r>
           </a:p>
@@ -4202,13 +4786,12 @@
         <p:spPr/>
         <p:txBody>
           <a:bodyPr/>
-          <a:lstStyle>
-            <a:extLst/>
-          </a:lstStyle>
+          <a:lstStyle/>
           <a:p>
             <a:fld id="{B76880E7-6764-410D-AD0B-686A550CE41D}" type="datetime1">
               <a:rPr lang="pt-BR" smtClean="0"/>
-              <a:t>23/11/2018</a:t>
+              <a:pPr/>
+              <a:t>27/11/2018</a:t>
             </a:fld>
             <a:endParaRPr lang="pt-BR"/>
           </a:p>
@@ -4227,9 +4810,7 @@
         <p:spPr/>
         <p:txBody>
           <a:bodyPr/>
-          <a:lstStyle>
-            <a:extLst/>
-          </a:lstStyle>
+          <a:lstStyle/>
           <a:p>
             <a:endParaRPr lang="pt-BR"/>
           </a:p>
@@ -4248,9 +4829,7 @@
         <p:spPr/>
         <p:txBody>
           <a:bodyPr/>
-          <a:lstStyle>
-            <a:extLst/>
-          </a:lstStyle>
+          <a:lstStyle/>
           <a:p>
             <a:fld id="{2119D8CF-8DEC-4D9F-84EE-ADF04DFF3391}" type="slidenum">
               <a:rPr lang="pt-BR" smtClean="0"/>
@@ -4332,9 +4911,7 @@
         </p:style>
         <p:txBody>
           <a:bodyPr anchor="ctr"/>
-          <a:lstStyle>
-            <a:extLst/>
-          </a:lstStyle>
+          <a:lstStyle/>
           <a:p>
             <a:pPr algn="l" eaLnBrk="1" latinLnBrk="0" hangingPunct="1"/>
             <a:endParaRPr kumimoji="0" lang="en-US"/>
@@ -4412,9 +4989,7 @@
         </p:style>
         <p:txBody>
           <a:bodyPr anchor="ctr"/>
-          <a:lstStyle>
-            <a:extLst/>
-          </a:lstStyle>
+          <a:lstStyle/>
           <a:p>
             <a:pPr algn="l" eaLnBrk="1" latinLnBrk="0" hangingPunct="1"/>
             <a:endParaRPr kumimoji="0" lang="en-US"/>
@@ -4490,35 +5065,35 @@
           <a:p>
             <a:pPr lvl="0" eaLnBrk="1" latinLnBrk="0" hangingPunct="1"/>
             <a:r>
-              <a:rPr lang="pt-BR" smtClean="0"/>
+              <a:rPr lang="pt-BR"/>
               <a:t>Clique para editar os estilos do texto mestre</a:t>
             </a:r>
           </a:p>
           <a:p>
             <a:pPr lvl="1" eaLnBrk="1" latinLnBrk="0" hangingPunct="1"/>
             <a:r>
-              <a:rPr lang="pt-BR" smtClean="0"/>
+              <a:rPr lang="pt-BR"/>
               <a:t>Segundo nível</a:t>
             </a:r>
           </a:p>
           <a:p>
             <a:pPr lvl="2" eaLnBrk="1" latinLnBrk="0" hangingPunct="1"/>
             <a:r>
-              <a:rPr lang="pt-BR" smtClean="0"/>
+              <a:rPr lang="pt-BR"/>
               <a:t>Terceiro nível</a:t>
             </a:r>
           </a:p>
           <a:p>
             <a:pPr lvl="3" eaLnBrk="1" latinLnBrk="0" hangingPunct="1"/>
             <a:r>
-              <a:rPr lang="pt-BR" smtClean="0"/>
+              <a:rPr lang="pt-BR"/>
               <a:t>Quarto nível</a:t>
             </a:r>
           </a:p>
           <a:p>
             <a:pPr lvl="4" eaLnBrk="1" latinLnBrk="0" hangingPunct="1"/>
             <a:r>
-              <a:rPr lang="pt-BR" smtClean="0"/>
+              <a:rPr lang="pt-BR"/>
               <a:t>Quinto nível</a:t>
             </a:r>
             <a:endParaRPr kumimoji="0" lang="en-US"/>
@@ -4564,35 +5139,35 @@
           <a:p>
             <a:pPr lvl="0" eaLnBrk="1" latinLnBrk="0" hangingPunct="1"/>
             <a:r>
-              <a:rPr lang="pt-BR" smtClean="0"/>
+              <a:rPr lang="pt-BR"/>
               <a:t>Clique para editar os estilos do texto mestre</a:t>
             </a:r>
           </a:p>
           <a:p>
             <a:pPr lvl="1" eaLnBrk="1" latinLnBrk="0" hangingPunct="1"/>
             <a:r>
-              <a:rPr lang="pt-BR" smtClean="0"/>
+              <a:rPr lang="pt-BR"/>
               <a:t>Segundo nível</a:t>
             </a:r>
           </a:p>
           <a:p>
             <a:pPr lvl="2" eaLnBrk="1" latinLnBrk="0" hangingPunct="1"/>
             <a:r>
-              <a:rPr lang="pt-BR" smtClean="0"/>
+              <a:rPr lang="pt-BR"/>
               <a:t>Terceiro nível</a:t>
             </a:r>
           </a:p>
           <a:p>
             <a:pPr lvl="3" eaLnBrk="1" latinLnBrk="0" hangingPunct="1"/>
             <a:r>
-              <a:rPr lang="pt-BR" smtClean="0"/>
+              <a:rPr lang="pt-BR"/>
               <a:t>Quarto nível</a:t>
             </a:r>
           </a:p>
           <a:p>
             <a:pPr lvl="4" eaLnBrk="1" latinLnBrk="0" hangingPunct="1"/>
             <a:r>
-              <a:rPr lang="pt-BR" smtClean="0"/>
+              <a:rPr lang="pt-BR"/>
               <a:t>Quinto nível</a:t>
             </a:r>
             <a:endParaRPr kumimoji="0" lang="en-US"/>
@@ -4612,13 +5187,12 @@
         <p:spPr/>
         <p:txBody>
           <a:bodyPr/>
-          <a:lstStyle>
-            <a:extLst/>
-          </a:lstStyle>
+          <a:lstStyle/>
           <a:p>
             <a:fld id="{6E4D41E6-5616-4E04-81B4-CDD25C205B2F}" type="datetime1">
               <a:rPr lang="pt-BR" smtClean="0"/>
-              <a:t>23/11/2018</a:t>
+              <a:pPr/>
+              <a:t>27/11/2018</a:t>
             </a:fld>
             <a:endParaRPr lang="pt-BR"/>
           </a:p>
@@ -4637,9 +5211,7 @@
         <p:spPr/>
         <p:txBody>
           <a:bodyPr/>
-          <a:lstStyle>
-            <a:extLst/>
-          </a:lstStyle>
+          <a:lstStyle/>
           <a:p>
             <a:endParaRPr lang="pt-BR"/>
           </a:p>
@@ -4658,9 +5230,7 @@
         <p:spPr/>
         <p:txBody>
           <a:bodyPr/>
-          <a:lstStyle>
-            <a:extLst/>
-          </a:lstStyle>
+          <a:lstStyle/>
           <a:p>
             <a:fld id="{2119D8CF-8DEC-4D9F-84EE-ADF04DFF3391}" type="slidenum">
               <a:rPr lang="pt-BR" smtClean="0"/>
@@ -4684,12 +5254,10 @@
         <p:spPr/>
         <p:txBody>
           <a:bodyPr rtlCol="0"/>
-          <a:lstStyle>
-            <a:extLst/>
-          </a:lstStyle>
-          <a:p>
-            <a:r>
-              <a:rPr kumimoji="0" lang="pt-BR" smtClean="0"/>
+          <a:lstStyle/>
+          <a:p>
+            <a:r>
+              <a:rPr kumimoji="0" lang="pt-BR"/>
               <a:t>Clique para editar o estilo do título mestre</a:t>
             </a:r>
             <a:endParaRPr kumimoji="0" lang="en-US"/>
@@ -4752,7 +5320,7 @@
           </a:lstStyle>
           <a:p>
             <a:r>
-              <a:rPr kumimoji="0" lang="pt-BR" smtClean="0"/>
+              <a:rPr kumimoji="0" lang="pt-BR"/>
               <a:t>Clique para editar o estilo do título mestre</a:t>
             </a:r>
             <a:endParaRPr kumimoji="0" lang="en-US"/>
@@ -4816,7 +5384,7 @@
           <a:p>
             <a:pPr lvl="0" eaLnBrk="1" latinLnBrk="0" hangingPunct="1"/>
             <a:r>
-              <a:rPr kumimoji="0" lang="pt-BR" smtClean="0"/>
+              <a:rPr kumimoji="0" lang="pt-BR"/>
               <a:t>Clique para editar os estilos do texto mestre</a:t>
             </a:r>
           </a:p>
@@ -4879,7 +5447,7 @@
           <a:p>
             <a:pPr lvl="0" eaLnBrk="1" latinLnBrk="0" hangingPunct="1"/>
             <a:r>
-              <a:rPr kumimoji="0" lang="pt-BR" smtClean="0"/>
+              <a:rPr kumimoji="0" lang="pt-BR"/>
               <a:t>Clique para editar os estilos do texto mestre</a:t>
             </a:r>
           </a:p>
@@ -4929,35 +5497,35 @@
           <a:p>
             <a:pPr lvl="0" eaLnBrk="1" latinLnBrk="0" hangingPunct="1"/>
             <a:r>
-              <a:rPr lang="pt-BR" smtClean="0"/>
+              <a:rPr lang="pt-BR"/>
               <a:t>Clique para editar os estilos do texto mestre</a:t>
             </a:r>
           </a:p>
           <a:p>
             <a:pPr lvl="1" eaLnBrk="1" latinLnBrk="0" hangingPunct="1"/>
             <a:r>
-              <a:rPr lang="pt-BR" smtClean="0"/>
+              <a:rPr lang="pt-BR"/>
               <a:t>Segundo nível</a:t>
             </a:r>
           </a:p>
           <a:p>
             <a:pPr lvl="2" eaLnBrk="1" latinLnBrk="0" hangingPunct="1"/>
             <a:r>
-              <a:rPr lang="pt-BR" smtClean="0"/>
+              <a:rPr lang="pt-BR"/>
               <a:t>Terceiro nível</a:t>
             </a:r>
           </a:p>
           <a:p>
             <a:pPr lvl="3" eaLnBrk="1" latinLnBrk="0" hangingPunct="1"/>
             <a:r>
-              <a:rPr lang="pt-BR" smtClean="0"/>
+              <a:rPr lang="pt-BR"/>
               <a:t>Quarto nível</a:t>
             </a:r>
           </a:p>
           <a:p>
             <a:pPr lvl="4" eaLnBrk="1" latinLnBrk="0" hangingPunct="1"/>
             <a:r>
-              <a:rPr lang="pt-BR" smtClean="0"/>
+              <a:rPr lang="pt-BR"/>
               <a:t>Quinto nível</a:t>
             </a:r>
             <a:endParaRPr kumimoji="0" lang="en-US"/>
@@ -5011,35 +5579,35 @@
           <a:p>
             <a:pPr lvl="0" eaLnBrk="1" latinLnBrk="0" hangingPunct="1"/>
             <a:r>
-              <a:rPr lang="pt-BR" smtClean="0"/>
+              <a:rPr lang="pt-BR"/>
               <a:t>Clique para editar os estilos do texto mestre</a:t>
             </a:r>
           </a:p>
           <a:p>
             <a:pPr lvl="1" eaLnBrk="1" latinLnBrk="0" hangingPunct="1"/>
             <a:r>
-              <a:rPr lang="pt-BR" smtClean="0"/>
+              <a:rPr lang="pt-BR"/>
               <a:t>Segundo nível</a:t>
             </a:r>
           </a:p>
           <a:p>
             <a:pPr lvl="2" eaLnBrk="1" latinLnBrk="0" hangingPunct="1"/>
             <a:r>
-              <a:rPr lang="pt-BR" smtClean="0"/>
+              <a:rPr lang="pt-BR"/>
               <a:t>Terceiro nível</a:t>
             </a:r>
           </a:p>
           <a:p>
             <a:pPr lvl="3" eaLnBrk="1" latinLnBrk="0" hangingPunct="1"/>
             <a:r>
-              <a:rPr lang="pt-BR" smtClean="0"/>
+              <a:rPr lang="pt-BR"/>
               <a:t>Quarto nível</a:t>
             </a:r>
           </a:p>
           <a:p>
             <a:pPr lvl="4" eaLnBrk="1" latinLnBrk="0" hangingPunct="1"/>
             <a:r>
-              <a:rPr lang="pt-BR" smtClean="0"/>
+              <a:rPr lang="pt-BR"/>
               <a:t>Quinto nível</a:t>
             </a:r>
             <a:endParaRPr kumimoji="0" lang="en-US"/>
@@ -5059,13 +5627,12 @@
         <p:spPr/>
         <p:txBody>
           <a:bodyPr/>
-          <a:lstStyle>
-            <a:extLst/>
-          </a:lstStyle>
+          <a:lstStyle/>
           <a:p>
             <a:fld id="{5DC80287-CDCF-4090-A2D1-B6A791896B36}" type="datetime1">
               <a:rPr lang="pt-BR" smtClean="0"/>
-              <a:t>23/11/2018</a:t>
+              <a:pPr/>
+              <a:t>27/11/2018</a:t>
             </a:fld>
             <a:endParaRPr lang="pt-BR"/>
           </a:p>
@@ -5084,9 +5651,7 @@
         <p:spPr/>
         <p:txBody>
           <a:bodyPr/>
-          <a:lstStyle>
-            <a:extLst/>
-          </a:lstStyle>
+          <a:lstStyle/>
           <a:p>
             <a:endParaRPr lang="pt-BR"/>
           </a:p>
@@ -5105,9 +5670,7 @@
         <p:spPr/>
         <p:txBody>
           <a:bodyPr/>
-          <a:lstStyle>
-            <a:extLst/>
-          </a:lstStyle>
+          <a:lstStyle/>
           <a:p>
             <a:fld id="{2119D8CF-8DEC-4D9F-84EE-ADF04DFF3391}" type="slidenum">
               <a:rPr lang="pt-BR" smtClean="0"/>
@@ -5161,13 +5724,12 @@
         <p:spPr/>
         <p:txBody>
           <a:bodyPr/>
-          <a:lstStyle>
-            <a:extLst/>
-          </a:lstStyle>
+          <a:lstStyle/>
           <a:p>
             <a:fld id="{54BDF52F-4047-402B-88CA-02B7E5781DFE}" type="datetime1">
               <a:rPr lang="pt-BR" smtClean="0"/>
-              <a:t>23/11/2018</a:t>
+              <a:pPr/>
+              <a:t>27/11/2018</a:t>
             </a:fld>
             <a:endParaRPr lang="pt-BR"/>
           </a:p>
@@ -5186,9 +5748,7 @@
         <p:spPr/>
         <p:txBody>
           <a:bodyPr/>
-          <a:lstStyle>
-            <a:extLst/>
-          </a:lstStyle>
+          <a:lstStyle/>
           <a:p>
             <a:endParaRPr lang="pt-BR"/>
           </a:p>
@@ -5207,9 +5767,7 @@
         <p:spPr/>
         <p:txBody>
           <a:bodyPr/>
-          <a:lstStyle>
-            <a:extLst/>
-          </a:lstStyle>
+          <a:lstStyle/>
           <a:p>
             <a:fld id="{2119D8CF-8DEC-4D9F-84EE-ADF04DFF3391}" type="slidenum">
               <a:rPr lang="pt-BR" smtClean="0"/>
@@ -5233,12 +5791,10 @@
         <p:spPr/>
         <p:txBody>
           <a:bodyPr rtlCol="0"/>
-          <a:lstStyle>
-            <a:extLst/>
-          </a:lstStyle>
-          <a:p>
-            <a:r>
-              <a:rPr kumimoji="0" lang="pt-BR" smtClean="0"/>
+          <a:lstStyle/>
+          <a:p>
+            <a:r>
+              <a:rPr kumimoji="0" lang="pt-BR"/>
               <a:t>Clique para editar o estilo do título mestre</a:t>
             </a:r>
             <a:endParaRPr kumimoji="0" lang="en-US"/>
@@ -5283,13 +5839,12 @@
         <p:spPr/>
         <p:txBody>
           <a:bodyPr/>
-          <a:lstStyle>
-            <a:extLst/>
-          </a:lstStyle>
+          <a:lstStyle/>
           <a:p>
             <a:fld id="{8C876094-8D79-41B1-A338-2267FEB10CB2}" type="datetime1">
               <a:rPr lang="pt-BR" smtClean="0"/>
-              <a:t>23/11/2018</a:t>
+              <a:pPr/>
+              <a:t>27/11/2018</a:t>
             </a:fld>
             <a:endParaRPr lang="pt-BR"/>
           </a:p>
@@ -5308,9 +5863,7 @@
         <p:spPr/>
         <p:txBody>
           <a:bodyPr/>
-          <a:lstStyle>
-            <a:extLst/>
-          </a:lstStyle>
+          <a:lstStyle/>
           <a:p>
             <a:endParaRPr lang="pt-BR"/>
           </a:p>
@@ -5329,9 +5882,7 @@
         <p:spPr/>
         <p:txBody>
           <a:bodyPr/>
-          <a:lstStyle>
-            <a:extLst/>
-          </a:lstStyle>
+          <a:lstStyle/>
           <a:p>
             <a:fld id="{2119D8CF-8DEC-4D9F-84EE-ADF04DFF3391}" type="slidenum">
               <a:rPr lang="pt-BR" smtClean="0"/>
@@ -5409,7 +5960,7 @@
           </a:lstStyle>
           <a:p>
             <a:r>
-              <a:rPr kumimoji="0" lang="pt-BR" smtClean="0"/>
+              <a:rPr kumimoji="0" lang="pt-BR"/>
               <a:t>Clique para editar o estilo do título mestre</a:t>
             </a:r>
             <a:endParaRPr kumimoji="0" lang="en-US"/>
@@ -5460,7 +6011,7 @@
           <a:p>
             <a:pPr lvl="0" eaLnBrk="1" latinLnBrk="0" hangingPunct="1"/>
             <a:r>
-              <a:rPr kumimoji="0" lang="pt-BR" smtClean="0"/>
+              <a:rPr kumimoji="0" lang="pt-BR"/>
               <a:t>Clique para editar os estilos do texto mestre</a:t>
             </a:r>
           </a:p>
@@ -5505,35 +6056,35 @@
           <a:p>
             <a:pPr lvl="0" eaLnBrk="1" latinLnBrk="0" hangingPunct="1"/>
             <a:r>
-              <a:rPr lang="pt-BR" smtClean="0"/>
+              <a:rPr lang="pt-BR"/>
               <a:t>Clique para editar os estilos do texto mestre</a:t>
             </a:r>
           </a:p>
           <a:p>
             <a:pPr lvl="1" eaLnBrk="1" latinLnBrk="0" hangingPunct="1"/>
             <a:r>
-              <a:rPr lang="pt-BR" smtClean="0"/>
+              <a:rPr lang="pt-BR"/>
               <a:t>Segundo nível</a:t>
             </a:r>
           </a:p>
           <a:p>
             <a:pPr lvl="2" eaLnBrk="1" latinLnBrk="0" hangingPunct="1"/>
             <a:r>
-              <a:rPr lang="pt-BR" smtClean="0"/>
+              <a:rPr lang="pt-BR"/>
               <a:t>Terceiro nível</a:t>
             </a:r>
           </a:p>
           <a:p>
             <a:pPr lvl="3" eaLnBrk="1" latinLnBrk="0" hangingPunct="1"/>
             <a:r>
-              <a:rPr lang="pt-BR" smtClean="0"/>
+              <a:rPr lang="pt-BR"/>
               <a:t>Quarto nível</a:t>
             </a:r>
           </a:p>
           <a:p>
             <a:pPr lvl="4" eaLnBrk="1" latinLnBrk="0" hangingPunct="1"/>
             <a:r>
-              <a:rPr lang="pt-BR" smtClean="0"/>
+              <a:rPr lang="pt-BR"/>
               <a:t>Quinto nível</a:t>
             </a:r>
             <a:endParaRPr kumimoji="0" lang="en-US"/>
@@ -5558,13 +6109,12 @@
         </p:spPr>
         <p:txBody>
           <a:bodyPr/>
-          <a:lstStyle>
-            <a:extLst/>
-          </a:lstStyle>
+          <a:lstStyle/>
           <a:p>
             <a:fld id="{64310755-2FD6-4637-8653-92C070EDAE95}" type="datetime1">
               <a:rPr lang="pt-BR" smtClean="0"/>
-              <a:t>23/11/2018</a:t>
+              <a:pPr/>
+              <a:t>27/11/2018</a:t>
             </a:fld>
             <a:endParaRPr lang="pt-BR"/>
           </a:p>
@@ -5583,9 +6133,7 @@
         <p:spPr/>
         <p:txBody>
           <a:bodyPr/>
-          <a:lstStyle>
-            <a:extLst/>
-          </a:lstStyle>
+          <a:lstStyle/>
           <a:p>
             <a:endParaRPr lang="pt-BR"/>
           </a:p>
@@ -5604,9 +6152,7 @@
         <p:spPr/>
         <p:txBody>
           <a:bodyPr/>
-          <a:lstStyle>
-            <a:extLst/>
-          </a:lstStyle>
+          <a:lstStyle/>
           <a:p>
             <a:fld id="{2119D8CF-8DEC-4D9F-84EE-ADF04DFF3391}" type="slidenum">
               <a:rPr lang="pt-BR" smtClean="0"/>
@@ -5688,7 +6234,7 @@
           <a:p>
             <a:pPr lvl="0" eaLnBrk="1" latinLnBrk="0" hangingPunct="1"/>
             <a:r>
-              <a:rPr kumimoji="0" lang="pt-BR" smtClean="0"/>
+              <a:rPr kumimoji="0" lang="pt-BR"/>
               <a:t>Clique para editar os estilos do texto mestre</a:t>
             </a:r>
           </a:p>
@@ -5737,7 +6283,7 @@
           </a:lstStyle>
           <a:p>
             <a:r>
-              <a:rPr kumimoji="0" lang="pt-BR" smtClean="0"/>
+              <a:rPr kumimoji="0" lang="pt-BR"/>
               <a:t>Clique no ícone para adicionar uma imagem</a:t>
             </a:r>
             <a:endParaRPr kumimoji="0" lang="en-US" dirty="0"/>
@@ -5770,7 +6316,8 @@
           <a:p>
             <a:fld id="{E0D7BDF7-4004-4EE3-9960-23CC5C7AC9E3}" type="datetime1">
               <a:rPr lang="pt-BR" smtClean="0"/>
-              <a:t>23/11/2018</a:t>
+              <a:pPr/>
+              <a:t>27/11/2018</a:t>
             </a:fld>
             <a:endParaRPr lang="pt-BR"/>
           </a:p>
@@ -5883,7 +6430,7 @@
           </a:lstStyle>
           <a:p>
             <a:r>
-              <a:rPr kumimoji="0" lang="pt-BR" smtClean="0"/>
+              <a:rPr kumimoji="0" lang="pt-BR"/>
               <a:t>Clique para editar o estilo do título mestre</a:t>
             </a:r>
             <a:endParaRPr kumimoji="0" lang="en-US"/>
@@ -5966,9 +6513,7 @@
         </p:spPr>
         <p:txBody>
           <a:bodyPr vert="horz" wrap="square" lIns="91440" tIns="45720" rIns="91440" bIns="45720" anchor="t" compatLnSpc="1"/>
-          <a:lstStyle>
-            <a:extLst/>
-          </a:lstStyle>
+          <a:lstStyle/>
           <a:p>
             <a:endParaRPr kumimoji="0" lang="en-US"/>
           </a:p>
@@ -6048,9 +6593,7 @@
         </p:spPr>
         <p:txBody>
           <a:bodyPr vert="horz" wrap="square" lIns="91440" tIns="45720" rIns="91440" bIns="45720" anchor="t" compatLnSpc="1"/>
-          <a:lstStyle>
-            <a:extLst/>
-          </a:lstStyle>
+          <a:lstStyle/>
           <a:p>
             <a:endParaRPr kumimoji="0" lang="en-US"/>
           </a:p>
@@ -6158,9 +6701,7 @@
         </p:style>
         <p:txBody>
           <a:bodyPr vert="horz" wrap="square" lIns="91440" tIns="45720" rIns="91440" bIns="45720" anchor="ctr" compatLnSpc="1"/>
-          <a:lstStyle>
-            <a:extLst/>
-          </a:lstStyle>
+          <a:lstStyle/>
           <a:p>
             <a:pPr algn="ctr" eaLnBrk="1" latinLnBrk="0" hangingPunct="1"/>
             <a:endParaRPr kumimoji="0" lang="en-US"/>
@@ -6291,9 +6832,7 @@
         </p:style>
         <p:txBody>
           <a:bodyPr anchor="ctr"/>
-          <a:lstStyle>
-            <a:extLst/>
-          </a:lstStyle>
+          <a:lstStyle/>
           <a:p>
             <a:pPr algn="l" eaLnBrk="1" latinLnBrk="0" hangingPunct="1"/>
             <a:endParaRPr kumimoji="0" lang="en-US"/>
@@ -6371,9 +6910,7 @@
         </p:style>
         <p:txBody>
           <a:bodyPr anchor="ctr"/>
-          <a:lstStyle>
-            <a:extLst/>
-          </a:lstStyle>
+          <a:lstStyle/>
           <a:p>
             <a:pPr algn="l" eaLnBrk="1" latinLnBrk="0" hangingPunct="1"/>
             <a:endParaRPr kumimoji="0" lang="en-US"/>
@@ -6486,9 +7023,7 @@
         </p:spPr>
         <p:txBody>
           <a:bodyPr vert="horz" wrap="square" lIns="91440" tIns="45720" rIns="91440" bIns="45720" anchor="t" compatLnSpc="1"/>
-          <a:lstStyle>
-            <a:extLst/>
-          </a:lstStyle>
+          <a:lstStyle/>
           <a:p>
             <a:endParaRPr kumimoji="0" lang="en-US"/>
           </a:p>
@@ -6568,9 +7103,7 @@
         </p:spPr>
         <p:txBody>
           <a:bodyPr vert="horz" wrap="square" lIns="91440" tIns="45720" rIns="91440" bIns="45720" anchor="t" compatLnSpc="1"/>
-          <a:lstStyle>
-            <a:extLst/>
-          </a:lstStyle>
+          <a:lstStyle/>
           <a:p>
             <a:endParaRPr kumimoji="0" lang="en-US"/>
           </a:p>
@@ -6678,9 +7211,7 @@
         </p:style>
         <p:txBody>
           <a:bodyPr vert="horz" wrap="square" lIns="91440" tIns="45720" rIns="91440" bIns="45720" anchor="ctr" compatLnSpc="1"/>
-          <a:lstStyle>
-            <a:extLst/>
-          </a:lstStyle>
+          <a:lstStyle/>
           <a:p>
             <a:pPr algn="ctr" eaLnBrk="1" latinLnBrk="0" hangingPunct="1"/>
             <a:endParaRPr kumimoji="0" lang="en-US"/>
@@ -6770,12 +7301,10 @@
               <a:bevelT w="25400" h="25400"/>
             </a:sp3d>
           </a:bodyPr>
-          <a:lstStyle>
-            <a:extLst/>
-          </a:lstStyle>
-          <a:p>
-            <a:r>
-              <a:rPr kumimoji="0" lang="pt-BR" smtClean="0"/>
+          <a:lstStyle/>
+          <a:p>
+            <a:r>
+              <a:rPr kumimoji="0" lang="pt-BR"/>
               <a:t>Clique para editar o estilo do título mestre</a:t>
             </a:r>
             <a:endParaRPr kumimoji="0" lang="en-US"/>
@@ -6805,41 +7334,39 @@
           <a:bodyPr vert="horz">
             <a:normAutofit/>
           </a:bodyPr>
-          <a:lstStyle>
-            <a:extLst/>
-          </a:lstStyle>
+          <a:lstStyle/>
           <a:p>
             <a:pPr lvl="0" eaLnBrk="1" latinLnBrk="0" hangingPunct="1"/>
             <a:r>
-              <a:rPr kumimoji="0" lang="pt-BR" smtClean="0"/>
+              <a:rPr kumimoji="0" lang="pt-BR"/>
               <a:t>Clique para editar os estilos do texto mestre</a:t>
             </a:r>
           </a:p>
           <a:p>
             <a:pPr lvl="1" eaLnBrk="1" latinLnBrk="0" hangingPunct="1"/>
             <a:r>
-              <a:rPr kumimoji="0" lang="pt-BR" smtClean="0"/>
+              <a:rPr kumimoji="0" lang="pt-BR"/>
               <a:t>Segundo nível</a:t>
             </a:r>
           </a:p>
           <a:p>
             <a:pPr lvl="2" eaLnBrk="1" latinLnBrk="0" hangingPunct="1"/>
             <a:r>
-              <a:rPr kumimoji="0" lang="pt-BR" smtClean="0"/>
+              <a:rPr kumimoji="0" lang="pt-BR"/>
               <a:t>Terceiro nível</a:t>
             </a:r>
           </a:p>
           <a:p>
             <a:pPr lvl="3" eaLnBrk="1" latinLnBrk="0" hangingPunct="1"/>
             <a:r>
-              <a:rPr kumimoji="0" lang="pt-BR" smtClean="0"/>
+              <a:rPr kumimoji="0" lang="pt-BR"/>
               <a:t>Quarto nível</a:t>
             </a:r>
           </a:p>
           <a:p>
             <a:pPr lvl="4" eaLnBrk="1" latinLnBrk="0" hangingPunct="1"/>
             <a:r>
-              <a:rPr kumimoji="0" lang="pt-BR" smtClean="0"/>
+              <a:rPr kumimoji="0" lang="pt-BR"/>
               <a:t>Quinto nível</a:t>
             </a:r>
             <a:endParaRPr kumimoji="0" lang="en-US"/>
@@ -6880,7 +7407,8 @@
           <a:p>
             <a:fld id="{980A5EA7-9F0B-45FA-9F66-72AC9D59EDCB}" type="datetime1">
               <a:rPr lang="pt-BR" smtClean="0"/>
-              <a:t>23/11/2018</a:t>
+              <a:pPr/>
+              <a:t>27/11/2018</a:t>
             </a:fld>
             <a:endParaRPr lang="pt-BR"/>
           </a:p>
@@ -7299,20 +7827,27 @@
             <p:ph type="ctrTitle"/>
           </p:nvPr>
         </p:nvSpPr>
-        <p:spPr/>
-        <p:txBody>
-          <a:bodyPr/>
+        <p:spPr>
+          <a:xfrm>
+            <a:off x="700027" y="476672"/>
+            <a:ext cx="7772400" cy="1829761"/>
+          </a:xfrm>
+        </p:spPr>
+        <p:txBody>
+          <a:bodyPr>
+            <a:normAutofit/>
+          </a:bodyPr>
           <a:lstStyle/>
           <a:p>
             <a:r>
-              <a:rPr lang="pt-BR" b="1" i="1" dirty="0" smtClean="0"/>
+              <a:rPr lang="pt-BR" sz="5400" b="1" i="1" dirty="0"/>
               <a:t>Andrew Stuart </a:t>
             </a:r>
             <a:r>
-              <a:rPr lang="pt-BR" b="1" i="1" dirty="0" err="1" smtClean="0"/>
+              <a:rPr lang="pt-BR" sz="5400" b="1" i="1" dirty="0" err="1"/>
               <a:t>Tanenbaum</a:t>
             </a:r>
-            <a:endParaRPr lang="pt-BR" b="1" i="1" dirty="0"/>
+            <a:endParaRPr lang="pt-BR" sz="5400" b="1" i="1" dirty="0"/>
           </a:p>
         </p:txBody>
       </p:sp>
@@ -7326,12 +7861,58 @@
             <p:ph type="subTitle" idx="1"/>
           </p:nvPr>
         </p:nvSpPr>
-        <p:spPr/>
-        <p:txBody>
-          <a:bodyPr/>
+        <p:spPr>
+          <a:xfrm>
+            <a:off x="4427984" y="2852936"/>
+            <a:ext cx="4030216" cy="1958375"/>
+          </a:xfrm>
+        </p:spPr>
+        <p:txBody>
+          <a:bodyPr>
+            <a:normAutofit fontScale="77500" lnSpcReduction="20000"/>
+          </a:bodyPr>
           <a:lstStyle/>
           <a:p>
-            <a:endParaRPr lang="pt-BR" dirty="0"/>
+            <a:pPr algn="l"/>
+            <a:r>
+              <a:rPr lang="pt-BR" dirty="0"/>
+              <a:t>Gustavo de Paula Silva</a:t>
+            </a:r>
+          </a:p>
+          <a:p>
+            <a:pPr algn="l"/>
+            <a:r>
+              <a:rPr lang="pt-BR" dirty="0"/>
+              <a:t>Hemílio Lauro de Araújo Melo</a:t>
+            </a:r>
+          </a:p>
+          <a:p>
+            <a:pPr algn="l"/>
+            <a:r>
+              <a:rPr lang="pt-BR" dirty="0"/>
+              <a:t>Lucas Santos Nogueira</a:t>
+            </a:r>
+          </a:p>
+          <a:p>
+            <a:pPr algn="l"/>
+            <a:r>
+              <a:rPr lang="pt-BR" dirty="0"/>
+              <a:t>Matheus Barbosa Souza</a:t>
+            </a:r>
+          </a:p>
+          <a:p>
+            <a:pPr algn="l"/>
+            <a:r>
+              <a:rPr lang="pt-BR" dirty="0"/>
+              <a:t>Rafael Sidnei Alves</a:t>
+            </a:r>
+          </a:p>
+          <a:p>
+            <a:pPr algn="l"/>
+            <a:r>
+              <a:rPr lang="pt-BR" dirty="0"/>
+              <a:t>Robson Heron dos Santos</a:t>
+            </a:r>
           </a:p>
         </p:txBody>
       </p:sp>
@@ -7369,7 +7950,13 @@
       </p:grpSpPr>
       <p:sp>
         <p:nvSpPr>
-          <p:cNvPr id="2" name="Espaço Reservado para Conteúdo 1"/>
+          <p:cNvPr id="2" name="Espaço Reservado para Conteúdo 1">
+            <a:extLst>
+              <a:ext uri="{FF2B5EF4-FFF2-40B4-BE49-F238E27FC236}">
+                <a16:creationId xmlns:a16="http://schemas.microsoft.com/office/drawing/2014/main" xmlns="" id="{0E2F23BE-3DAE-4317-9CC0-BA92D445B006}"/>
+              </a:ext>
+            </a:extLst>
+          </p:cNvPr>
           <p:cNvSpPr>
             <a:spLocks noGrp="1"/>
           </p:cNvSpPr>
@@ -7377,22 +7964,37 @@
             <p:ph idx="1"/>
           </p:nvPr>
         </p:nvSpPr>
-        <p:spPr/>
-        <p:txBody>
-          <a:bodyPr/>
+        <p:spPr>
+          <a:xfrm>
+            <a:off x="457200" y="1250106"/>
+            <a:ext cx="8229600" cy="365125"/>
+          </a:xfrm>
+        </p:spPr>
+        <p:txBody>
+          <a:bodyPr>
+            <a:normAutofit/>
+          </a:bodyPr>
           <a:lstStyle/>
           <a:p>
-            <a:r>
-              <a:rPr lang="pt-BR" dirty="0" smtClean="0"/>
-              <a:t>Sistemas Distribuídos: Princípios e Paradigmas</a:t>
-            </a:r>
-            <a:endParaRPr lang="pt-BR" dirty="0"/>
-          </a:p>
-        </p:txBody>
-      </p:sp>
-      <p:sp>
-        <p:nvSpPr>
-          <p:cNvPr id="3" name="Espaço Reservado para Número de Slide 2"/>
+            <a:pPr marL="109728" indent="0" algn="ctr">
+              <a:buNone/>
+            </a:pPr>
+            <a:r>
+              <a:rPr lang="pt-BR" sz="1200" dirty="0"/>
+              <a:t>ISBN 0-13-142938-8</a:t>
+            </a:r>
+          </a:p>
+        </p:txBody>
+      </p:sp>
+      <p:sp>
+        <p:nvSpPr>
+          <p:cNvPr id="3" name="Espaço Reservado para Número de Slide 2">
+            <a:extLst>
+              <a:ext uri="{FF2B5EF4-FFF2-40B4-BE49-F238E27FC236}">
+                <a16:creationId xmlns:a16="http://schemas.microsoft.com/office/drawing/2014/main" xmlns="" id="{4AF4977D-3DA1-45AD-BF19-B613229E2863}"/>
+              </a:ext>
+            </a:extLst>
+          </p:cNvPr>
           <p:cNvSpPr>
             <a:spLocks noGrp="1"/>
           </p:cNvSpPr>
@@ -7416,7 +8018,13 @@
       </p:sp>
       <p:sp>
         <p:nvSpPr>
-          <p:cNvPr id="4" name="Título 3"/>
+          <p:cNvPr id="4" name="Título 3">
+            <a:extLst>
+              <a:ext uri="{FF2B5EF4-FFF2-40B4-BE49-F238E27FC236}">
+                <a16:creationId xmlns:a16="http://schemas.microsoft.com/office/drawing/2014/main" xmlns="" id="{9B4EBEF1-42DE-4018-BD60-BD0F5CC241C8}"/>
+              </a:ext>
+            </a:extLst>
+          </p:cNvPr>
           <p:cNvSpPr>
             <a:spLocks noGrp="1"/>
           </p:cNvSpPr>
@@ -7424,14 +8032,22 @@
             <p:ph type="title"/>
           </p:nvPr>
         </p:nvSpPr>
-        <p:spPr/>
-        <p:txBody>
-          <a:bodyPr/>
+        <p:spPr>
+          <a:xfrm>
+            <a:off x="457200" y="274638"/>
+            <a:ext cx="8229600" cy="778098"/>
+          </a:xfrm>
+        </p:spPr>
+        <p:txBody>
+          <a:bodyPr>
+            <a:normAutofit fontScale="90000"/>
+          </a:bodyPr>
           <a:lstStyle/>
           <a:p>
-            <a:r>
-              <a:rPr lang="pt-BR" dirty="0" err="1" smtClean="0"/>
-              <a:t>Pulicações</a:t>
+            <a:pPr algn="ctr"/>
+            <a:r>
+              <a:rPr lang="pt-BR" sz="4000" dirty="0"/>
+              <a:t>Sistemas Operacionais: Projeto e Implementação</a:t>
             </a:r>
             <a:endParaRPr lang="pt-BR" dirty="0"/>
           </a:p>
@@ -7439,7 +8055,13 @@
       </p:sp>
       <p:pic>
         <p:nvPicPr>
-          <p:cNvPr id="5" name="Imagem 4" descr="img6.jpeg"/>
+          <p:cNvPr id="6" name="Imagem 5" descr="img3.jpeg">
+            <a:extLst>
+              <a:ext uri="{FF2B5EF4-FFF2-40B4-BE49-F238E27FC236}">
+                <a16:creationId xmlns:a16="http://schemas.microsoft.com/office/drawing/2014/main" xmlns="" id="{F453E6EA-7148-4E85-8C2F-FC29E1A44001}"/>
+              </a:ext>
+            </a:extLst>
+          </p:cNvPr>
           <p:cNvPicPr>
             <a:picLocks noChangeAspect="1"/>
           </p:cNvPicPr>
@@ -7453,8 +8075,8 @@
         </p:blipFill>
         <p:spPr>
           <a:xfrm>
-            <a:off x="2857488" y="2000240"/>
-            <a:ext cx="3429024" cy="4609246"/>
+            <a:off x="2892323" y="1615231"/>
+            <a:ext cx="3359353" cy="4723281"/>
           </a:xfrm>
           <a:prstGeom prst="rect">
             <a:avLst/>
@@ -7462,6 +8084,11 @@
         </p:spPr>
       </p:pic>
     </p:spTree>
+    <p:extLst>
+      <p:ext uri="{BB962C8B-B14F-4D97-AF65-F5344CB8AC3E}">
+        <p14:creationId xmlns:p14="http://schemas.microsoft.com/office/powerpoint/2010/main" xmlns="" val="821184399"/>
+      </p:ext>
+    </p:extLst>
   </p:cSld>
   <p:clrMapOvr>
     <a:masterClrMapping/>
@@ -7495,7 +8122,13 @@
       </p:grpSpPr>
       <p:sp>
         <p:nvSpPr>
-          <p:cNvPr id="2" name="Espaço Reservado para Conteúdo 1"/>
+          <p:cNvPr id="2" name="Espaço Reservado para Conteúdo 1">
+            <a:extLst>
+              <a:ext uri="{FF2B5EF4-FFF2-40B4-BE49-F238E27FC236}">
+                <a16:creationId xmlns:a16="http://schemas.microsoft.com/office/drawing/2014/main" xmlns="" id="{0E2F23BE-3DAE-4317-9CC0-BA92D445B006}"/>
+              </a:ext>
+            </a:extLst>
+          </p:cNvPr>
           <p:cNvSpPr>
             <a:spLocks noGrp="1"/>
           </p:cNvSpPr>
@@ -7503,134 +8136,37 @@
             <p:ph idx="1"/>
           </p:nvPr>
         </p:nvSpPr>
-        <p:spPr/>
-        <p:txBody>
-          <a:bodyPr/>
+        <p:spPr>
+          <a:xfrm>
+            <a:off x="457200" y="1054949"/>
+            <a:ext cx="8229600" cy="365125"/>
+          </a:xfrm>
+        </p:spPr>
+        <p:txBody>
+          <a:bodyPr>
+            <a:normAutofit/>
+          </a:bodyPr>
           <a:lstStyle/>
           <a:p>
-            <a:r>
-              <a:rPr lang="pt-BR" dirty="0" smtClean="0"/>
-              <a:t>Introdução</a:t>
-            </a:r>
-          </a:p>
-          <a:p>
-            <a:pPr lvl="2">
+            <a:pPr marL="109728" indent="0" algn="ctr">
               <a:buNone/>
             </a:pPr>
             <a:r>
-              <a:rPr lang="pt-BR" sz="2200" dirty="0" smtClean="0">
-                <a:hlinkClick r:id="rId2"/>
-              </a:rPr>
-              <a:t>Link pessoal.</a:t>
-            </a:r>
-            <a:endParaRPr lang="pt-BR" sz="2200" dirty="0" smtClean="0"/>
-          </a:p>
-          <a:p>
-            <a:pPr lvl="2">
-              <a:buNone/>
-            </a:pPr>
-            <a:r>
-              <a:rPr lang="pt-BR" sz="2200" dirty="0" smtClean="0">
-                <a:hlinkClick r:id="rId3"/>
-              </a:rPr>
-              <a:t>Link da </a:t>
-            </a:r>
-            <a:r>
-              <a:rPr lang="pt-BR" sz="2200" dirty="0" smtClean="0">
-                <a:hlinkClick r:id="rId3"/>
-              </a:rPr>
-              <a:t>universidade </a:t>
-            </a:r>
-            <a:r>
-              <a:rPr lang="pt-BR" sz="2200" dirty="0" err="1" smtClean="0">
-                <a:hlinkClick r:id="rId3"/>
-              </a:rPr>
-              <a:t>vrije</a:t>
-            </a:r>
-            <a:r>
-              <a:rPr lang="pt-BR" sz="2200" dirty="0" smtClean="0">
-                <a:hlinkClick r:id="rId3"/>
-              </a:rPr>
-              <a:t>.</a:t>
-            </a:r>
-            <a:endParaRPr lang="pt-BR" sz="2200" dirty="0" smtClean="0"/>
-          </a:p>
-          <a:p>
-            <a:pPr lvl="2">
-              <a:buNone/>
-            </a:pPr>
-            <a:endParaRPr lang="pt-BR" sz="2200" dirty="0" smtClean="0"/>
-          </a:p>
-          <a:p>
-            <a:pPr>
-              <a:buNone/>
-            </a:pPr>
-            <a:endParaRPr lang="pt-BR" sz="2800" dirty="0" smtClean="0"/>
-          </a:p>
-          <a:p>
-            <a:r>
-              <a:rPr lang="pt-BR" dirty="0" smtClean="0"/>
-              <a:t>Projetos</a:t>
-            </a:r>
-          </a:p>
-          <a:p>
-            <a:pPr lvl="1"/>
-            <a:r>
-              <a:rPr lang="pt-BR" dirty="0" smtClean="0"/>
-              <a:t>AMOEBA - </a:t>
-            </a:r>
-            <a:r>
-              <a:rPr lang="pt-BR" dirty="0" smtClean="0">
-                <a:hlinkClick r:id="rId4"/>
-              </a:rPr>
-              <a:t>Link </a:t>
-            </a:r>
-            <a:r>
-              <a:rPr lang="pt-BR" dirty="0" smtClean="0">
-                <a:hlinkClick r:id="rId4"/>
-              </a:rPr>
-              <a:t>do projeto</a:t>
-            </a:r>
-            <a:r>
-              <a:rPr lang="pt-BR" dirty="0" smtClean="0">
-                <a:hlinkClick r:id="rId4"/>
-              </a:rPr>
-              <a:t>.</a:t>
-            </a:r>
-            <a:endParaRPr lang="pt-BR" dirty="0" smtClean="0"/>
-          </a:p>
-          <a:p>
-            <a:pPr lvl="1"/>
-            <a:r>
-              <a:rPr lang="pt-BR" dirty="0" smtClean="0"/>
-              <a:t>MINX - </a:t>
-            </a:r>
-            <a:r>
-              <a:rPr lang="pt-BR" dirty="0" smtClean="0">
-                <a:hlinkClick r:id="rId5" action="ppaction://hlinkfile"/>
-              </a:rPr>
-              <a:t>Link </a:t>
-            </a:r>
-            <a:r>
-              <a:rPr lang="pt-BR" dirty="0" smtClean="0">
-                <a:hlinkClick r:id="rId5" action="ppaction://hlinkfile"/>
-              </a:rPr>
-              <a:t>sobre o MINIX</a:t>
-            </a:r>
-            <a:r>
-              <a:rPr lang="pt-BR" dirty="0" smtClean="0"/>
-              <a:t>.</a:t>
-            </a:r>
-          </a:p>
-          <a:p>
-            <a:pPr lvl="1"/>
-            <a:endParaRPr lang="pt-BR" dirty="0"/>
-          </a:p>
-        </p:txBody>
-      </p:sp>
-      <p:sp>
-        <p:nvSpPr>
-          <p:cNvPr id="3" name="Espaço Reservado para Número de Slide 2"/>
+              <a:rPr lang="pt-BR" sz="1200" dirty="0"/>
+              <a:t>ISBN 0-13-031358-0</a:t>
+            </a:r>
+          </a:p>
+        </p:txBody>
+      </p:sp>
+      <p:sp>
+        <p:nvSpPr>
+          <p:cNvPr id="3" name="Espaço Reservado para Número de Slide 2">
+            <a:extLst>
+              <a:ext uri="{FF2B5EF4-FFF2-40B4-BE49-F238E27FC236}">
+                <a16:creationId xmlns:a16="http://schemas.microsoft.com/office/drawing/2014/main" xmlns="" id="{4AF4977D-3DA1-45AD-BF19-B613229E2863}"/>
+              </a:ext>
+            </a:extLst>
+          </p:cNvPr>
           <p:cNvSpPr>
             <a:spLocks noGrp="1"/>
           </p:cNvSpPr>
@@ -7654,7 +8190,13 @@
       </p:sp>
       <p:sp>
         <p:nvSpPr>
-          <p:cNvPr id="4" name="Título 3"/>
+          <p:cNvPr id="4" name="Título 3">
+            <a:extLst>
+              <a:ext uri="{FF2B5EF4-FFF2-40B4-BE49-F238E27FC236}">
+                <a16:creationId xmlns:a16="http://schemas.microsoft.com/office/drawing/2014/main" xmlns="" id="{9B4EBEF1-42DE-4018-BD60-BD0F5CC241C8}"/>
+              </a:ext>
+            </a:extLst>
+          </p:cNvPr>
           <p:cNvSpPr>
             <a:spLocks noGrp="1"/>
           </p:cNvSpPr>
@@ -7662,20 +8204,63 @@
             <p:ph type="title"/>
           </p:nvPr>
         </p:nvSpPr>
-        <p:spPr/>
-        <p:txBody>
-          <a:bodyPr/>
+        <p:spPr>
+          <a:xfrm>
+            <a:off x="457200" y="274637"/>
+            <a:ext cx="8229600" cy="780311"/>
+          </a:xfrm>
+        </p:spPr>
+        <p:txBody>
+          <a:bodyPr>
+            <a:normAutofit fontScale="90000"/>
+          </a:bodyPr>
           <a:lstStyle/>
           <a:p>
-            <a:r>
-              <a:rPr lang="pt-BR" dirty="0" smtClean="0"/>
-              <a:t>Links</a:t>
+            <a:pPr algn="ctr"/>
+            <a:r>
+              <a:rPr lang="pt-BR" sz="4000" dirty="0"/>
+              <a:t>Sistemas Operacionais Modernos</a:t>
             </a:r>
             <a:endParaRPr lang="pt-BR" dirty="0"/>
           </a:p>
         </p:txBody>
       </p:sp>
+      <p:pic>
+        <p:nvPicPr>
+          <p:cNvPr id="7" name="Imagem 6" descr="img4.jpg">
+            <a:extLst>
+              <a:ext uri="{FF2B5EF4-FFF2-40B4-BE49-F238E27FC236}">
+                <a16:creationId xmlns:a16="http://schemas.microsoft.com/office/drawing/2014/main" xmlns="" id="{A4B59A85-274A-483F-B890-5ECCBF42B140}"/>
+              </a:ext>
+            </a:extLst>
+          </p:cNvPr>
+          <p:cNvPicPr>
+            <a:picLocks noChangeAspect="1"/>
+          </p:cNvPicPr>
+          <p:nvPr/>
+        </p:nvPicPr>
+        <p:blipFill>
+          <a:blip r:embed="rId2" cstate="print"/>
+          <a:stretch>
+            <a:fillRect/>
+          </a:stretch>
+        </p:blipFill>
+        <p:spPr>
+          <a:xfrm>
+            <a:off x="2660475" y="1340768"/>
+            <a:ext cx="3823050" cy="4923059"/>
+          </a:xfrm>
+          <a:prstGeom prst="rect">
+            <a:avLst/>
+          </a:prstGeom>
+        </p:spPr>
+      </p:pic>
     </p:spTree>
+    <p:extLst>
+      <p:ext uri="{BB962C8B-B14F-4D97-AF65-F5344CB8AC3E}">
+        <p14:creationId xmlns:p14="http://schemas.microsoft.com/office/powerpoint/2010/main" xmlns="" val="72099951"/>
+      </p:ext>
+    </p:extLst>
   </p:cSld>
   <p:clrMapOvr>
     <a:masterClrMapping/>
@@ -7709,7 +8294,13 @@
       </p:grpSpPr>
       <p:sp>
         <p:nvSpPr>
-          <p:cNvPr id="2" name="Espaço Reservado para Conteúdo 1"/>
+          <p:cNvPr id="2" name="Espaço Reservado para Conteúdo 1">
+            <a:extLst>
+              <a:ext uri="{FF2B5EF4-FFF2-40B4-BE49-F238E27FC236}">
+                <a16:creationId xmlns:a16="http://schemas.microsoft.com/office/drawing/2014/main" xmlns="" id="{0E2F23BE-3DAE-4317-9CC0-BA92D445B006}"/>
+              </a:ext>
+            </a:extLst>
+          </p:cNvPr>
           <p:cNvSpPr>
             <a:spLocks noGrp="1"/>
           </p:cNvSpPr>
@@ -7717,71 +8308,37 @@
             <p:ph idx="1"/>
           </p:nvPr>
         </p:nvSpPr>
-        <p:spPr/>
+        <p:spPr>
+          <a:xfrm>
+            <a:off x="457200" y="1196752"/>
+            <a:ext cx="8229600" cy="365125"/>
+          </a:xfrm>
+        </p:spPr>
         <p:txBody>
           <a:bodyPr>
             <a:normAutofit/>
           </a:bodyPr>
           <a:lstStyle/>
           <a:p>
-            <a:r>
-              <a:rPr lang="pt-BR" dirty="0" smtClean="0">
-                <a:hlinkClick r:id="rId2"/>
-              </a:rPr>
-              <a:t>https://en.wikipedia.org/wiki/Tanenbaum%E2%80%93Torvalds_debate</a:t>
-            </a:r>
-            <a:endParaRPr lang="pt-BR" dirty="0" smtClean="0"/>
-          </a:p>
-          <a:p>
-            <a:r>
-              <a:rPr lang="pt-BR" dirty="0" smtClean="0">
-                <a:hlinkClick r:id="rId3"/>
-              </a:rPr>
-              <a:t>https://groups.google.com/forum/#!topic/comp.os.minix/wlhw16QWltI%5B1-25%5D</a:t>
-            </a:r>
-            <a:endParaRPr lang="pt-BR" dirty="0" smtClean="0"/>
-          </a:p>
-          <a:p>
-            <a:r>
-              <a:rPr lang="pt-BR" dirty="0" smtClean="0">
-                <a:hlinkClick r:id="rId4"/>
-              </a:rPr>
-              <a:t>github.com/</a:t>
-            </a:r>
-            <a:r>
-              <a:rPr lang="pt-BR" dirty="0" err="1" smtClean="0">
-                <a:hlinkClick r:id="rId4"/>
-              </a:rPr>
-              <a:t>xstpl</a:t>
-            </a:r>
-            <a:r>
-              <a:rPr lang="pt-BR" dirty="0" smtClean="0">
-                <a:hlinkClick r:id="rId4"/>
-              </a:rPr>
-              <a:t>/Livros</a:t>
-            </a:r>
-            <a:endParaRPr lang="pt-BR" dirty="0" smtClean="0"/>
-          </a:p>
-          <a:p>
-            <a:r>
-              <a:rPr lang="pt-BR" dirty="0" smtClean="0">
-                <a:hlinkClick r:id="rId5"/>
-              </a:rPr>
-              <a:t>www.cs.vu.nl</a:t>
-            </a:r>
-            <a:r>
-              <a:rPr lang="pt-BR" dirty="0" smtClean="0">
-                <a:hlinkClick r:id="rId5"/>
-              </a:rPr>
-              <a:t>/~ast/home/faq.html</a:t>
-            </a:r>
-            <a:endParaRPr lang="pt-BR" dirty="0"/>
-          </a:p>
-        </p:txBody>
-      </p:sp>
-      <p:sp>
-        <p:nvSpPr>
-          <p:cNvPr id="3" name="Espaço Reservado para Número de Slide 2"/>
+            <a:pPr marL="109728" indent="0" algn="ctr">
+              <a:buNone/>
+            </a:pPr>
+            <a:r>
+              <a:rPr lang="pt-BR" sz="1200" dirty="0"/>
+              <a:t>ISBN 0-13-148521-0</a:t>
+            </a:r>
+          </a:p>
+        </p:txBody>
+      </p:sp>
+      <p:sp>
+        <p:nvSpPr>
+          <p:cNvPr id="3" name="Espaço Reservado para Número de Slide 2">
+            <a:extLst>
+              <a:ext uri="{FF2B5EF4-FFF2-40B4-BE49-F238E27FC236}">
+                <a16:creationId xmlns:a16="http://schemas.microsoft.com/office/drawing/2014/main" xmlns="" id="{4AF4977D-3DA1-45AD-BF19-B613229E2863}"/>
+              </a:ext>
+            </a:extLst>
+          </p:cNvPr>
           <p:cNvSpPr>
             <a:spLocks noGrp="1"/>
           </p:cNvSpPr>
@@ -7805,7 +8362,13 @@
       </p:sp>
       <p:sp>
         <p:nvSpPr>
-          <p:cNvPr id="4" name="Título 3"/>
+          <p:cNvPr id="4" name="Título 3">
+            <a:extLst>
+              <a:ext uri="{FF2B5EF4-FFF2-40B4-BE49-F238E27FC236}">
+                <a16:creationId xmlns:a16="http://schemas.microsoft.com/office/drawing/2014/main" xmlns="" id="{9B4EBEF1-42DE-4018-BD60-BD0F5CC241C8}"/>
+              </a:ext>
+            </a:extLst>
+          </p:cNvPr>
           <p:cNvSpPr>
             <a:spLocks noGrp="1"/>
           </p:cNvSpPr>
@@ -7813,20 +8376,63 @@
             <p:ph type="title"/>
           </p:nvPr>
         </p:nvSpPr>
-        <p:spPr/>
-        <p:txBody>
-          <a:bodyPr/>
+        <p:spPr>
+          <a:xfrm>
+            <a:off x="457200" y="274637"/>
+            <a:ext cx="8229600" cy="780311"/>
+          </a:xfrm>
+        </p:spPr>
+        <p:txBody>
+          <a:bodyPr>
+            <a:normAutofit fontScale="90000"/>
+          </a:bodyPr>
           <a:lstStyle/>
           <a:p>
-            <a:r>
-              <a:rPr lang="pt-BR" dirty="0" smtClean="0"/>
-              <a:t>Links adicionais</a:t>
+            <a:pPr algn="ctr"/>
+            <a:r>
+              <a:rPr lang="pt-BR" sz="4000" dirty="0"/>
+              <a:t>Organização Estruturada de Computadores</a:t>
             </a:r>
             <a:endParaRPr lang="pt-BR" dirty="0"/>
           </a:p>
         </p:txBody>
       </p:sp>
+      <p:pic>
+        <p:nvPicPr>
+          <p:cNvPr id="6" name="Imagem 5" descr="img5.jpeg">
+            <a:extLst>
+              <a:ext uri="{FF2B5EF4-FFF2-40B4-BE49-F238E27FC236}">
+                <a16:creationId xmlns:a16="http://schemas.microsoft.com/office/drawing/2014/main" xmlns="" id="{67F4CEF1-5C4C-4D6D-9F42-DBB76231442B}"/>
+              </a:ext>
+            </a:extLst>
+          </p:cNvPr>
+          <p:cNvPicPr>
+            <a:picLocks noChangeAspect="1"/>
+          </p:cNvPicPr>
+          <p:nvPr/>
+        </p:nvPicPr>
+        <p:blipFill>
+          <a:blip r:embed="rId2" cstate="print"/>
+          <a:stretch>
+            <a:fillRect/>
+          </a:stretch>
+        </p:blipFill>
+        <p:spPr>
+          <a:xfrm>
+            <a:off x="2801909" y="1561877"/>
+            <a:ext cx="3540182" cy="4747443"/>
+          </a:xfrm>
+          <a:prstGeom prst="rect">
+            <a:avLst/>
+          </a:prstGeom>
+        </p:spPr>
+      </p:pic>
     </p:spTree>
+    <p:extLst>
+      <p:ext uri="{BB962C8B-B14F-4D97-AF65-F5344CB8AC3E}">
+        <p14:creationId xmlns:p14="http://schemas.microsoft.com/office/powerpoint/2010/main" xmlns="" val="669322323"/>
+      </p:ext>
+    </p:extLst>
   </p:cSld>
   <p:clrMapOvr>
     <a:masterClrMapping/>
@@ -7860,70 +8466,51 @@
       </p:grpSpPr>
       <p:sp>
         <p:nvSpPr>
-          <p:cNvPr id="9" name="Título 8"/>
+          <p:cNvPr id="2" name="Espaço Reservado para Conteúdo 1">
+            <a:extLst>
+              <a:ext uri="{FF2B5EF4-FFF2-40B4-BE49-F238E27FC236}">
+                <a16:creationId xmlns:a16="http://schemas.microsoft.com/office/drawing/2014/main" xmlns="" id="{0E2F23BE-3DAE-4317-9CC0-BA92D445B006}"/>
+              </a:ext>
+            </a:extLst>
+          </p:cNvPr>
           <p:cNvSpPr>
             <a:spLocks noGrp="1"/>
           </p:cNvSpPr>
           <p:nvPr>
-            <p:ph type="ctrTitle"/>
+            <p:ph idx="1"/>
           </p:nvPr>
         </p:nvSpPr>
-        <p:spPr/>
-        <p:txBody>
-          <a:bodyPr/>
+        <p:spPr>
+          <a:xfrm>
+            <a:off x="457200" y="1124744"/>
+            <a:ext cx="8229600" cy="365125"/>
+          </a:xfrm>
+        </p:spPr>
+        <p:txBody>
+          <a:bodyPr>
+            <a:normAutofit/>
+          </a:bodyPr>
           <a:lstStyle/>
           <a:p>
-            <a:pPr algn="ctr"/>
-            <a:r>
-              <a:rPr lang="pt-BR" dirty="0" smtClean="0"/>
-              <a:t>Dúvidas?</a:t>
-            </a:r>
-            <a:br>
-              <a:rPr lang="pt-BR" dirty="0" smtClean="0"/>
-            </a:br>
-            <a:endParaRPr lang="pt-BR" dirty="0"/>
-          </a:p>
-        </p:txBody>
-      </p:sp>
-      <p:sp>
-        <p:nvSpPr>
-          <p:cNvPr id="10" name="Subtítulo 9"/>
-          <p:cNvSpPr>
-            <a:spLocks noGrp="1"/>
-          </p:cNvSpPr>
-          <p:nvPr>
-            <p:ph type="subTitle" idx="1"/>
-          </p:nvPr>
-        </p:nvSpPr>
-        <p:spPr/>
-        <p:txBody>
-          <a:bodyPr/>
-          <a:lstStyle/>
-          <a:p>
-            <a:pPr algn="ctr"/>
-            <a:r>
-              <a:rPr lang="pt-BR" dirty="0" smtClean="0"/>
-              <a:t>Email de contato:</a:t>
-            </a:r>
-            <a:endParaRPr lang="pt-BR" dirty="0" smtClean="0"/>
-          </a:p>
-          <a:p>
-            <a:r>
-              <a:rPr lang="pt-BR" dirty="0" smtClean="0">
-                <a:hlinkClick r:id="rId2"/>
-              </a:rPr>
-              <a:t>mbscbsjbs@gmail.com</a:t>
-            </a:r>
-            <a:endParaRPr lang="pt-BR" dirty="0" smtClean="0"/>
-          </a:p>
-          <a:p>
-            <a:endParaRPr lang="pt-BR" dirty="0"/>
-          </a:p>
-        </p:txBody>
-      </p:sp>
-      <p:sp>
-        <p:nvSpPr>
-          <p:cNvPr id="3" name="Espaço Reservado para Número de Slide 2"/>
+            <a:pPr marL="109728" indent="0" algn="ctr">
+              <a:buNone/>
+            </a:pPr>
+            <a:r>
+              <a:rPr lang="pt-BR" sz="1200" dirty="0"/>
+              <a:t>ISBN 0-13-239227-5</a:t>
+            </a:r>
+          </a:p>
+        </p:txBody>
+      </p:sp>
+      <p:sp>
+        <p:nvSpPr>
+          <p:cNvPr id="3" name="Espaço Reservado para Número de Slide 2">
+            <a:extLst>
+              <a:ext uri="{FF2B5EF4-FFF2-40B4-BE49-F238E27FC236}">
+                <a16:creationId xmlns:a16="http://schemas.microsoft.com/office/drawing/2014/main" xmlns="" id="{4AF4977D-3DA1-45AD-BF19-B613229E2863}"/>
+              </a:ext>
+            </a:extLst>
+          </p:cNvPr>
           <p:cNvSpPr>
             <a:spLocks noGrp="1"/>
           </p:cNvSpPr>
@@ -7940,6 +8527,196 @@
               <a:rPr lang="pt-BR" smtClean="0"/>
               <a:pPr/>
               <a:t>13</a:t>
+            </a:fld>
+            <a:endParaRPr lang="pt-BR"/>
+          </a:p>
+        </p:txBody>
+      </p:sp>
+      <p:sp>
+        <p:nvSpPr>
+          <p:cNvPr id="4" name="Título 3">
+            <a:extLst>
+              <a:ext uri="{FF2B5EF4-FFF2-40B4-BE49-F238E27FC236}">
+                <a16:creationId xmlns:a16="http://schemas.microsoft.com/office/drawing/2014/main" xmlns="" id="{9B4EBEF1-42DE-4018-BD60-BD0F5CC241C8}"/>
+              </a:ext>
+            </a:extLst>
+          </p:cNvPr>
+          <p:cNvSpPr>
+            <a:spLocks noGrp="1"/>
+          </p:cNvSpPr>
+          <p:nvPr>
+            <p:ph type="title"/>
+          </p:nvPr>
+        </p:nvSpPr>
+        <p:spPr>
+          <a:xfrm>
+            <a:off x="457200" y="274638"/>
+            <a:ext cx="8229600" cy="778098"/>
+          </a:xfrm>
+        </p:spPr>
+        <p:txBody>
+          <a:bodyPr>
+            <a:normAutofit fontScale="90000"/>
+          </a:bodyPr>
+          <a:lstStyle/>
+          <a:p>
+            <a:pPr algn="ctr"/>
+            <a:r>
+              <a:rPr lang="pt-BR" sz="4000" dirty="0"/>
+              <a:t>Sistemas Distribuídos: Princípios e Paradigmas</a:t>
+            </a:r>
+            <a:endParaRPr lang="pt-BR" dirty="0"/>
+          </a:p>
+        </p:txBody>
+      </p:sp>
+      <p:pic>
+        <p:nvPicPr>
+          <p:cNvPr id="7" name="Imagem 6" descr="img6.jpeg">
+            <a:extLst>
+              <a:ext uri="{FF2B5EF4-FFF2-40B4-BE49-F238E27FC236}">
+                <a16:creationId xmlns:a16="http://schemas.microsoft.com/office/drawing/2014/main" xmlns="" id="{14916970-5EA0-4BF0-A275-7930283A0E7D}"/>
+              </a:ext>
+            </a:extLst>
+          </p:cNvPr>
+          <p:cNvPicPr>
+            <a:picLocks noChangeAspect="1"/>
+          </p:cNvPicPr>
+          <p:nvPr/>
+        </p:nvPicPr>
+        <p:blipFill>
+          <a:blip r:embed="rId2"/>
+          <a:stretch>
+            <a:fillRect/>
+          </a:stretch>
+        </p:blipFill>
+        <p:spPr>
+          <a:xfrm>
+            <a:off x="2778640" y="1489869"/>
+            <a:ext cx="3586720" cy="4821219"/>
+          </a:xfrm>
+          <a:prstGeom prst="rect">
+            <a:avLst/>
+          </a:prstGeom>
+        </p:spPr>
+      </p:pic>
+    </p:spTree>
+    <p:extLst>
+      <p:ext uri="{BB962C8B-B14F-4D97-AF65-F5344CB8AC3E}">
+        <p14:creationId xmlns:p14="http://schemas.microsoft.com/office/powerpoint/2010/main" xmlns="" val="2455919353"/>
+      </p:ext>
+    </p:extLst>
+  </p:cSld>
+  <p:clrMapOvr>
+    <a:masterClrMapping/>
+  </p:clrMapOvr>
+  <p:timing>
+    <p:tnLst>
+      <p:par>
+        <p:cTn id="1" dur="indefinite" restart="never" nodeType="tmRoot"/>
+      </p:par>
+    </p:tnLst>
+  </p:timing>
+</p:sld>
+</file>
+
+<file path=ppt/slides/slide14.xml><?xml version="1.0" encoding="utf-8"?>
+<p:sld xmlns:a="http://schemas.openxmlformats.org/drawingml/2006/main" xmlns:r="http://schemas.openxmlformats.org/officeDocument/2006/relationships" xmlns:p="http://schemas.openxmlformats.org/presentationml/2006/main">
+  <p:cSld>
+    <p:spTree>
+      <p:nvGrpSpPr>
+        <p:cNvPr id="1" name=""/>
+        <p:cNvGrpSpPr/>
+        <p:nvPr/>
+      </p:nvGrpSpPr>
+      <p:grpSpPr>
+        <a:xfrm>
+          <a:off x="0" y="0"/>
+          <a:ext cx="0" cy="0"/>
+          <a:chOff x="0" y="0"/>
+          <a:chExt cx="0" cy="0"/>
+        </a:xfrm>
+      </p:grpSpPr>
+      <p:sp>
+        <p:nvSpPr>
+          <p:cNvPr id="9" name="Título 8"/>
+          <p:cNvSpPr>
+            <a:spLocks noGrp="1"/>
+          </p:cNvSpPr>
+          <p:nvPr>
+            <p:ph type="ctrTitle"/>
+          </p:nvPr>
+        </p:nvSpPr>
+        <p:spPr/>
+        <p:txBody>
+          <a:bodyPr/>
+          <a:lstStyle/>
+          <a:p>
+            <a:pPr algn="ctr"/>
+            <a:r>
+              <a:rPr lang="pt-BR" dirty="0"/>
+              <a:t>Dúvidas?</a:t>
+            </a:r>
+            <a:br>
+              <a:rPr lang="pt-BR" dirty="0"/>
+            </a:br>
+            <a:endParaRPr lang="pt-BR" dirty="0"/>
+          </a:p>
+        </p:txBody>
+      </p:sp>
+      <p:sp>
+        <p:nvSpPr>
+          <p:cNvPr id="10" name="Subtítulo 9"/>
+          <p:cNvSpPr>
+            <a:spLocks noGrp="1"/>
+          </p:cNvSpPr>
+          <p:nvPr>
+            <p:ph type="subTitle" idx="1"/>
+          </p:nvPr>
+        </p:nvSpPr>
+        <p:spPr/>
+        <p:txBody>
+          <a:bodyPr/>
+          <a:lstStyle/>
+          <a:p>
+            <a:pPr algn="ctr"/>
+            <a:r>
+              <a:rPr lang="pt-BR" dirty="0"/>
+              <a:t>Email de contato:</a:t>
+            </a:r>
+          </a:p>
+          <a:p>
+            <a:r>
+              <a:rPr lang="pt-BR" dirty="0">
+                <a:hlinkClick r:id="rId2"/>
+              </a:rPr>
+              <a:t>mbscbsjbs@gmail.com</a:t>
+            </a:r>
+            <a:endParaRPr lang="pt-BR" dirty="0"/>
+          </a:p>
+          <a:p>
+            <a:endParaRPr lang="pt-BR" dirty="0"/>
+          </a:p>
+        </p:txBody>
+      </p:sp>
+      <p:sp>
+        <p:nvSpPr>
+          <p:cNvPr id="3" name="Espaço Reservado para Número de Slide 2"/>
+          <p:cNvSpPr>
+            <a:spLocks noGrp="1"/>
+          </p:cNvSpPr>
+          <p:nvPr>
+            <p:ph type="sldNum" sz="quarter" idx="12"/>
+          </p:nvPr>
+        </p:nvSpPr>
+        <p:spPr/>
+        <p:txBody>
+          <a:bodyPr/>
+          <a:lstStyle/>
+          <a:p>
+            <a:fld id="{2119D8CF-8DEC-4D9F-84EE-ADF04DFF3391}" type="slidenum">
+              <a:rPr lang="pt-BR" smtClean="0"/>
+              <a:pPr/>
+              <a:t>14</a:t>
             </a:fld>
             <a:endParaRPr lang="pt-BR"/>
           </a:p>
@@ -7957,6 +8734,100 @@
       </p:par>
     </p:tnLst>
   </p:timing>
+</p:sld>
+</file>
+
+<file path=ppt/slides/slide15.xml><?xml version="1.0" encoding="utf-8"?>
+<p:sld xmlns:a="http://schemas.openxmlformats.org/drawingml/2006/main" xmlns:r="http://schemas.openxmlformats.org/officeDocument/2006/relationships" xmlns:p="http://schemas.openxmlformats.org/presentationml/2006/main">
+  <p:cSld>
+    <p:spTree>
+      <p:nvGrpSpPr>
+        <p:cNvPr id="1" name=""/>
+        <p:cNvGrpSpPr/>
+        <p:nvPr/>
+      </p:nvGrpSpPr>
+      <p:grpSpPr>
+        <a:xfrm>
+          <a:off x="0" y="0"/>
+          <a:ext cx="0" cy="0"/>
+          <a:chOff x="0" y="0"/>
+          <a:chExt cx="0" cy="0"/>
+        </a:xfrm>
+      </p:grpSpPr>
+      <p:sp>
+        <p:nvSpPr>
+          <p:cNvPr id="2" name="Espaço Reservado para Número de Slide 1">
+            <a:extLst>
+              <a:ext uri="{FF2B5EF4-FFF2-40B4-BE49-F238E27FC236}">
+                <a16:creationId xmlns:a16="http://schemas.microsoft.com/office/drawing/2014/main" xmlns="" id="{928B71BB-3B78-4FF2-8179-EE3ADFD61771}"/>
+              </a:ext>
+            </a:extLst>
+          </p:cNvPr>
+          <p:cNvSpPr>
+            <a:spLocks noGrp="1"/>
+          </p:cNvSpPr>
+          <p:nvPr>
+            <p:ph type="sldNum" sz="quarter" idx="12"/>
+          </p:nvPr>
+        </p:nvSpPr>
+        <p:spPr/>
+        <p:txBody>
+          <a:bodyPr/>
+          <a:lstStyle/>
+          <a:p>
+            <a:fld id="{2119D8CF-8DEC-4D9F-84EE-ADF04DFF3391}" type="slidenum">
+              <a:rPr lang="pt-BR" smtClean="0"/>
+              <a:pPr/>
+              <a:t>15</a:t>
+            </a:fld>
+            <a:endParaRPr lang="pt-BR"/>
+          </a:p>
+        </p:txBody>
+      </p:sp>
+      <p:sp>
+        <p:nvSpPr>
+          <p:cNvPr id="3" name="Título 2">
+            <a:extLst>
+              <a:ext uri="{FF2B5EF4-FFF2-40B4-BE49-F238E27FC236}">
+                <a16:creationId xmlns:a16="http://schemas.microsoft.com/office/drawing/2014/main" xmlns="" id="{AABD7376-0BC0-4F4E-9A4C-A8BC7DA25D3C}"/>
+              </a:ext>
+            </a:extLst>
+          </p:cNvPr>
+          <p:cNvSpPr>
+            <a:spLocks noGrp="1"/>
+          </p:cNvSpPr>
+          <p:nvPr>
+            <p:ph type="title"/>
+          </p:nvPr>
+        </p:nvSpPr>
+        <p:spPr>
+          <a:xfrm>
+            <a:off x="417672" y="2286000"/>
+            <a:ext cx="8229600" cy="1143000"/>
+          </a:xfrm>
+        </p:spPr>
+        <p:txBody>
+          <a:bodyPr/>
+          <a:lstStyle/>
+          <a:p>
+            <a:pPr algn="ctr"/>
+            <a:r>
+              <a:rPr lang="pt-BR" dirty="0"/>
+              <a:t>OBRIGADO</a:t>
+            </a:r>
+          </a:p>
+        </p:txBody>
+      </p:sp>
+    </p:spTree>
+    <p:extLst>
+      <p:ext uri="{BB962C8B-B14F-4D97-AF65-F5344CB8AC3E}">
+        <p14:creationId xmlns:p14="http://schemas.microsoft.com/office/powerpoint/2010/main" xmlns="" val="870438317"/>
+      </p:ext>
+    </p:extLst>
+  </p:cSld>
+  <p:clrMapOvr>
+    <a:masterClrMapping/>
+  </p:clrMapOvr>
 </p:sld>
 </file>
 
@@ -8015,10 +8886,9 @@
           <a:lstStyle/>
           <a:p>
             <a:r>
-              <a:rPr lang="pt-BR" dirty="0" smtClean="0"/>
+              <a:rPr lang="pt-BR" dirty="0"/>
               <a:t>Sumário</a:t>
             </a:r>
-            <a:endParaRPr lang="pt-BR" dirty="0"/>
           </a:p>
         </p:txBody>
       </p:sp>
@@ -8080,127 +8950,13 @@
       </p:grpSpPr>
       <p:sp>
         <p:nvSpPr>
-          <p:cNvPr id="2" name="Espaço Reservado para Conteúdo 1"/>
-          <p:cNvSpPr>
-            <a:spLocks noGrp="1"/>
-          </p:cNvSpPr>
-          <p:nvPr>
-            <p:ph idx="1"/>
-          </p:nvPr>
-        </p:nvSpPr>
-        <p:spPr/>
-        <p:txBody>
-          <a:bodyPr>
-            <a:normAutofit/>
-          </a:bodyPr>
-          <a:lstStyle/>
-          <a:p>
-            <a:pPr lvl="1"/>
-            <a:r>
-              <a:rPr lang="pt-BR" sz="2800" dirty="0" err="1" smtClean="0"/>
-              <a:t>Tannembaum</a:t>
-            </a:r>
-            <a:r>
-              <a:rPr lang="pt-BR" sz="2800" dirty="0" smtClean="0"/>
-              <a:t> nasceu em 16 de março de 1944 em nova </a:t>
-            </a:r>
-            <a:r>
-              <a:rPr lang="pt-BR" sz="2800" dirty="0" err="1" smtClean="0"/>
-              <a:t>iorque</a:t>
-            </a:r>
-            <a:r>
-              <a:rPr lang="pt-BR" sz="2800" dirty="0" smtClean="0"/>
-              <a:t>;</a:t>
-            </a:r>
-          </a:p>
-          <a:p>
-            <a:pPr lvl="1"/>
-            <a:r>
-              <a:rPr lang="pt-BR" sz="2800" dirty="0" smtClean="0"/>
-              <a:t>Bacharel em física pelo MIT – 1965;</a:t>
-            </a:r>
-          </a:p>
-          <a:p>
-            <a:pPr lvl="1"/>
-            <a:r>
-              <a:rPr lang="pt-BR" sz="2800" dirty="0" smtClean="0"/>
-              <a:t>Doutor em astrofísica pela Berkeley – 1971.</a:t>
-            </a:r>
-          </a:p>
-          <a:p>
-            <a:pPr lvl="1"/>
-            <a:endParaRPr lang="pt-BR" sz="2800" dirty="0" smtClean="0"/>
-          </a:p>
-          <a:p>
-            <a:pPr lvl="1">
-              <a:buNone/>
-            </a:pPr>
-            <a:r>
-              <a:rPr lang="pt-BR" sz="2800" dirty="0" smtClean="0"/>
-              <a:t>Atualmente chefe do Departamento de sistemas da computação da universidade </a:t>
-            </a:r>
-            <a:r>
-              <a:rPr lang="pt-BR" sz="2800" dirty="0" err="1" smtClean="0"/>
-              <a:t>vrije</a:t>
-            </a:r>
-            <a:r>
-              <a:rPr lang="pt-BR" sz="2800" dirty="0" smtClean="0"/>
-              <a:t> (livre em holandês) em Amsterdã.</a:t>
-            </a:r>
-            <a:endParaRPr lang="pt-BR" dirty="0" smtClean="0"/>
-          </a:p>
-          <a:p>
-            <a:pPr lvl="1">
-              <a:buNone/>
-            </a:pPr>
-            <a:r>
-              <a:rPr lang="pt-BR" dirty="0" smtClean="0"/>
-              <a:t>		</a:t>
-            </a:r>
-            <a:endParaRPr lang="pt-BR" dirty="0" smtClean="0"/>
-          </a:p>
-          <a:p>
-            <a:pPr lvl="1"/>
-            <a:endParaRPr lang="pt-BR" dirty="0"/>
-          </a:p>
-        </p:txBody>
-      </p:sp>
-      <p:sp>
-        <p:nvSpPr>
-          <p:cNvPr id="3" name="Título 2"/>
-          <p:cNvSpPr>
-            <a:spLocks noGrp="1"/>
-          </p:cNvSpPr>
-          <p:nvPr>
-            <p:ph type="title"/>
-          </p:nvPr>
-        </p:nvSpPr>
-        <p:spPr/>
-        <p:txBody>
-          <a:bodyPr>
-            <a:normAutofit/>
-          </a:bodyPr>
-          <a:lstStyle/>
-          <a:p>
-            <a:r>
-              <a:rPr lang="pt-BR" sz="3200" dirty="0" smtClean="0"/>
-              <a:t>Quem é Andrew Stuart </a:t>
-            </a:r>
-            <a:r>
-              <a:rPr lang="pt-BR" sz="3200" dirty="0" err="1" smtClean="0"/>
-              <a:t>Tanenbaum</a:t>
-            </a:r>
-            <a:r>
-              <a:rPr lang="pt-BR" sz="3200" dirty="0" smtClean="0"/>
-              <a:t>?</a:t>
-            </a:r>
-            <a:endParaRPr lang="pt-BR" sz="3200" dirty="0"/>
-          </a:p>
-        </p:txBody>
-      </p:sp>
-      <p:sp>
-        <p:nvSpPr>
-          <p:cNvPr id="5" name="Espaço Reservado para Número de Slide 4"/>
+          <p:cNvPr id="2" name="Espaço Reservado para Número de Slide 1">
+            <a:extLst>
+              <a:ext uri="{FF2B5EF4-FFF2-40B4-BE49-F238E27FC236}">
+                <a16:creationId xmlns:a16="http://schemas.microsoft.com/office/drawing/2014/main" xmlns="" id="{BA3F17A2-7685-4BA4-AD8F-1DA5885CB6EC}"/>
+              </a:ext>
+            </a:extLst>
+          </p:cNvPr>
           <p:cNvSpPr>
             <a:spLocks noGrp="1"/>
           </p:cNvSpPr>
@@ -8222,7 +8978,60 @@
           </a:p>
         </p:txBody>
       </p:sp>
+      <p:sp>
+        <p:nvSpPr>
+          <p:cNvPr id="3" name="Título 2">
+            <a:extLst>
+              <a:ext uri="{FF2B5EF4-FFF2-40B4-BE49-F238E27FC236}">
+                <a16:creationId xmlns:a16="http://schemas.microsoft.com/office/drawing/2014/main" xmlns="" id="{E2A2A81C-560C-4B98-971D-BA6FD9E208D6}"/>
+              </a:ext>
+            </a:extLst>
+          </p:cNvPr>
+          <p:cNvSpPr>
+            <a:spLocks noGrp="1"/>
+          </p:cNvSpPr>
+          <p:nvPr>
+            <p:ph type="title"/>
+          </p:nvPr>
+        </p:nvSpPr>
+        <p:spPr>
+          <a:xfrm>
+            <a:off x="457200" y="274638"/>
+            <a:ext cx="8229600" cy="5242594"/>
+          </a:xfrm>
+        </p:spPr>
+        <p:txBody>
+          <a:bodyPr>
+            <a:normAutofit/>
+          </a:bodyPr>
+          <a:lstStyle/>
+          <a:p>
+            <a:pPr algn="ctr"/>
+            <a:r>
+              <a:rPr lang="pt-BR" sz="4400" dirty="0"/>
+              <a:t>Quem é Andrew Stuart </a:t>
+            </a:r>
+            <a:r>
+              <a:rPr lang="pt-BR" sz="4400" dirty="0" err="1"/>
+              <a:t>Tanenbaum</a:t>
+            </a:r>
+            <a:r>
+              <a:rPr lang="pt-BR" sz="4400" dirty="0"/>
+              <a:t>?</a:t>
+            </a:r>
+            <a:br>
+              <a:rPr lang="pt-BR" sz="4400" dirty="0"/>
+            </a:br>
+            <a:endParaRPr lang="pt-BR" dirty="0"/>
+          </a:p>
+        </p:txBody>
+      </p:sp>
     </p:spTree>
+    <p:extLst>
+      <p:ext uri="{BB962C8B-B14F-4D97-AF65-F5344CB8AC3E}">
+        <p14:creationId xmlns:p14="http://schemas.microsoft.com/office/powerpoint/2010/main" xmlns="" val="3879834434"/>
+      </p:ext>
+    </p:extLst>
   </p:cSld>
   <p:clrMapOvr>
     <a:masterClrMapping/>
@@ -8256,100 +9065,13 @@
       </p:grpSpPr>
       <p:sp>
         <p:nvSpPr>
-          <p:cNvPr id="2" name="Espaço Reservado para Conteúdo 1"/>
-          <p:cNvSpPr>
-            <a:spLocks noGrp="1"/>
-          </p:cNvSpPr>
-          <p:nvPr>
-            <p:ph idx="1"/>
-          </p:nvPr>
-        </p:nvSpPr>
-        <p:spPr/>
-        <p:txBody>
-          <a:bodyPr>
-            <a:normAutofit/>
-          </a:bodyPr>
-          <a:lstStyle/>
-          <a:p>
-            <a:r>
-              <a:rPr lang="pt-BR" dirty="0" smtClean="0"/>
-              <a:t>Kit Compilador Amsterdã</a:t>
-            </a:r>
-          </a:p>
-          <a:p>
-            <a:pPr lvl="1"/>
-            <a:r>
-              <a:rPr lang="pt-BR" dirty="0" err="1" smtClean="0"/>
-              <a:t>Feramenta</a:t>
-            </a:r>
-            <a:r>
-              <a:rPr lang="pt-BR" dirty="0" smtClean="0"/>
-              <a:t> para produzir compiladores portáteis – 1981</a:t>
-            </a:r>
-            <a:endParaRPr lang="pt-BR" dirty="0" smtClean="0"/>
-          </a:p>
-          <a:p>
-            <a:pPr lvl="1"/>
-            <a:endParaRPr lang="pt-BR" dirty="0" smtClean="0"/>
-          </a:p>
-          <a:p>
-            <a:r>
-              <a:rPr lang="pt-BR" dirty="0" err="1" smtClean="0"/>
-              <a:t>Amoeba</a:t>
-            </a:r>
-            <a:endParaRPr lang="pt-BR" dirty="0" smtClean="0"/>
-          </a:p>
-          <a:p>
-            <a:pPr lvl="1" algn="just"/>
-            <a:r>
-              <a:rPr lang="pt-BR" dirty="0" smtClean="0"/>
-              <a:t>Sistema operacional baseado em micronúcleo. O objetivo era construir um sistema em tempo compartilhado em que vários computadores em rede trabalhem como um único computador para usuário.</a:t>
-            </a:r>
-          </a:p>
-          <a:p>
-            <a:pPr lvl="1" algn="just"/>
-            <a:r>
-              <a:rPr lang="pt-BR" dirty="0" err="1" smtClean="0"/>
-              <a:t>Python</a:t>
-            </a:r>
-            <a:r>
-              <a:rPr lang="pt-BR" dirty="0" smtClean="0"/>
-              <a:t> foi originalmente desenvolvida nesse sistema operacional.</a:t>
-            </a:r>
-            <a:r>
-              <a:rPr lang="pt-BR" dirty="0" smtClean="0"/>
-              <a:t>	</a:t>
-            </a:r>
-            <a:endParaRPr lang="pt-BR" dirty="0" smtClean="0"/>
-          </a:p>
-        </p:txBody>
-      </p:sp>
-      <p:sp>
-        <p:nvSpPr>
-          <p:cNvPr id="3" name="Título 2"/>
-          <p:cNvSpPr>
-            <a:spLocks noGrp="1"/>
-          </p:cNvSpPr>
-          <p:nvPr>
-            <p:ph type="title"/>
-          </p:nvPr>
-        </p:nvSpPr>
-        <p:spPr/>
-        <p:txBody>
-          <a:bodyPr/>
-          <a:lstStyle/>
-          <a:p>
-            <a:r>
-              <a:rPr lang="pt-BR" dirty="0" smtClean="0"/>
-              <a:t>Projetos</a:t>
-            </a:r>
-            <a:endParaRPr lang="pt-BR" dirty="0"/>
-          </a:p>
-        </p:txBody>
-      </p:sp>
-      <p:sp>
-        <p:nvSpPr>
-          <p:cNvPr id="4" name="Espaço Reservado para Número de Slide 3"/>
+          <p:cNvPr id="2" name="Espaço Reservado para Número de Slide 1">
+            <a:extLst>
+              <a:ext uri="{FF2B5EF4-FFF2-40B4-BE49-F238E27FC236}">
+                <a16:creationId xmlns:a16="http://schemas.microsoft.com/office/drawing/2014/main" xmlns="" id="{AE1A7F0B-CC3F-4BDE-82B8-2574AE809D07}"/>
+              </a:ext>
+            </a:extLst>
+          </p:cNvPr>
           <p:cNvSpPr>
             <a:spLocks noGrp="1"/>
           </p:cNvSpPr>
@@ -8371,7 +9093,315 @@
           </a:p>
         </p:txBody>
       </p:sp>
+      <p:pic>
+        <p:nvPicPr>
+          <p:cNvPr id="5" name="Imagem 4">
+            <a:extLst>
+              <a:ext uri="{FF2B5EF4-FFF2-40B4-BE49-F238E27FC236}">
+                <a16:creationId xmlns:a16="http://schemas.microsoft.com/office/drawing/2014/main" xmlns="" id="{A7055F13-CA38-442F-B134-2249C912EB3A}"/>
+              </a:ext>
+            </a:extLst>
+          </p:cNvPr>
+          <p:cNvPicPr>
+            <a:picLocks noChangeAspect="1"/>
+          </p:cNvPicPr>
+          <p:nvPr/>
+        </p:nvPicPr>
+        <p:blipFill>
+          <a:blip r:embed="rId2">
+            <a:extLst>
+              <a:ext uri="{28A0092B-C50C-407E-A947-70E740481C1C}">
+                <a14:useLocalDpi xmlns:a14="http://schemas.microsoft.com/office/drawing/2010/main" xmlns="" val="0"/>
+              </a:ext>
+            </a:extLst>
+          </a:blip>
+          <a:stretch>
+            <a:fillRect/>
+          </a:stretch>
+        </p:blipFill>
+        <p:spPr>
+          <a:xfrm>
+            <a:off x="434425" y="532244"/>
+            <a:ext cx="2793651" cy="4483370"/>
+          </a:xfrm>
+          <a:prstGeom prst="rect">
+            <a:avLst/>
+          </a:prstGeom>
+        </p:spPr>
+      </p:pic>
+      <p:sp>
+        <p:nvSpPr>
+          <p:cNvPr id="6" name="Espaço Reservado para Conteúdo 1">
+            <a:extLst>
+              <a:ext uri="{FF2B5EF4-FFF2-40B4-BE49-F238E27FC236}">
+                <a16:creationId xmlns:a16="http://schemas.microsoft.com/office/drawing/2014/main" xmlns="" id="{B5A00B26-3308-4212-B7C8-5205A43FAA83}"/>
+              </a:ext>
+            </a:extLst>
+          </p:cNvPr>
+          <p:cNvSpPr txBox="1">
+            <a:spLocks/>
+          </p:cNvSpPr>
+          <p:nvPr/>
+        </p:nvSpPr>
+        <p:spPr>
+          <a:xfrm>
+            <a:off x="3220193" y="332656"/>
+            <a:ext cx="5435949" cy="4882547"/>
+          </a:xfrm>
+          <a:prstGeom prst="rect">
+            <a:avLst/>
+          </a:prstGeom>
+        </p:spPr>
+        <p:txBody>
+          <a:bodyPr anchor="ctr">
+            <a:normAutofit/>
+          </a:bodyPr>
+          <a:lstStyle>
+            <a:lvl1pPr marL="365760" indent="-256032" algn="l" rtl="0" eaLnBrk="1" latinLnBrk="0" hangingPunct="1">
+              <a:spcBef>
+                <a:spcPts val="400"/>
+              </a:spcBef>
+              <a:spcAft>
+                <a:spcPts val="0"/>
+              </a:spcAft>
+              <a:buClr>
+                <a:schemeClr val="accent1"/>
+              </a:buClr>
+              <a:buSzPct val="68000"/>
+              <a:buFont typeface="Wingdings 3"/>
+              <a:buChar char=""/>
+              <a:defRPr kumimoji="0" sz="2700" kern="1200">
+                <a:solidFill>
+                  <a:schemeClr val="tx1"/>
+                </a:solidFill>
+                <a:latin typeface="+mn-lt"/>
+                <a:ea typeface="+mn-ea"/>
+                <a:cs typeface="+mn-cs"/>
+              </a:defRPr>
+            </a:lvl1pPr>
+            <a:lvl2pPr marL="621792" indent="-228600" algn="l" rtl="0" eaLnBrk="1" latinLnBrk="0" hangingPunct="1">
+              <a:spcBef>
+                <a:spcPts val="324"/>
+              </a:spcBef>
+              <a:buClr>
+                <a:schemeClr val="accent1"/>
+              </a:buClr>
+              <a:buFont typeface="Verdana"/>
+              <a:buChar char="◦"/>
+              <a:defRPr kumimoji="0" sz="2300" kern="1200">
+                <a:solidFill>
+                  <a:schemeClr val="tx1"/>
+                </a:solidFill>
+                <a:latin typeface="+mn-lt"/>
+                <a:ea typeface="+mn-ea"/>
+                <a:cs typeface="+mn-cs"/>
+              </a:defRPr>
+            </a:lvl2pPr>
+            <a:lvl3pPr marL="859536" indent="-228600" algn="l" rtl="0" eaLnBrk="1" latinLnBrk="0" hangingPunct="1">
+              <a:spcBef>
+                <a:spcPts val="350"/>
+              </a:spcBef>
+              <a:buClr>
+                <a:schemeClr val="accent2"/>
+              </a:buClr>
+              <a:buSzPct val="100000"/>
+              <a:buFont typeface="Wingdings 2"/>
+              <a:buChar char=""/>
+              <a:defRPr kumimoji="0" sz="2100" kern="1200">
+                <a:solidFill>
+                  <a:schemeClr val="tx1"/>
+                </a:solidFill>
+                <a:latin typeface="+mn-lt"/>
+                <a:ea typeface="+mn-ea"/>
+                <a:cs typeface="+mn-cs"/>
+              </a:defRPr>
+            </a:lvl3pPr>
+            <a:lvl4pPr marL="1143000" indent="-228600" algn="l" rtl="0" eaLnBrk="1" latinLnBrk="0" hangingPunct="1">
+              <a:spcBef>
+                <a:spcPts val="350"/>
+              </a:spcBef>
+              <a:buClr>
+                <a:schemeClr val="accent2"/>
+              </a:buClr>
+              <a:buFont typeface="Wingdings 2"/>
+              <a:buChar char=""/>
+              <a:defRPr kumimoji="0" sz="1900" kern="1200">
+                <a:solidFill>
+                  <a:schemeClr val="tx1"/>
+                </a:solidFill>
+                <a:latin typeface="+mn-lt"/>
+                <a:ea typeface="+mn-ea"/>
+                <a:cs typeface="+mn-cs"/>
+              </a:defRPr>
+            </a:lvl4pPr>
+            <a:lvl5pPr marL="1371600" indent="-228600" algn="l" rtl="0" eaLnBrk="1" latinLnBrk="0" hangingPunct="1">
+              <a:spcBef>
+                <a:spcPts val="350"/>
+              </a:spcBef>
+              <a:buClr>
+                <a:schemeClr val="accent2"/>
+              </a:buClr>
+              <a:buFont typeface="Wingdings 2"/>
+              <a:buChar char=""/>
+              <a:defRPr kumimoji="0" sz="1800" kern="1200">
+                <a:solidFill>
+                  <a:schemeClr val="tx1"/>
+                </a:solidFill>
+                <a:latin typeface="+mn-lt"/>
+                <a:ea typeface="+mn-ea"/>
+                <a:cs typeface="+mn-cs"/>
+              </a:defRPr>
+            </a:lvl5pPr>
+            <a:lvl6pPr marL="1600200" indent="-228600" algn="l" rtl="0" eaLnBrk="1" latinLnBrk="0" hangingPunct="1">
+              <a:spcBef>
+                <a:spcPts val="350"/>
+              </a:spcBef>
+              <a:buClr>
+                <a:schemeClr val="accent3"/>
+              </a:buClr>
+              <a:buFont typeface="Wingdings 2"/>
+              <a:buChar char=""/>
+              <a:defRPr kumimoji="0" sz="1800" kern="1200">
+                <a:solidFill>
+                  <a:schemeClr val="tx1"/>
+                </a:solidFill>
+                <a:latin typeface="+mn-lt"/>
+                <a:ea typeface="+mn-ea"/>
+                <a:cs typeface="+mn-cs"/>
+              </a:defRPr>
+            </a:lvl6pPr>
+            <a:lvl7pPr marL="1828800" indent="-228600" algn="l" rtl="0" eaLnBrk="1" latinLnBrk="0" hangingPunct="1">
+              <a:spcBef>
+                <a:spcPts val="350"/>
+              </a:spcBef>
+              <a:buClr>
+                <a:schemeClr val="accent3"/>
+              </a:buClr>
+              <a:buFont typeface="Wingdings 2"/>
+              <a:buChar char=""/>
+              <a:defRPr kumimoji="0" sz="1600" kern="1200">
+                <a:solidFill>
+                  <a:schemeClr val="tx1"/>
+                </a:solidFill>
+                <a:latin typeface="+mn-lt"/>
+                <a:ea typeface="+mn-ea"/>
+                <a:cs typeface="+mn-cs"/>
+              </a:defRPr>
+            </a:lvl7pPr>
+            <a:lvl8pPr marL="2057400" indent="-228600" algn="l" rtl="0" eaLnBrk="1" latinLnBrk="0" hangingPunct="1">
+              <a:spcBef>
+                <a:spcPts val="350"/>
+              </a:spcBef>
+              <a:buClr>
+                <a:schemeClr val="accent3"/>
+              </a:buClr>
+              <a:buFont typeface="Wingdings 2"/>
+              <a:buChar char=""/>
+              <a:defRPr kumimoji="0" sz="1600" kern="1200">
+                <a:solidFill>
+                  <a:schemeClr val="tx1"/>
+                </a:solidFill>
+                <a:latin typeface="+mn-lt"/>
+                <a:ea typeface="+mn-ea"/>
+                <a:cs typeface="+mn-cs"/>
+              </a:defRPr>
+            </a:lvl8pPr>
+            <a:lvl9pPr marL="2286000" indent="-228600" algn="l" rtl="0" eaLnBrk="1" latinLnBrk="0" hangingPunct="1">
+              <a:spcBef>
+                <a:spcPts val="350"/>
+              </a:spcBef>
+              <a:buClr>
+                <a:schemeClr val="accent3"/>
+              </a:buClr>
+              <a:buFont typeface="Wingdings 2"/>
+              <a:buChar char=""/>
+              <a:defRPr kumimoji="0" sz="1600" kern="1200" baseline="0">
+                <a:solidFill>
+                  <a:schemeClr val="tx1"/>
+                </a:solidFill>
+                <a:latin typeface="+mn-lt"/>
+                <a:ea typeface="+mn-ea"/>
+                <a:cs typeface="+mn-cs"/>
+              </a:defRPr>
+            </a:lvl9pPr>
+            <a:extLst/>
+          </a:lstStyle>
+          <a:p>
+            <a:pPr lvl="1"/>
+            <a:r>
+              <a:rPr lang="pt-BR" sz="2000" dirty="0" err="1">
+                <a:hlinkClick r:id="rId3"/>
+              </a:rPr>
+              <a:t>Tanembaum</a:t>
+            </a:r>
+            <a:r>
+              <a:rPr lang="pt-BR" sz="2000" dirty="0"/>
+              <a:t> nasceu em 16 de março de 1944 em Nova Iorque;</a:t>
+            </a:r>
+          </a:p>
+          <a:p>
+            <a:pPr lvl="1"/>
+            <a:r>
+              <a:rPr lang="pt-BR" sz="2000" dirty="0"/>
+              <a:t>Bacharel em física pelo MIT – 1965;</a:t>
+            </a:r>
+          </a:p>
+          <a:p>
+            <a:pPr lvl="1"/>
+            <a:r>
+              <a:rPr lang="pt-BR" sz="2000" dirty="0"/>
+              <a:t>Doutor em astrofísica pela Berkeley 1971.</a:t>
+            </a:r>
+          </a:p>
+          <a:p>
+            <a:pPr lvl="1"/>
+            <a:endParaRPr lang="pt-BR" sz="2000" dirty="0"/>
+          </a:p>
+          <a:p>
+            <a:pPr lvl="1"/>
+            <a:r>
+              <a:rPr lang="pt-BR" sz="2000" dirty="0"/>
+              <a:t>Atualmente é chefe do Departamento de sistemas da computação da </a:t>
+            </a:r>
+            <a:r>
+              <a:rPr lang="pt-BR" sz="2000" dirty="0">
+                <a:hlinkClick r:id="rId4"/>
+              </a:rPr>
+              <a:t>Universidade </a:t>
+            </a:r>
+            <a:r>
+              <a:rPr lang="pt-BR" sz="2000" dirty="0" err="1">
+                <a:hlinkClick r:id="rId4"/>
+              </a:rPr>
+              <a:t>Vrije</a:t>
+            </a:r>
+            <a:r>
+              <a:rPr lang="pt-BR" sz="2000" dirty="0"/>
+              <a:t> (Universidade Livre) em Amsterdã.</a:t>
+            </a:r>
+          </a:p>
+          <a:p>
+            <a:pPr lvl="1">
+              <a:buFont typeface="Verdana"/>
+              <a:buNone/>
+            </a:pPr>
+            <a:r>
+              <a:rPr lang="pt-BR" sz="2000" dirty="0"/>
+              <a:t>		</a:t>
+            </a:r>
+          </a:p>
+          <a:p>
+            <a:pPr lvl="1"/>
+            <a:endParaRPr lang="pt-BR" sz="2000" dirty="0"/>
+          </a:p>
+        </p:txBody>
+      </p:sp>
     </p:spTree>
+    <p:extLst>
+      <p:ext uri="{BB962C8B-B14F-4D97-AF65-F5344CB8AC3E}">
+        <p14:creationId xmlns:p14="http://schemas.microsoft.com/office/powerpoint/2010/main" xmlns="" val="1537482686"/>
+      </p:ext>
+    </p:extLst>
   </p:cSld>
   <p:clrMapOvr>
     <a:masterClrMapping/>
@@ -8405,76 +9435,13 @@
       </p:grpSpPr>
       <p:sp>
         <p:nvSpPr>
-          <p:cNvPr id="2" name="Espaço Reservado para Conteúdo 1"/>
-          <p:cNvSpPr>
-            <a:spLocks noGrp="1"/>
-          </p:cNvSpPr>
-          <p:nvPr>
-            <p:ph idx="1"/>
-          </p:nvPr>
-        </p:nvSpPr>
-        <p:spPr/>
-        <p:txBody>
-          <a:bodyPr/>
-          <a:lstStyle/>
-          <a:p>
-            <a:r>
-              <a:rPr lang="pt-BR" dirty="0" err="1" smtClean="0"/>
-              <a:t>Minix</a:t>
-            </a:r>
-            <a:endParaRPr lang="pt-BR" dirty="0" smtClean="0"/>
-          </a:p>
-          <a:p>
-            <a:pPr lvl="1" algn="just"/>
-            <a:r>
-              <a:rPr lang="pt-BR" dirty="0" smtClean="0"/>
-              <a:t>Sistema operacional gratuito, multitarefa e escrito em C e </a:t>
-            </a:r>
-            <a:r>
-              <a:rPr lang="pt-BR" dirty="0" err="1" smtClean="0"/>
-              <a:t>assembly</a:t>
-            </a:r>
-            <a:r>
-              <a:rPr lang="pt-BR" dirty="0" smtClean="0"/>
-              <a:t> para explicar os princípios de seu livro Sistemas Operacionais: Projeto e Implementação (1987)</a:t>
-            </a:r>
-          </a:p>
-          <a:p>
-            <a:pPr lvl="1" algn="just"/>
-            <a:r>
-              <a:rPr lang="pt-BR" dirty="0" smtClean="0"/>
-              <a:t>Linux foi baseado no MINIX apesar de usar </a:t>
-            </a:r>
-            <a:r>
-              <a:rPr lang="pt-BR" dirty="0" err="1" smtClean="0"/>
-              <a:t>kernel</a:t>
-            </a:r>
-            <a:r>
-              <a:rPr lang="pt-BR" dirty="0" smtClean="0"/>
-              <a:t> monolítico ao contrário do micro </a:t>
-            </a:r>
-            <a:r>
-              <a:rPr lang="pt-BR" dirty="0" err="1" smtClean="0"/>
-              <a:t>kernel</a:t>
-            </a:r>
-            <a:r>
-              <a:rPr lang="pt-BR" dirty="0" smtClean="0"/>
-              <a:t> do MINIX, o que causou grande discussão entre </a:t>
-            </a:r>
-            <a:r>
-              <a:rPr lang="pt-BR" dirty="0" err="1" smtClean="0"/>
-              <a:t>Tanenbaum</a:t>
-            </a:r>
-            <a:r>
-              <a:rPr lang="pt-BR" dirty="0" smtClean="0"/>
-              <a:t> e Linus.</a:t>
-            </a:r>
-          </a:p>
-        </p:txBody>
-      </p:sp>
-      <p:sp>
-        <p:nvSpPr>
-          <p:cNvPr id="3" name="Espaço Reservado para Número de Slide 2"/>
+          <p:cNvPr id="2" name="Espaço Reservado para Número de Slide 1">
+            <a:extLst>
+              <a:ext uri="{FF2B5EF4-FFF2-40B4-BE49-F238E27FC236}">
+                <a16:creationId xmlns:a16="http://schemas.microsoft.com/office/drawing/2014/main" xmlns="" id="{BA3F17A2-7685-4BA4-AD8F-1DA5885CB6EC}"/>
+              </a:ext>
+            </a:extLst>
+          </p:cNvPr>
           <p:cNvSpPr>
             <a:spLocks noGrp="1"/>
           </p:cNvSpPr>
@@ -8498,7 +9465,13 @@
       </p:sp>
       <p:sp>
         <p:nvSpPr>
-          <p:cNvPr id="4" name="Título 3"/>
+          <p:cNvPr id="3" name="Título 2">
+            <a:extLst>
+              <a:ext uri="{FF2B5EF4-FFF2-40B4-BE49-F238E27FC236}">
+                <a16:creationId xmlns:a16="http://schemas.microsoft.com/office/drawing/2014/main" xmlns="" id="{E2A2A81C-560C-4B98-971D-BA6FD9E208D6}"/>
+              </a:ext>
+            </a:extLst>
+          </p:cNvPr>
           <p:cNvSpPr>
             <a:spLocks noGrp="1"/>
           </p:cNvSpPr>
@@ -8506,22 +9479,36 @@
             <p:ph type="title"/>
           </p:nvPr>
         </p:nvSpPr>
-        <p:spPr/>
+        <p:spPr>
+          <a:xfrm>
+            <a:off x="457200" y="274638"/>
+            <a:ext cx="8229600" cy="5242594"/>
+          </a:xfrm>
+        </p:spPr>
         <p:txBody>
           <a:bodyPr>
             <a:normAutofit/>
           </a:bodyPr>
           <a:lstStyle/>
           <a:p>
-            <a:r>
-              <a:rPr lang="pt-BR" dirty="0" smtClean="0"/>
-              <a:t>Projetos</a:t>
-            </a:r>
+            <a:pPr algn="ctr"/>
+            <a:r>
+              <a:rPr lang="pt-BR" sz="4400" dirty="0"/>
+              <a:t>PROJETOS</a:t>
+            </a:r>
+            <a:br>
+              <a:rPr lang="pt-BR" sz="4400" dirty="0"/>
+            </a:br>
             <a:endParaRPr lang="pt-BR" dirty="0"/>
           </a:p>
         </p:txBody>
       </p:sp>
     </p:spTree>
+    <p:extLst>
+      <p:ext uri="{BB962C8B-B14F-4D97-AF65-F5344CB8AC3E}">
+        <p14:creationId xmlns:p14="http://schemas.microsoft.com/office/powerpoint/2010/main" xmlns="" val="3275410981"/>
+      </p:ext>
+    </p:extLst>
   </p:cSld>
   <p:clrMapOvr>
     <a:masterClrMapping/>
@@ -8555,29 +9542,13 @@
       </p:grpSpPr>
       <p:sp>
         <p:nvSpPr>
-          <p:cNvPr id="2" name="Espaço Reservado para Conteúdo 1"/>
-          <p:cNvSpPr>
-            <a:spLocks noGrp="1"/>
-          </p:cNvSpPr>
-          <p:nvPr>
-            <p:ph idx="1"/>
-          </p:nvPr>
-        </p:nvSpPr>
-        <p:spPr/>
-        <p:txBody>
-          <a:bodyPr/>
-          <a:lstStyle/>
-          <a:p>
-            <a:r>
-              <a:rPr lang="pt-BR" dirty="0" smtClean="0"/>
-              <a:t>Redes de Computadores:</a:t>
-            </a:r>
-          </a:p>
-        </p:txBody>
-      </p:sp>
-      <p:sp>
-        <p:nvSpPr>
-          <p:cNvPr id="3" name="Espaço Reservado para Número de Slide 2"/>
+          <p:cNvPr id="2" name="Espaço Reservado para Número de Slide 1">
+            <a:extLst>
+              <a:ext uri="{FF2B5EF4-FFF2-40B4-BE49-F238E27FC236}">
+                <a16:creationId xmlns:a16="http://schemas.microsoft.com/office/drawing/2014/main" xmlns="" id="{F0FD465E-3B09-4FEB-A3B8-8441A3DBF6EA}"/>
+              </a:ext>
+            </a:extLst>
+          </p:cNvPr>
           <p:cNvSpPr>
             <a:spLocks noGrp="1"/>
           </p:cNvSpPr>
@@ -8601,52 +9572,272 @@
       </p:sp>
       <p:sp>
         <p:nvSpPr>
-          <p:cNvPr id="4" name="Título 3"/>
-          <p:cNvSpPr>
-            <a:spLocks noGrp="1"/>
-          </p:cNvSpPr>
-          <p:nvPr>
-            <p:ph type="title"/>
-          </p:nvPr>
-        </p:nvSpPr>
-        <p:spPr/>
-        <p:txBody>
-          <a:bodyPr/>
-          <a:lstStyle/>
-          <a:p>
-            <a:r>
-              <a:rPr lang="pt-BR" dirty="0" smtClean="0"/>
-              <a:t>Publicações</a:t>
-            </a:r>
-            <a:endParaRPr lang="pt-BR" dirty="0"/>
-          </a:p>
-        </p:txBody>
-      </p:sp>
-      <p:pic>
-        <p:nvPicPr>
-          <p:cNvPr id="5" name="Imagem 4" descr="img2.jpg"/>
-          <p:cNvPicPr>
-            <a:picLocks noChangeAspect="1"/>
-          </p:cNvPicPr>
+          <p:cNvPr id="3" name="Espaço Reservado para Conteúdo 1">
+            <a:extLst>
+              <a:ext uri="{FF2B5EF4-FFF2-40B4-BE49-F238E27FC236}">
+                <a16:creationId xmlns:a16="http://schemas.microsoft.com/office/drawing/2014/main" xmlns="" id="{440E822A-6F6A-4FDC-B83F-F8C3DFF6E8A9}"/>
+              </a:ext>
+            </a:extLst>
+          </p:cNvPr>
+          <p:cNvSpPr txBox="1">
+            <a:spLocks/>
+          </p:cNvSpPr>
           <p:nvPr/>
-        </p:nvPicPr>
-        <p:blipFill>
-          <a:blip r:embed="rId2"/>
-          <a:stretch>
-            <a:fillRect/>
-          </a:stretch>
-        </p:blipFill>
+        </p:nvSpPr>
         <p:spPr>
           <a:xfrm>
-            <a:off x="2795588" y="2071678"/>
-            <a:ext cx="3552825" cy="4548186"/>
+            <a:off x="457200" y="980728"/>
+            <a:ext cx="8229600" cy="4525963"/>
           </a:xfrm>
           <a:prstGeom prst="rect">
             <a:avLst/>
           </a:prstGeom>
         </p:spPr>
-      </p:pic>
+        <p:txBody>
+          <a:bodyPr>
+            <a:normAutofit/>
+          </a:bodyPr>
+          <a:lstStyle>
+            <a:lvl1pPr marL="365760" indent="-256032" algn="l" rtl="0" eaLnBrk="1" latinLnBrk="0" hangingPunct="1">
+              <a:spcBef>
+                <a:spcPts val="400"/>
+              </a:spcBef>
+              <a:spcAft>
+                <a:spcPts val="0"/>
+              </a:spcAft>
+              <a:buClr>
+                <a:schemeClr val="accent1"/>
+              </a:buClr>
+              <a:buSzPct val="68000"/>
+              <a:buFont typeface="Wingdings 3"/>
+              <a:buChar char=""/>
+              <a:defRPr kumimoji="0" sz="2700" kern="1200">
+                <a:solidFill>
+                  <a:schemeClr val="tx1"/>
+                </a:solidFill>
+                <a:latin typeface="+mn-lt"/>
+                <a:ea typeface="+mn-ea"/>
+                <a:cs typeface="+mn-cs"/>
+              </a:defRPr>
+            </a:lvl1pPr>
+            <a:lvl2pPr marL="621792" indent="-228600" algn="l" rtl="0" eaLnBrk="1" latinLnBrk="0" hangingPunct="1">
+              <a:spcBef>
+                <a:spcPts val="324"/>
+              </a:spcBef>
+              <a:buClr>
+                <a:schemeClr val="accent1"/>
+              </a:buClr>
+              <a:buFont typeface="Verdana"/>
+              <a:buChar char="◦"/>
+              <a:defRPr kumimoji="0" sz="2300" kern="1200">
+                <a:solidFill>
+                  <a:schemeClr val="tx1"/>
+                </a:solidFill>
+                <a:latin typeface="+mn-lt"/>
+                <a:ea typeface="+mn-ea"/>
+                <a:cs typeface="+mn-cs"/>
+              </a:defRPr>
+            </a:lvl2pPr>
+            <a:lvl3pPr marL="859536" indent="-228600" algn="l" rtl="0" eaLnBrk="1" latinLnBrk="0" hangingPunct="1">
+              <a:spcBef>
+                <a:spcPts val="350"/>
+              </a:spcBef>
+              <a:buClr>
+                <a:schemeClr val="accent2"/>
+              </a:buClr>
+              <a:buSzPct val="100000"/>
+              <a:buFont typeface="Wingdings 2"/>
+              <a:buChar char=""/>
+              <a:defRPr kumimoji="0" sz="2100" kern="1200">
+                <a:solidFill>
+                  <a:schemeClr val="tx1"/>
+                </a:solidFill>
+                <a:latin typeface="+mn-lt"/>
+                <a:ea typeface="+mn-ea"/>
+                <a:cs typeface="+mn-cs"/>
+              </a:defRPr>
+            </a:lvl3pPr>
+            <a:lvl4pPr marL="1143000" indent="-228600" algn="l" rtl="0" eaLnBrk="1" latinLnBrk="0" hangingPunct="1">
+              <a:spcBef>
+                <a:spcPts val="350"/>
+              </a:spcBef>
+              <a:buClr>
+                <a:schemeClr val="accent2"/>
+              </a:buClr>
+              <a:buFont typeface="Wingdings 2"/>
+              <a:buChar char=""/>
+              <a:defRPr kumimoji="0" sz="1900" kern="1200">
+                <a:solidFill>
+                  <a:schemeClr val="tx1"/>
+                </a:solidFill>
+                <a:latin typeface="+mn-lt"/>
+                <a:ea typeface="+mn-ea"/>
+                <a:cs typeface="+mn-cs"/>
+              </a:defRPr>
+            </a:lvl4pPr>
+            <a:lvl5pPr marL="1371600" indent="-228600" algn="l" rtl="0" eaLnBrk="1" latinLnBrk="0" hangingPunct="1">
+              <a:spcBef>
+                <a:spcPts val="350"/>
+              </a:spcBef>
+              <a:buClr>
+                <a:schemeClr val="accent2"/>
+              </a:buClr>
+              <a:buFont typeface="Wingdings 2"/>
+              <a:buChar char=""/>
+              <a:defRPr kumimoji="0" sz="1800" kern="1200">
+                <a:solidFill>
+                  <a:schemeClr val="tx1"/>
+                </a:solidFill>
+                <a:latin typeface="+mn-lt"/>
+                <a:ea typeface="+mn-ea"/>
+                <a:cs typeface="+mn-cs"/>
+              </a:defRPr>
+            </a:lvl5pPr>
+            <a:lvl6pPr marL="1600200" indent="-228600" algn="l" rtl="0" eaLnBrk="1" latinLnBrk="0" hangingPunct="1">
+              <a:spcBef>
+                <a:spcPts val="350"/>
+              </a:spcBef>
+              <a:buClr>
+                <a:schemeClr val="accent3"/>
+              </a:buClr>
+              <a:buFont typeface="Wingdings 2"/>
+              <a:buChar char=""/>
+              <a:defRPr kumimoji="0" sz="1800" kern="1200">
+                <a:solidFill>
+                  <a:schemeClr val="tx1"/>
+                </a:solidFill>
+                <a:latin typeface="+mn-lt"/>
+                <a:ea typeface="+mn-ea"/>
+                <a:cs typeface="+mn-cs"/>
+              </a:defRPr>
+            </a:lvl6pPr>
+            <a:lvl7pPr marL="1828800" indent="-228600" algn="l" rtl="0" eaLnBrk="1" latinLnBrk="0" hangingPunct="1">
+              <a:spcBef>
+                <a:spcPts val="350"/>
+              </a:spcBef>
+              <a:buClr>
+                <a:schemeClr val="accent3"/>
+              </a:buClr>
+              <a:buFont typeface="Wingdings 2"/>
+              <a:buChar char=""/>
+              <a:defRPr kumimoji="0" sz="1600" kern="1200">
+                <a:solidFill>
+                  <a:schemeClr val="tx1"/>
+                </a:solidFill>
+                <a:latin typeface="+mn-lt"/>
+                <a:ea typeface="+mn-ea"/>
+                <a:cs typeface="+mn-cs"/>
+              </a:defRPr>
+            </a:lvl7pPr>
+            <a:lvl8pPr marL="2057400" indent="-228600" algn="l" rtl="0" eaLnBrk="1" latinLnBrk="0" hangingPunct="1">
+              <a:spcBef>
+                <a:spcPts val="350"/>
+              </a:spcBef>
+              <a:buClr>
+                <a:schemeClr val="accent3"/>
+              </a:buClr>
+              <a:buFont typeface="Wingdings 2"/>
+              <a:buChar char=""/>
+              <a:defRPr kumimoji="0" sz="1600" kern="1200">
+                <a:solidFill>
+                  <a:schemeClr val="tx1"/>
+                </a:solidFill>
+                <a:latin typeface="+mn-lt"/>
+                <a:ea typeface="+mn-ea"/>
+                <a:cs typeface="+mn-cs"/>
+              </a:defRPr>
+            </a:lvl8pPr>
+            <a:lvl9pPr marL="2286000" indent="-228600" algn="l" rtl="0" eaLnBrk="1" latinLnBrk="0" hangingPunct="1">
+              <a:spcBef>
+                <a:spcPts val="350"/>
+              </a:spcBef>
+              <a:buClr>
+                <a:schemeClr val="accent3"/>
+              </a:buClr>
+              <a:buFont typeface="Wingdings 2"/>
+              <a:buChar char=""/>
+              <a:defRPr kumimoji="0" sz="1600" kern="1200" baseline="0">
+                <a:solidFill>
+                  <a:schemeClr val="tx1"/>
+                </a:solidFill>
+                <a:latin typeface="+mn-lt"/>
+                <a:ea typeface="+mn-ea"/>
+                <a:cs typeface="+mn-cs"/>
+              </a:defRPr>
+            </a:lvl9pPr>
+            <a:extLst/>
+          </a:lstStyle>
+          <a:p>
+            <a:r>
+              <a:rPr lang="pt-BR" dirty="0">
+                <a:hlinkClick r:id="rId2"/>
+              </a:rPr>
+              <a:t>Kit Compilador Amsterdã</a:t>
+            </a:r>
+            <a:endParaRPr lang="pt-BR" dirty="0"/>
+          </a:p>
+          <a:p>
+            <a:pPr lvl="1"/>
+            <a:r>
+              <a:rPr lang="pt-BR" dirty="0" smtClean="0"/>
+              <a:t>Ferramenta </a:t>
+            </a:r>
+            <a:r>
+              <a:rPr lang="pt-BR" dirty="0"/>
+              <a:t>para produzir compiladores portáteis produzida em 1981 com parceria com </a:t>
+            </a:r>
+            <a:r>
+              <a:rPr lang="pt-BR" dirty="0" err="1"/>
+              <a:t>Ceriel</a:t>
+            </a:r>
+            <a:r>
+              <a:rPr lang="pt-BR" dirty="0"/>
+              <a:t> </a:t>
+            </a:r>
+            <a:r>
+              <a:rPr lang="pt-BR" dirty="0" err="1"/>
+              <a:t>Jacobs</a:t>
+            </a:r>
+            <a:r>
+              <a:rPr lang="pt-BR" dirty="0"/>
+              <a:t>.</a:t>
+            </a:r>
+          </a:p>
+          <a:p>
+            <a:pPr lvl="1"/>
+            <a:endParaRPr lang="pt-BR" dirty="0"/>
+          </a:p>
+          <a:p>
+            <a:r>
+              <a:rPr lang="pt-BR" dirty="0" err="1">
+                <a:hlinkClick r:id="rId3"/>
+              </a:rPr>
+              <a:t>Amoeba</a:t>
+            </a:r>
+            <a:endParaRPr lang="pt-BR" dirty="0"/>
+          </a:p>
+          <a:p>
+            <a:pPr lvl="1" algn="just"/>
+            <a:r>
+              <a:rPr lang="pt-BR" dirty="0"/>
+              <a:t>Sistema operacional baseado em micronúcleo. O objetivo era construir um sistema em tempo compartilhado em que vários computadores em rede trabalhem como um único computador para o usuário.</a:t>
+            </a:r>
+          </a:p>
+          <a:p>
+            <a:pPr lvl="1" algn="just"/>
+            <a:r>
+              <a:rPr lang="pt-BR" dirty="0"/>
+              <a:t>Python foi originalmente desenvolvida nesse sistema operacional.	</a:t>
+            </a:r>
+          </a:p>
+        </p:txBody>
+      </p:sp>
     </p:spTree>
+    <p:extLst>
+      <p:ext uri="{BB962C8B-B14F-4D97-AF65-F5344CB8AC3E}">
+        <p14:creationId xmlns:p14="http://schemas.microsoft.com/office/powerpoint/2010/main" xmlns="" val="1903439623"/>
+      </p:ext>
+    </p:extLst>
   </p:cSld>
   <p:clrMapOvr>
     <a:masterClrMapping/>
@@ -8680,30 +9871,13 @@
       </p:grpSpPr>
       <p:sp>
         <p:nvSpPr>
-          <p:cNvPr id="2" name="Espaço Reservado para Conteúdo 1"/>
-          <p:cNvSpPr>
-            <a:spLocks noGrp="1"/>
-          </p:cNvSpPr>
-          <p:nvPr>
-            <p:ph idx="1"/>
-          </p:nvPr>
-        </p:nvSpPr>
-        <p:spPr/>
-        <p:txBody>
-          <a:bodyPr/>
-          <a:lstStyle/>
-          <a:p>
-            <a:r>
-              <a:rPr lang="pt-BR" dirty="0" smtClean="0"/>
-              <a:t>Sistemas Operacionais: Projeto e Implementação:</a:t>
-            </a:r>
-            <a:endParaRPr lang="pt-BR" dirty="0"/>
-          </a:p>
-        </p:txBody>
-      </p:sp>
-      <p:sp>
-        <p:nvSpPr>
-          <p:cNvPr id="3" name="Espaço Reservado para Número de Slide 2"/>
+          <p:cNvPr id="2" name="Espaço Reservado para Número de Slide 1">
+            <a:extLst>
+              <a:ext uri="{FF2B5EF4-FFF2-40B4-BE49-F238E27FC236}">
+                <a16:creationId xmlns:a16="http://schemas.microsoft.com/office/drawing/2014/main" xmlns="" id="{606AD064-179E-41BE-AB4F-00812A4B28A5}"/>
+              </a:ext>
+            </a:extLst>
+          </p:cNvPr>
           <p:cNvSpPr>
             <a:spLocks noGrp="1"/>
           </p:cNvSpPr>
@@ -8727,52 +9901,231 @@
       </p:sp>
       <p:sp>
         <p:nvSpPr>
-          <p:cNvPr id="4" name="Título 3"/>
-          <p:cNvSpPr>
-            <a:spLocks noGrp="1"/>
-          </p:cNvSpPr>
-          <p:nvPr>
-            <p:ph type="title"/>
-          </p:nvPr>
-        </p:nvSpPr>
-        <p:spPr/>
-        <p:txBody>
-          <a:bodyPr/>
-          <a:lstStyle/>
-          <a:p>
-            <a:r>
-              <a:rPr lang="pt-BR" dirty="0" smtClean="0"/>
-              <a:t>Publicações</a:t>
-            </a:r>
-            <a:endParaRPr lang="pt-BR" dirty="0"/>
-          </a:p>
-        </p:txBody>
-      </p:sp>
-      <p:pic>
-        <p:nvPicPr>
-          <p:cNvPr id="5" name="Imagem 4" descr="img3.jpeg"/>
-          <p:cNvPicPr>
-            <a:picLocks noChangeAspect="1"/>
-          </p:cNvPicPr>
+          <p:cNvPr id="3" name="Espaço Reservado para Conteúdo 1">
+            <a:extLst>
+              <a:ext uri="{FF2B5EF4-FFF2-40B4-BE49-F238E27FC236}">
+                <a16:creationId xmlns:a16="http://schemas.microsoft.com/office/drawing/2014/main" xmlns="" id="{D1C77D49-FDF1-4A24-A18F-677FC4B3E010}"/>
+              </a:ext>
+            </a:extLst>
+          </p:cNvPr>
+          <p:cNvSpPr txBox="1">
+            <a:spLocks/>
+          </p:cNvSpPr>
           <p:nvPr/>
-        </p:nvPicPr>
-        <p:blipFill>
-          <a:blip r:embed="rId2"/>
-          <a:stretch>
-            <a:fillRect/>
-          </a:stretch>
-        </p:blipFill>
+        </p:nvSpPr>
         <p:spPr>
           <a:xfrm>
-            <a:off x="4786314" y="2000240"/>
-            <a:ext cx="3262321" cy="4586853"/>
+            <a:off x="457200" y="1166018"/>
+            <a:ext cx="8229600" cy="4525963"/>
           </a:xfrm>
           <a:prstGeom prst="rect">
             <a:avLst/>
           </a:prstGeom>
         </p:spPr>
-      </p:pic>
+        <p:txBody>
+          <a:bodyPr/>
+          <a:lstStyle>
+            <a:lvl1pPr marL="365760" indent="-256032" algn="l" rtl="0" eaLnBrk="1" latinLnBrk="0" hangingPunct="1">
+              <a:spcBef>
+                <a:spcPts val="400"/>
+              </a:spcBef>
+              <a:spcAft>
+                <a:spcPts val="0"/>
+              </a:spcAft>
+              <a:buClr>
+                <a:schemeClr val="accent1"/>
+              </a:buClr>
+              <a:buSzPct val="68000"/>
+              <a:buFont typeface="Wingdings 3"/>
+              <a:buChar char=""/>
+              <a:defRPr kumimoji="0" sz="2700" kern="1200">
+                <a:solidFill>
+                  <a:schemeClr val="tx1"/>
+                </a:solidFill>
+                <a:latin typeface="+mn-lt"/>
+                <a:ea typeface="+mn-ea"/>
+                <a:cs typeface="+mn-cs"/>
+              </a:defRPr>
+            </a:lvl1pPr>
+            <a:lvl2pPr marL="621792" indent="-228600" algn="l" rtl="0" eaLnBrk="1" latinLnBrk="0" hangingPunct="1">
+              <a:spcBef>
+                <a:spcPts val="324"/>
+              </a:spcBef>
+              <a:buClr>
+                <a:schemeClr val="accent1"/>
+              </a:buClr>
+              <a:buFont typeface="Verdana"/>
+              <a:buChar char="◦"/>
+              <a:defRPr kumimoji="0" sz="2300" kern="1200">
+                <a:solidFill>
+                  <a:schemeClr val="tx1"/>
+                </a:solidFill>
+                <a:latin typeface="+mn-lt"/>
+                <a:ea typeface="+mn-ea"/>
+                <a:cs typeface="+mn-cs"/>
+              </a:defRPr>
+            </a:lvl2pPr>
+            <a:lvl3pPr marL="859536" indent="-228600" algn="l" rtl="0" eaLnBrk="1" latinLnBrk="0" hangingPunct="1">
+              <a:spcBef>
+                <a:spcPts val="350"/>
+              </a:spcBef>
+              <a:buClr>
+                <a:schemeClr val="accent2"/>
+              </a:buClr>
+              <a:buSzPct val="100000"/>
+              <a:buFont typeface="Wingdings 2"/>
+              <a:buChar char=""/>
+              <a:defRPr kumimoji="0" sz="2100" kern="1200">
+                <a:solidFill>
+                  <a:schemeClr val="tx1"/>
+                </a:solidFill>
+                <a:latin typeface="+mn-lt"/>
+                <a:ea typeface="+mn-ea"/>
+                <a:cs typeface="+mn-cs"/>
+              </a:defRPr>
+            </a:lvl3pPr>
+            <a:lvl4pPr marL="1143000" indent="-228600" algn="l" rtl="0" eaLnBrk="1" latinLnBrk="0" hangingPunct="1">
+              <a:spcBef>
+                <a:spcPts val="350"/>
+              </a:spcBef>
+              <a:buClr>
+                <a:schemeClr val="accent2"/>
+              </a:buClr>
+              <a:buFont typeface="Wingdings 2"/>
+              <a:buChar char=""/>
+              <a:defRPr kumimoji="0" sz="1900" kern="1200">
+                <a:solidFill>
+                  <a:schemeClr val="tx1"/>
+                </a:solidFill>
+                <a:latin typeface="+mn-lt"/>
+                <a:ea typeface="+mn-ea"/>
+                <a:cs typeface="+mn-cs"/>
+              </a:defRPr>
+            </a:lvl4pPr>
+            <a:lvl5pPr marL="1371600" indent="-228600" algn="l" rtl="0" eaLnBrk="1" latinLnBrk="0" hangingPunct="1">
+              <a:spcBef>
+                <a:spcPts val="350"/>
+              </a:spcBef>
+              <a:buClr>
+                <a:schemeClr val="accent2"/>
+              </a:buClr>
+              <a:buFont typeface="Wingdings 2"/>
+              <a:buChar char=""/>
+              <a:defRPr kumimoji="0" sz="1800" kern="1200">
+                <a:solidFill>
+                  <a:schemeClr val="tx1"/>
+                </a:solidFill>
+                <a:latin typeface="+mn-lt"/>
+                <a:ea typeface="+mn-ea"/>
+                <a:cs typeface="+mn-cs"/>
+              </a:defRPr>
+            </a:lvl5pPr>
+            <a:lvl6pPr marL="1600200" indent="-228600" algn="l" rtl="0" eaLnBrk="1" latinLnBrk="0" hangingPunct="1">
+              <a:spcBef>
+                <a:spcPts val="350"/>
+              </a:spcBef>
+              <a:buClr>
+                <a:schemeClr val="accent3"/>
+              </a:buClr>
+              <a:buFont typeface="Wingdings 2"/>
+              <a:buChar char=""/>
+              <a:defRPr kumimoji="0" sz="1800" kern="1200">
+                <a:solidFill>
+                  <a:schemeClr val="tx1"/>
+                </a:solidFill>
+                <a:latin typeface="+mn-lt"/>
+                <a:ea typeface="+mn-ea"/>
+                <a:cs typeface="+mn-cs"/>
+              </a:defRPr>
+            </a:lvl6pPr>
+            <a:lvl7pPr marL="1828800" indent="-228600" algn="l" rtl="0" eaLnBrk="1" latinLnBrk="0" hangingPunct="1">
+              <a:spcBef>
+                <a:spcPts val="350"/>
+              </a:spcBef>
+              <a:buClr>
+                <a:schemeClr val="accent3"/>
+              </a:buClr>
+              <a:buFont typeface="Wingdings 2"/>
+              <a:buChar char=""/>
+              <a:defRPr kumimoji="0" sz="1600" kern="1200">
+                <a:solidFill>
+                  <a:schemeClr val="tx1"/>
+                </a:solidFill>
+                <a:latin typeface="+mn-lt"/>
+                <a:ea typeface="+mn-ea"/>
+                <a:cs typeface="+mn-cs"/>
+              </a:defRPr>
+            </a:lvl7pPr>
+            <a:lvl8pPr marL="2057400" indent="-228600" algn="l" rtl="0" eaLnBrk="1" latinLnBrk="0" hangingPunct="1">
+              <a:spcBef>
+                <a:spcPts val="350"/>
+              </a:spcBef>
+              <a:buClr>
+                <a:schemeClr val="accent3"/>
+              </a:buClr>
+              <a:buFont typeface="Wingdings 2"/>
+              <a:buChar char=""/>
+              <a:defRPr kumimoji="0" sz="1600" kern="1200">
+                <a:solidFill>
+                  <a:schemeClr val="tx1"/>
+                </a:solidFill>
+                <a:latin typeface="+mn-lt"/>
+                <a:ea typeface="+mn-ea"/>
+                <a:cs typeface="+mn-cs"/>
+              </a:defRPr>
+            </a:lvl8pPr>
+            <a:lvl9pPr marL="2286000" indent="-228600" algn="l" rtl="0" eaLnBrk="1" latinLnBrk="0" hangingPunct="1">
+              <a:spcBef>
+                <a:spcPts val="350"/>
+              </a:spcBef>
+              <a:buClr>
+                <a:schemeClr val="accent3"/>
+              </a:buClr>
+              <a:buFont typeface="Wingdings 2"/>
+              <a:buChar char=""/>
+              <a:defRPr kumimoji="0" sz="1600" kern="1200" baseline="0">
+                <a:solidFill>
+                  <a:schemeClr val="tx1"/>
+                </a:solidFill>
+                <a:latin typeface="+mn-lt"/>
+                <a:ea typeface="+mn-ea"/>
+                <a:cs typeface="+mn-cs"/>
+              </a:defRPr>
+            </a:lvl9pPr>
+            <a:extLst/>
+          </a:lstStyle>
+          <a:p>
+            <a:r>
+              <a:rPr lang="pt-BR">
+                <a:hlinkClick r:id="rId2"/>
+              </a:rPr>
+              <a:t>Minix</a:t>
+            </a:r>
+            <a:endParaRPr lang="pt-BR"/>
+          </a:p>
+          <a:p>
+            <a:pPr lvl="1" algn="just"/>
+            <a:r>
+              <a:rPr lang="pt-BR"/>
+              <a:t>Sistema operacional gratuito, multitarefa e escrito em C e assembly para explicar os princípios de seu livro Sistemas Operacionais: Projeto e Implementação (1987)</a:t>
+            </a:r>
+          </a:p>
+          <a:p>
+            <a:pPr lvl="1" algn="just"/>
+            <a:r>
+              <a:rPr lang="pt-BR"/>
+              <a:t>Linux foi baseado no MINIX apesar de usar kernel monolítico ao contrário do microkernel do MINIX, o que causou grande discussão entre Tanenbaum e Linus.</a:t>
+            </a:r>
+            <a:endParaRPr lang="pt-BR" dirty="0"/>
+          </a:p>
+        </p:txBody>
+      </p:sp>
     </p:spTree>
+    <p:extLst>
+      <p:ext uri="{BB962C8B-B14F-4D97-AF65-F5344CB8AC3E}">
+        <p14:creationId xmlns:p14="http://schemas.microsoft.com/office/powerpoint/2010/main" xmlns="" val="1944531274"/>
+      </p:ext>
+    </p:extLst>
   </p:cSld>
   <p:clrMapOvr>
     <a:masterClrMapping/>
@@ -8806,34 +10159,13 @@
       </p:grpSpPr>
       <p:sp>
         <p:nvSpPr>
-          <p:cNvPr id="2" name="Espaço Reservado para Conteúdo 1"/>
-          <p:cNvSpPr>
-            <a:spLocks noGrp="1"/>
-          </p:cNvSpPr>
-          <p:nvPr>
-            <p:ph idx="1"/>
-          </p:nvPr>
-        </p:nvSpPr>
-        <p:spPr/>
-        <p:txBody>
-          <a:bodyPr/>
-          <a:lstStyle/>
-          <a:p>
-            <a:r>
-              <a:rPr lang="pt-BR" dirty="0" smtClean="0"/>
-              <a:t>Sistemas Operacionais </a:t>
-            </a:r>
-            <a:r>
-              <a:rPr lang="pt-BR" dirty="0" smtClean="0"/>
-              <a:t>Modernos:</a:t>
-            </a:r>
-            <a:endParaRPr lang="pt-BR" dirty="0"/>
-          </a:p>
-        </p:txBody>
-      </p:sp>
-      <p:sp>
-        <p:nvSpPr>
-          <p:cNvPr id="3" name="Espaço Reservado para Número de Slide 2"/>
+          <p:cNvPr id="2" name="Espaço Reservado para Número de Slide 1">
+            <a:extLst>
+              <a:ext uri="{FF2B5EF4-FFF2-40B4-BE49-F238E27FC236}">
+                <a16:creationId xmlns:a16="http://schemas.microsoft.com/office/drawing/2014/main" xmlns="" id="{BA3F17A2-7685-4BA4-AD8F-1DA5885CB6EC}"/>
+              </a:ext>
+            </a:extLst>
+          </p:cNvPr>
           <p:cNvSpPr>
             <a:spLocks noGrp="1"/>
           </p:cNvSpPr>
@@ -8857,7 +10189,13 @@
       </p:sp>
       <p:sp>
         <p:nvSpPr>
-          <p:cNvPr id="4" name="Título 3"/>
+          <p:cNvPr id="3" name="Título 2">
+            <a:extLst>
+              <a:ext uri="{FF2B5EF4-FFF2-40B4-BE49-F238E27FC236}">
+                <a16:creationId xmlns:a16="http://schemas.microsoft.com/office/drawing/2014/main" xmlns="" id="{E2A2A81C-560C-4B98-971D-BA6FD9E208D6}"/>
+              </a:ext>
+            </a:extLst>
+          </p:cNvPr>
           <p:cNvSpPr>
             <a:spLocks noGrp="1"/>
           </p:cNvSpPr>
@@ -8865,44 +10203,33 @@
             <p:ph type="title"/>
           </p:nvPr>
         </p:nvSpPr>
-        <p:spPr/>
-        <p:txBody>
-          <a:bodyPr/>
-          <a:lstStyle/>
-          <a:p>
-            <a:r>
-              <a:rPr lang="pt-BR" dirty="0" smtClean="0"/>
-              <a:t>Publicações</a:t>
-            </a:r>
-            <a:endParaRPr lang="pt-BR" dirty="0"/>
-          </a:p>
-        </p:txBody>
-      </p:sp>
-      <p:pic>
-        <p:nvPicPr>
-          <p:cNvPr id="5" name="Imagem 4" descr="img4.jpg"/>
-          <p:cNvPicPr>
-            <a:picLocks noChangeAspect="1"/>
-          </p:cNvPicPr>
-          <p:nvPr/>
-        </p:nvPicPr>
-        <p:blipFill>
-          <a:blip r:embed="rId2" cstate="print"/>
-          <a:stretch>
-            <a:fillRect/>
-          </a:stretch>
-        </p:blipFill>
         <p:spPr>
           <a:xfrm>
-            <a:off x="2837182" y="2000240"/>
-            <a:ext cx="3469636" cy="4467957"/>
+            <a:off x="457200" y="274638"/>
+            <a:ext cx="8229600" cy="5242594"/>
           </a:xfrm>
-          <a:prstGeom prst="rect">
-            <a:avLst/>
-          </a:prstGeom>
         </p:spPr>
-      </p:pic>
+        <p:txBody>
+          <a:bodyPr>
+            <a:normAutofit/>
+          </a:bodyPr>
+          <a:lstStyle/>
+          <a:p>
+            <a:pPr algn="ctr"/>
+            <a:r>
+              <a:rPr lang="pt-BR" sz="4400" dirty="0"/>
+              <a:t>PUBLICAÇÕES</a:t>
+            </a:r>
+            <a:endParaRPr lang="pt-BR" dirty="0"/>
+          </a:p>
+        </p:txBody>
+      </p:sp>
     </p:spTree>
+    <p:extLst>
+      <p:ext uri="{BB962C8B-B14F-4D97-AF65-F5344CB8AC3E}">
+        <p14:creationId xmlns:p14="http://schemas.microsoft.com/office/powerpoint/2010/main" xmlns="" val="3439169747"/>
+      </p:ext>
+    </p:extLst>
   </p:cSld>
   <p:clrMapOvr>
     <a:masterClrMapping/>
@@ -8936,7 +10263,13 @@
       </p:grpSpPr>
       <p:sp>
         <p:nvSpPr>
-          <p:cNvPr id="2" name="Espaço Reservado para Conteúdo 1"/>
+          <p:cNvPr id="2" name="Espaço Reservado para Conteúdo 1">
+            <a:extLst>
+              <a:ext uri="{FF2B5EF4-FFF2-40B4-BE49-F238E27FC236}">
+                <a16:creationId xmlns:a16="http://schemas.microsoft.com/office/drawing/2014/main" xmlns="" id="{0E2F23BE-3DAE-4317-9CC0-BA92D445B006}"/>
+              </a:ext>
+            </a:extLst>
+          </p:cNvPr>
           <p:cNvSpPr>
             <a:spLocks noGrp="1"/>
           </p:cNvSpPr>
@@ -8944,30 +10277,37 @@
             <p:ph idx="1"/>
           </p:nvPr>
         </p:nvSpPr>
-        <p:spPr/>
-        <p:txBody>
-          <a:bodyPr/>
+        <p:spPr>
+          <a:xfrm>
+            <a:off x="457200" y="1054949"/>
+            <a:ext cx="8229600" cy="285819"/>
+          </a:xfrm>
+        </p:spPr>
+        <p:txBody>
+          <a:bodyPr>
+            <a:normAutofit/>
+          </a:bodyPr>
           <a:lstStyle/>
           <a:p>
-            <a:r>
-              <a:rPr lang="pt-BR" dirty="0" smtClean="0"/>
-              <a:t>Organização Estruturada de </a:t>
-            </a:r>
-            <a:r>
-              <a:rPr lang="pt-BR" dirty="0" smtClean="0"/>
-              <a:t>Computadores</a:t>
-            </a:r>
-            <a:r>
-              <a:rPr lang="pt-BR" dirty="0" smtClean="0"/>
-              <a:t>:</a:t>
-            </a:r>
-            <a:endParaRPr lang="pt-BR" dirty="0"/>
-          </a:p>
-        </p:txBody>
-      </p:sp>
-      <p:sp>
-        <p:nvSpPr>
-          <p:cNvPr id="3" name="Espaço Reservado para Número de Slide 2"/>
+            <a:pPr marL="109728" indent="0" algn="ctr">
+              <a:buNone/>
+            </a:pPr>
+            <a:r>
+              <a:rPr lang="pt-BR" sz="1200" dirty="0"/>
+              <a:t>ISBN 0-13-066102-3</a:t>
+            </a:r>
+          </a:p>
+        </p:txBody>
+      </p:sp>
+      <p:sp>
+        <p:nvSpPr>
+          <p:cNvPr id="3" name="Espaço Reservado para Número de Slide 2">
+            <a:extLst>
+              <a:ext uri="{FF2B5EF4-FFF2-40B4-BE49-F238E27FC236}">
+                <a16:creationId xmlns:a16="http://schemas.microsoft.com/office/drawing/2014/main" xmlns="" id="{4AF4977D-3DA1-45AD-BF19-B613229E2863}"/>
+              </a:ext>
+            </a:extLst>
+          </p:cNvPr>
           <p:cNvSpPr>
             <a:spLocks noGrp="1"/>
           </p:cNvSpPr>
@@ -8991,7 +10331,13 @@
       </p:sp>
       <p:sp>
         <p:nvSpPr>
-          <p:cNvPr id="4" name="Título 3"/>
+          <p:cNvPr id="4" name="Título 3">
+            <a:extLst>
+              <a:ext uri="{FF2B5EF4-FFF2-40B4-BE49-F238E27FC236}">
+                <a16:creationId xmlns:a16="http://schemas.microsoft.com/office/drawing/2014/main" xmlns="" id="{9B4EBEF1-42DE-4018-BD60-BD0F5CC241C8}"/>
+              </a:ext>
+            </a:extLst>
+          </p:cNvPr>
           <p:cNvSpPr>
             <a:spLocks noGrp="1"/>
           </p:cNvSpPr>
@@ -8999,14 +10345,20 @@
             <p:ph type="title"/>
           </p:nvPr>
         </p:nvSpPr>
-        <p:spPr/>
+        <p:spPr>
+          <a:xfrm>
+            <a:off x="457200" y="274638"/>
+            <a:ext cx="8229600" cy="778098"/>
+          </a:xfrm>
+        </p:spPr>
         <p:txBody>
           <a:bodyPr/>
           <a:lstStyle/>
           <a:p>
-            <a:r>
-              <a:rPr lang="pt-BR" dirty="0" smtClean="0"/>
-              <a:t>Publicações</a:t>
+            <a:pPr algn="ctr"/>
+            <a:r>
+              <a:rPr lang="pt-BR" sz="4000" dirty="0"/>
+              <a:t>Redes de Computadores</a:t>
             </a:r>
             <a:endParaRPr lang="pt-BR" dirty="0"/>
           </a:p>
@@ -9014,22 +10366,28 @@
       </p:sp>
       <p:pic>
         <p:nvPicPr>
-          <p:cNvPr id="5" name="Imagem 4" descr="img5.jpeg"/>
+          <p:cNvPr id="5" name="Imagem 4" descr="img2.jpg">
+            <a:extLst>
+              <a:ext uri="{FF2B5EF4-FFF2-40B4-BE49-F238E27FC236}">
+                <a16:creationId xmlns:a16="http://schemas.microsoft.com/office/drawing/2014/main" xmlns="" id="{7487A4DC-5818-4977-AC61-D2E5632A3935}"/>
+              </a:ext>
+            </a:extLst>
+          </p:cNvPr>
           <p:cNvPicPr>
             <a:picLocks noChangeAspect="1"/>
           </p:cNvPicPr>
           <p:nvPr/>
         </p:nvPicPr>
         <p:blipFill>
-          <a:blip r:embed="rId2" cstate="print"/>
+          <a:blip r:embed="rId2"/>
           <a:stretch>
             <a:fillRect/>
           </a:stretch>
         </p:blipFill>
         <p:spPr>
           <a:xfrm>
-            <a:off x="2893947" y="2143116"/>
-            <a:ext cx="3356106" cy="4500594"/>
+            <a:off x="2742025" y="1484784"/>
+            <a:ext cx="3659949" cy="4685322"/>
           </a:xfrm>
           <a:prstGeom prst="rect">
             <a:avLst/>
@@ -9037,6 +10395,11 @@
         </p:spPr>
       </p:pic>
     </p:spTree>
+    <p:extLst>
+      <p:ext uri="{BB962C8B-B14F-4D97-AF65-F5344CB8AC3E}">
+        <p14:creationId xmlns:p14="http://schemas.microsoft.com/office/powerpoint/2010/main" xmlns="" val="2241009664"/>
+      </p:ext>
+    </p:extLst>
   </p:cSld>
   <p:clrMapOvr>
     <a:masterClrMapping/>

--- a/3º Periodo Computação/S.O/Trabalho Tanenbaum/Tanenbaum.pptx
+++ b/3º Periodo Computação/S.O/Trabalho Tanenbaum/Tanenbaum.pptx
@@ -123,7 +123,7 @@
   </p:defaultTextStyle>
   <p:extLst>
     <p:ext uri="{EFAFB233-063F-42B5-8137-9DF3F51BA10A}">
-      <p15:sldGuideLst xmlns:p15="http://schemas.microsoft.com/office/powerpoint/2012/main" xmlns="">
+      <p15:sldGuideLst xmlns="" xmlns:p15="http://schemas.microsoft.com/office/powerpoint/2012/main">
         <p15:guide id="1" orient="horz" pos="2160">
           <p15:clr>
             <a:srgbClr val="A4A3A4"/>
@@ -1267,7 +1267,7 @@
   <dgm:whole/>
   <dgm:extLst>
     <a:ext uri="http://schemas.microsoft.com/office/drawing/2008/diagram">
-      <dsp:dataModelExt xmlns:dsp="http://schemas.microsoft.com/office/drawing/2008/diagram" xmlns="" relId="rId6" minVer="http://schemas.openxmlformats.org/drawingml/2006/diagram"/>
+      <dsp:dataModelExt xmlns="" xmlns:dsp="http://schemas.microsoft.com/office/drawing/2008/diagram" relId="rId6" minVer="http://schemas.openxmlformats.org/drawingml/2006/diagram"/>
     </a:ext>
   </dgm:extLst>
 </dgm:dataModel>
@@ -3146,7 +3146,7 @@
             <a:fld id="{6A7C1E0C-B2A2-4B4C-B692-57F2D22D2B19}" type="datetimeFigureOut">
               <a:rPr lang="pt-BR" smtClean="0"/>
               <a:pPr/>
-              <a:t>27/11/2018</a:t>
+              <a:t>28/11/2018</a:t>
             </a:fld>
             <a:endParaRPr lang="pt-BR"/>
           </a:p>
@@ -3409,6 +3409,88 @@
     </a:lvl9pPr>
   </p:notesStyle>
 </p:notesMaster>
+</file>
+
+<file path=ppt/notesSlides/notesSlide1.xml><?xml version="1.0" encoding="utf-8"?>
+<p:notes xmlns:a="http://schemas.openxmlformats.org/drawingml/2006/main" xmlns:r="http://schemas.openxmlformats.org/officeDocument/2006/relationships" xmlns:p="http://schemas.openxmlformats.org/presentationml/2006/main">
+  <p:cSld>
+    <p:spTree>
+      <p:nvGrpSpPr>
+        <p:cNvPr id="1" name=""/>
+        <p:cNvGrpSpPr/>
+        <p:nvPr/>
+      </p:nvGrpSpPr>
+      <p:grpSpPr>
+        <a:xfrm>
+          <a:off x="0" y="0"/>
+          <a:ext cx="0" cy="0"/>
+          <a:chOff x="0" y="0"/>
+          <a:chExt cx="0" cy="0"/>
+        </a:xfrm>
+      </p:grpSpPr>
+      <p:sp>
+        <p:nvSpPr>
+          <p:cNvPr id="2" name="Espaço Reservado para Imagem de Slide 1"/>
+          <p:cNvSpPr>
+            <a:spLocks noGrp="1" noRot="1" noChangeAspect="1"/>
+          </p:cNvSpPr>
+          <p:nvPr>
+            <p:ph type="sldImg"/>
+          </p:nvPr>
+        </p:nvSpPr>
+        <p:spPr/>
+      </p:sp>
+      <p:sp>
+        <p:nvSpPr>
+          <p:cNvPr id="3" name="Espaço Reservado para Anotações 2"/>
+          <p:cNvSpPr>
+            <a:spLocks noGrp="1"/>
+          </p:cNvSpPr>
+          <p:nvPr>
+            <p:ph type="body" idx="1"/>
+          </p:nvPr>
+        </p:nvSpPr>
+        <p:spPr/>
+        <p:txBody>
+          <a:bodyPr>
+            <a:normAutofit/>
+          </a:bodyPr>
+          <a:lstStyle/>
+          <a:p>
+            <a:endParaRPr lang="pt-BR" dirty="0"/>
+          </a:p>
+        </p:txBody>
+      </p:sp>
+      <p:sp>
+        <p:nvSpPr>
+          <p:cNvPr id="4" name="Espaço Reservado para Número de Slide 3"/>
+          <p:cNvSpPr>
+            <a:spLocks noGrp="1"/>
+          </p:cNvSpPr>
+          <p:nvPr>
+            <p:ph type="sldNum" sz="quarter" idx="10"/>
+          </p:nvPr>
+        </p:nvSpPr>
+        <p:spPr/>
+        <p:txBody>
+          <a:bodyPr/>
+          <a:lstStyle/>
+          <a:p>
+            <a:fld id="{2D08AB27-4B01-414A-A22C-20E20A219124}" type="slidenum">
+              <a:rPr lang="pt-BR" smtClean="0"/>
+              <a:pPr/>
+              <a:t>2</a:t>
+            </a:fld>
+            <a:endParaRPr lang="pt-BR"/>
+          </a:p>
+        </p:txBody>
+      </p:sp>
+    </p:spTree>
+  </p:cSld>
+  <p:clrMapOvr>
+    <a:masterClrMapping/>
+  </p:clrMapOvr>
+</p:notes>
 </file>
 
 <file path=ppt/slideLayouts/slideLayout1.xml><?xml version="1.0" encoding="utf-8"?>
@@ -4026,10 +4108,9 @@
             <a:extLst/>
           </a:lstStyle>
           <a:p>
-            <a:fld id="{BA168321-A260-47A0-9ADB-704C2874E403}" type="datetime1">
+            <a:fld id="{3BC24059-9C59-4932-AAA7-55B1B526A7A2}" type="datetime1">
               <a:rPr lang="pt-BR" smtClean="0"/>
-              <a:pPr/>
-              <a:t>27/11/2018</a:t>
+              <a:t>28/11/2018</a:t>
             </a:fld>
             <a:endParaRPr lang="pt-BR"/>
           </a:p>
@@ -4061,6 +4142,10 @@
             <a:extLst/>
           </a:lstStyle>
           <a:p>
+            <a:r>
+              <a:rPr lang="pt-BR" smtClean="0"/>
+              <a:t>mbscbsjbs@gmail.com</a:t>
+            </a:r>
             <a:endParaRPr lang="pt-BR"/>
           </a:p>
         </p:txBody>
@@ -4218,10 +4303,9 @@
           <a:bodyPr/>
           <a:lstStyle/>
           <a:p>
-            <a:fld id="{6EB4B9EC-2B3C-442B-8FF0-D8475E18D159}" type="datetime1">
+            <a:fld id="{BB535C4D-CC21-4C6D-80E7-EE51A9133069}" type="datetime1">
               <a:rPr lang="pt-BR" smtClean="0"/>
-              <a:pPr/>
-              <a:t>27/11/2018</a:t>
+              <a:t>28/11/2018</a:t>
             </a:fld>
             <a:endParaRPr lang="pt-BR"/>
           </a:p>
@@ -4242,6 +4326,10 @@
           <a:bodyPr/>
           <a:lstStyle/>
           <a:p>
+            <a:r>
+              <a:rPr lang="pt-BR" smtClean="0"/>
+              <a:t>mbscbsjbs@gmail.com</a:t>
+            </a:r>
             <a:endParaRPr lang="pt-BR"/>
           </a:p>
         </p:txBody>
@@ -4395,10 +4483,9 @@
           <a:bodyPr/>
           <a:lstStyle/>
           <a:p>
-            <a:fld id="{95B2B04B-22A6-44B4-9EA8-5D1C5BB3808E}" type="datetime1">
+            <a:fld id="{5308B52B-3051-44F0-BE3E-06BCA1159C53}" type="datetime1">
               <a:rPr lang="pt-BR" smtClean="0"/>
-              <a:pPr/>
-              <a:t>27/11/2018</a:t>
+              <a:t>28/11/2018</a:t>
             </a:fld>
             <a:endParaRPr lang="pt-BR"/>
           </a:p>
@@ -4419,6 +4506,10 @@
           <a:bodyPr/>
           <a:lstStyle/>
           <a:p>
+            <a:r>
+              <a:rPr lang="pt-BR" smtClean="0"/>
+              <a:t>mbscbsjbs@gmail.com</a:t>
+            </a:r>
             <a:endParaRPr lang="pt-BR"/>
           </a:p>
         </p:txBody>
@@ -4539,10 +4630,9 @@
           <a:bodyPr/>
           <a:lstStyle/>
           <a:p>
-            <a:fld id="{74D31C1C-0684-4061-A877-6D22EE36BDC7}" type="datetime1">
+            <a:fld id="{C1918A59-DA87-4779-A117-4D888B3B8A22}" type="datetime1">
               <a:rPr lang="pt-BR" smtClean="0"/>
-              <a:pPr/>
-              <a:t>27/11/2018</a:t>
+              <a:t>28/11/2018</a:t>
             </a:fld>
             <a:endParaRPr lang="pt-BR"/>
           </a:p>
@@ -4563,6 +4653,10 @@
           <a:bodyPr/>
           <a:lstStyle/>
           <a:p>
+            <a:r>
+              <a:rPr lang="pt-BR" smtClean="0"/>
+              <a:t>mbscbsjbs@gmail.com</a:t>
+            </a:r>
             <a:endParaRPr lang="pt-BR"/>
           </a:p>
         </p:txBody>
@@ -4788,10 +4882,9 @@
           <a:bodyPr/>
           <a:lstStyle/>
           <a:p>
-            <a:fld id="{B76880E7-6764-410D-AD0B-686A550CE41D}" type="datetime1">
+            <a:fld id="{F92C1C62-8FA3-4D49-A36C-C7B8A0509856}" type="datetime1">
               <a:rPr lang="pt-BR" smtClean="0"/>
-              <a:pPr/>
-              <a:t>27/11/2018</a:t>
+              <a:t>28/11/2018</a:t>
             </a:fld>
             <a:endParaRPr lang="pt-BR"/>
           </a:p>
@@ -4812,6 +4905,10 @@
           <a:bodyPr/>
           <a:lstStyle/>
           <a:p>
+            <a:r>
+              <a:rPr lang="pt-BR" smtClean="0"/>
+              <a:t>mbscbsjbs@gmail.com</a:t>
+            </a:r>
             <a:endParaRPr lang="pt-BR"/>
           </a:p>
         </p:txBody>
@@ -5189,10 +5286,9 @@
           <a:bodyPr/>
           <a:lstStyle/>
           <a:p>
-            <a:fld id="{6E4D41E6-5616-4E04-81B4-CDD25C205B2F}" type="datetime1">
+            <a:fld id="{66F7A62C-5116-4F0B-9980-15A91CDF7F42}" type="datetime1">
               <a:rPr lang="pt-BR" smtClean="0"/>
-              <a:pPr/>
-              <a:t>27/11/2018</a:t>
+              <a:t>28/11/2018</a:t>
             </a:fld>
             <a:endParaRPr lang="pt-BR"/>
           </a:p>
@@ -5213,6 +5309,10 @@
           <a:bodyPr/>
           <a:lstStyle/>
           <a:p>
+            <a:r>
+              <a:rPr lang="pt-BR" smtClean="0"/>
+              <a:t>mbscbsjbs@gmail.com</a:t>
+            </a:r>
             <a:endParaRPr lang="pt-BR"/>
           </a:p>
         </p:txBody>
@@ -5629,10 +5729,9 @@
           <a:bodyPr/>
           <a:lstStyle/>
           <a:p>
-            <a:fld id="{5DC80287-CDCF-4090-A2D1-B6A791896B36}" type="datetime1">
+            <a:fld id="{1214C5EB-DE0E-491C-8B36-F00DA7B80D36}" type="datetime1">
               <a:rPr lang="pt-BR" smtClean="0"/>
-              <a:pPr/>
-              <a:t>27/11/2018</a:t>
+              <a:t>28/11/2018</a:t>
             </a:fld>
             <a:endParaRPr lang="pt-BR"/>
           </a:p>
@@ -5653,6 +5752,10 @@
           <a:bodyPr/>
           <a:lstStyle/>
           <a:p>
+            <a:r>
+              <a:rPr lang="pt-BR" smtClean="0"/>
+              <a:t>mbscbsjbs@gmail.com</a:t>
+            </a:r>
             <a:endParaRPr lang="pt-BR"/>
           </a:p>
         </p:txBody>
@@ -5726,10 +5829,9 @@
           <a:bodyPr/>
           <a:lstStyle/>
           <a:p>
-            <a:fld id="{54BDF52F-4047-402B-88CA-02B7E5781DFE}" type="datetime1">
+            <a:fld id="{832F667A-2CD0-46C3-993D-72EB7A4E47B2}" type="datetime1">
               <a:rPr lang="pt-BR" smtClean="0"/>
-              <a:pPr/>
-              <a:t>27/11/2018</a:t>
+              <a:t>28/11/2018</a:t>
             </a:fld>
             <a:endParaRPr lang="pt-BR"/>
           </a:p>
@@ -5750,6 +5852,10 @@
           <a:bodyPr/>
           <a:lstStyle/>
           <a:p>
+            <a:r>
+              <a:rPr lang="pt-BR" smtClean="0"/>
+              <a:t>mbscbsjbs@gmail.com</a:t>
+            </a:r>
             <a:endParaRPr lang="pt-BR"/>
           </a:p>
         </p:txBody>
@@ -5841,10 +5947,9 @@
           <a:bodyPr/>
           <a:lstStyle/>
           <a:p>
-            <a:fld id="{8C876094-8D79-41B1-A338-2267FEB10CB2}" type="datetime1">
+            <a:fld id="{176C2C4D-E398-42A5-ABBA-119D72BAD5C0}" type="datetime1">
               <a:rPr lang="pt-BR" smtClean="0"/>
-              <a:pPr/>
-              <a:t>27/11/2018</a:t>
+              <a:t>28/11/2018</a:t>
             </a:fld>
             <a:endParaRPr lang="pt-BR"/>
           </a:p>
@@ -5865,6 +5970,10 @@
           <a:bodyPr/>
           <a:lstStyle/>
           <a:p>
+            <a:r>
+              <a:rPr lang="pt-BR" smtClean="0"/>
+              <a:t>mbscbsjbs@gmail.com</a:t>
+            </a:r>
             <a:endParaRPr lang="pt-BR"/>
           </a:p>
         </p:txBody>
@@ -6111,10 +6220,9 @@
           <a:bodyPr/>
           <a:lstStyle/>
           <a:p>
-            <a:fld id="{64310755-2FD6-4637-8653-92C070EDAE95}" type="datetime1">
+            <a:fld id="{B2F5E89F-83D9-414D-A5C4-2369D68B0967}" type="datetime1">
               <a:rPr lang="pt-BR" smtClean="0"/>
-              <a:pPr/>
-              <a:t>27/11/2018</a:t>
+              <a:t>28/11/2018</a:t>
             </a:fld>
             <a:endParaRPr lang="pt-BR"/>
           </a:p>
@@ -6135,6 +6243,10 @@
           <a:bodyPr/>
           <a:lstStyle/>
           <a:p>
+            <a:r>
+              <a:rPr lang="pt-BR" smtClean="0"/>
+              <a:t>mbscbsjbs@gmail.com</a:t>
+            </a:r>
             <a:endParaRPr lang="pt-BR"/>
           </a:p>
         </p:txBody>
@@ -6314,10 +6426,9 @@
             <a:extLst/>
           </a:lstStyle>
           <a:p>
-            <a:fld id="{E0D7BDF7-4004-4EE3-9960-23CC5C7AC9E3}" type="datetime1">
+            <a:fld id="{31C2FCB0-639E-424A-B422-7E325A92BDA7}" type="datetime1">
               <a:rPr lang="pt-BR" smtClean="0"/>
-              <a:pPr/>
-              <a:t>27/11/2018</a:t>
+              <a:t>28/11/2018</a:t>
             </a:fld>
             <a:endParaRPr lang="pt-BR"/>
           </a:p>
@@ -6352,6 +6463,10 @@
             <a:extLst/>
           </a:lstStyle>
           <a:p>
+            <a:r>
+              <a:rPr lang="pt-BR" smtClean="0"/>
+              <a:t>mbscbsjbs@gmail.com</a:t>
+            </a:r>
             <a:endParaRPr lang="pt-BR"/>
           </a:p>
         </p:txBody>
@@ -7405,10 +7520,9 @@
             <a:extLst/>
           </a:lstStyle>
           <a:p>
-            <a:fld id="{980A5EA7-9F0B-45FA-9F66-72AC9D59EDCB}" type="datetime1">
+            <a:fld id="{01B29D67-3DEC-4CC7-B2CE-436AC935B9E7}" type="datetime1">
               <a:rPr lang="pt-BR" smtClean="0"/>
-              <a:pPr/>
-              <a:t>27/11/2018</a:t>
+              <a:t>28/11/2018</a:t>
             </a:fld>
             <a:endParaRPr lang="pt-BR"/>
           </a:p>
@@ -7446,6 +7560,10 @@
             <a:extLst/>
           </a:lstStyle>
           <a:p>
+            <a:r>
+              <a:rPr lang="pt-BR" smtClean="0"/>
+              <a:t>mbscbsjbs@gmail.com</a:t>
+            </a:r>
             <a:endParaRPr lang="pt-BR"/>
           </a:p>
         </p:txBody>
@@ -7507,7 +7625,7 @@
     <p:sldLayoutId id="2147483694" r:id="rId10"/>
     <p:sldLayoutId id="2147483695" r:id="rId11"/>
   </p:sldLayoutIdLst>
-  <p:hf hdr="0" ftr="0" dt="0"/>
+  <p:hf hdr="0" dt="0"/>
   <p:txStyles>
     <p:titleStyle>
       <a:lvl1pPr algn="l" rtl="0" eaLnBrk="1" latinLnBrk="0" hangingPunct="1">
@@ -7953,7 +8071,7 @@
           <p:cNvPr id="2" name="Espaço Reservado para Conteúdo 1">
             <a:extLst>
               <a:ext uri="{FF2B5EF4-FFF2-40B4-BE49-F238E27FC236}">
-                <a16:creationId xmlns:a16="http://schemas.microsoft.com/office/drawing/2014/main" xmlns="" id="{0E2F23BE-3DAE-4317-9CC0-BA92D445B006}"/>
+                <a16:creationId xmlns="" xmlns:a16="http://schemas.microsoft.com/office/drawing/2014/main" id="{0E2F23BE-3DAE-4317-9CC0-BA92D445B006}"/>
               </a:ext>
             </a:extLst>
           </p:cNvPr>
@@ -7991,7 +8109,7 @@
           <p:cNvPr id="3" name="Espaço Reservado para Número de Slide 2">
             <a:extLst>
               <a:ext uri="{FF2B5EF4-FFF2-40B4-BE49-F238E27FC236}">
-                <a16:creationId xmlns:a16="http://schemas.microsoft.com/office/drawing/2014/main" xmlns="" id="{4AF4977D-3DA1-45AD-BF19-B613229E2863}"/>
+                <a16:creationId xmlns="" xmlns:a16="http://schemas.microsoft.com/office/drawing/2014/main" id="{4AF4977D-3DA1-45AD-BF19-B613229E2863}"/>
               </a:ext>
             </a:extLst>
           </p:cNvPr>
@@ -8021,7 +8139,7 @@
           <p:cNvPr id="4" name="Título 3">
             <a:extLst>
               <a:ext uri="{FF2B5EF4-FFF2-40B4-BE49-F238E27FC236}">
-                <a16:creationId xmlns:a16="http://schemas.microsoft.com/office/drawing/2014/main" xmlns="" id="{9B4EBEF1-42DE-4018-BD60-BD0F5CC241C8}"/>
+                <a16:creationId xmlns="" xmlns:a16="http://schemas.microsoft.com/office/drawing/2014/main" id="{9B4EBEF1-42DE-4018-BD60-BD0F5CC241C8}"/>
               </a:ext>
             </a:extLst>
           </p:cNvPr>
@@ -8058,7 +8176,7 @@
           <p:cNvPr id="6" name="Imagem 5" descr="img3.jpeg">
             <a:extLst>
               <a:ext uri="{FF2B5EF4-FFF2-40B4-BE49-F238E27FC236}">
-                <a16:creationId xmlns:a16="http://schemas.microsoft.com/office/drawing/2014/main" xmlns="" id="{F453E6EA-7148-4E85-8C2F-FC29E1A44001}"/>
+                <a16:creationId xmlns="" xmlns:a16="http://schemas.microsoft.com/office/drawing/2014/main" id="{F453E6EA-7148-4E85-8C2F-FC29E1A44001}"/>
               </a:ext>
             </a:extLst>
           </p:cNvPr>
@@ -8075,7 +8193,7 @@
         </p:blipFill>
         <p:spPr>
           <a:xfrm>
-            <a:off x="2892323" y="1615231"/>
+            <a:off x="2892323" y="1571612"/>
             <a:ext cx="3359353" cy="4723281"/>
           </a:xfrm>
           <a:prstGeom prst="rect">
@@ -8083,10 +8201,47 @@
           </a:prstGeom>
         </p:spPr>
       </p:pic>
+      <p:sp>
+        <p:nvSpPr>
+          <p:cNvPr id="8" name="Espaço Reservado para Rodapé 7"/>
+          <p:cNvSpPr>
+            <a:spLocks noGrp="1"/>
+          </p:cNvSpPr>
+          <p:nvPr>
+            <p:ph type="ftr" sz="quarter" idx="11"/>
+          </p:nvPr>
+        </p:nvSpPr>
+        <p:spPr>
+          <a:xfrm>
+            <a:off x="78179" y="6421461"/>
+            <a:ext cx="2350681" cy="365125"/>
+          </a:xfrm>
+        </p:spPr>
+        <p:txBody>
+          <a:bodyPr/>
+          <a:lstStyle/>
+          <a:p>
+            <a:pPr algn="l"/>
+            <a:r>
+              <a:rPr lang="pt-BR" smtClean="0">
+                <a:solidFill>
+                  <a:schemeClr val="bg1"/>
+                </a:solidFill>
+              </a:rPr>
+              <a:t>mbscbsjbs@gmail.com</a:t>
+            </a:r>
+            <a:endParaRPr lang="pt-BR">
+              <a:solidFill>
+                <a:schemeClr val="bg1"/>
+              </a:solidFill>
+            </a:endParaRPr>
+          </a:p>
+        </p:txBody>
+      </p:sp>
     </p:spTree>
     <p:extLst>
       <p:ext uri="{BB962C8B-B14F-4D97-AF65-F5344CB8AC3E}">
-        <p14:creationId xmlns:p14="http://schemas.microsoft.com/office/powerpoint/2010/main" xmlns="" val="821184399"/>
+        <p14:creationId xmlns="" xmlns:p14="http://schemas.microsoft.com/office/powerpoint/2010/main" val="821184399"/>
       </p:ext>
     </p:extLst>
   </p:cSld>
@@ -8125,7 +8280,7 @@
           <p:cNvPr id="2" name="Espaço Reservado para Conteúdo 1">
             <a:extLst>
               <a:ext uri="{FF2B5EF4-FFF2-40B4-BE49-F238E27FC236}">
-                <a16:creationId xmlns:a16="http://schemas.microsoft.com/office/drawing/2014/main" xmlns="" id="{0E2F23BE-3DAE-4317-9CC0-BA92D445B006}"/>
+                <a16:creationId xmlns="" xmlns:a16="http://schemas.microsoft.com/office/drawing/2014/main" id="{0E2F23BE-3DAE-4317-9CC0-BA92D445B006}"/>
               </a:ext>
             </a:extLst>
           </p:cNvPr>
@@ -8163,7 +8318,7 @@
           <p:cNvPr id="3" name="Espaço Reservado para Número de Slide 2">
             <a:extLst>
               <a:ext uri="{FF2B5EF4-FFF2-40B4-BE49-F238E27FC236}">
-                <a16:creationId xmlns:a16="http://schemas.microsoft.com/office/drawing/2014/main" xmlns="" id="{4AF4977D-3DA1-45AD-BF19-B613229E2863}"/>
+                <a16:creationId xmlns="" xmlns:a16="http://schemas.microsoft.com/office/drawing/2014/main" id="{4AF4977D-3DA1-45AD-BF19-B613229E2863}"/>
               </a:ext>
             </a:extLst>
           </p:cNvPr>
@@ -8193,7 +8348,7 @@
           <p:cNvPr id="4" name="Título 3">
             <a:extLst>
               <a:ext uri="{FF2B5EF4-FFF2-40B4-BE49-F238E27FC236}">
-                <a16:creationId xmlns:a16="http://schemas.microsoft.com/office/drawing/2014/main" xmlns="" id="{9B4EBEF1-42DE-4018-BD60-BD0F5CC241C8}"/>
+                <a16:creationId xmlns="" xmlns:a16="http://schemas.microsoft.com/office/drawing/2014/main" id="{9B4EBEF1-42DE-4018-BD60-BD0F5CC241C8}"/>
               </a:ext>
             </a:extLst>
           </p:cNvPr>
@@ -8230,7 +8385,7 @@
           <p:cNvPr id="7" name="Imagem 6" descr="img4.jpg">
             <a:extLst>
               <a:ext uri="{FF2B5EF4-FFF2-40B4-BE49-F238E27FC236}">
-                <a16:creationId xmlns:a16="http://schemas.microsoft.com/office/drawing/2014/main" xmlns="" id="{A4B59A85-274A-483F-B890-5ECCBF42B140}"/>
+                <a16:creationId xmlns="" xmlns:a16="http://schemas.microsoft.com/office/drawing/2014/main" id="{A4B59A85-274A-483F-B890-5ECCBF42B140}"/>
               </a:ext>
             </a:extLst>
           </p:cNvPr>
@@ -8255,10 +8410,47 @@
           </a:prstGeom>
         </p:spPr>
       </p:pic>
+      <p:sp>
+        <p:nvSpPr>
+          <p:cNvPr id="8" name="Espaço Reservado para Rodapé 7"/>
+          <p:cNvSpPr>
+            <a:spLocks noGrp="1"/>
+          </p:cNvSpPr>
+          <p:nvPr>
+            <p:ph type="ftr" sz="quarter" idx="11"/>
+          </p:nvPr>
+        </p:nvSpPr>
+        <p:spPr>
+          <a:xfrm>
+            <a:off x="71406" y="6421461"/>
+            <a:ext cx="2350681" cy="365125"/>
+          </a:xfrm>
+        </p:spPr>
+        <p:txBody>
+          <a:bodyPr/>
+          <a:lstStyle/>
+          <a:p>
+            <a:pPr algn="l"/>
+            <a:r>
+              <a:rPr lang="pt-BR" smtClean="0">
+                <a:solidFill>
+                  <a:schemeClr val="bg1"/>
+                </a:solidFill>
+              </a:rPr>
+              <a:t>mbscbsjbs@gmail.com</a:t>
+            </a:r>
+            <a:endParaRPr lang="pt-BR">
+              <a:solidFill>
+                <a:schemeClr val="bg1"/>
+              </a:solidFill>
+            </a:endParaRPr>
+          </a:p>
+        </p:txBody>
+      </p:sp>
     </p:spTree>
     <p:extLst>
       <p:ext uri="{BB962C8B-B14F-4D97-AF65-F5344CB8AC3E}">
-        <p14:creationId xmlns:p14="http://schemas.microsoft.com/office/powerpoint/2010/main" xmlns="" val="72099951"/>
+        <p14:creationId xmlns="" xmlns:p14="http://schemas.microsoft.com/office/powerpoint/2010/main" val="72099951"/>
       </p:ext>
     </p:extLst>
   </p:cSld>
@@ -8297,7 +8489,7 @@
           <p:cNvPr id="2" name="Espaço Reservado para Conteúdo 1">
             <a:extLst>
               <a:ext uri="{FF2B5EF4-FFF2-40B4-BE49-F238E27FC236}">
-                <a16:creationId xmlns:a16="http://schemas.microsoft.com/office/drawing/2014/main" xmlns="" id="{0E2F23BE-3DAE-4317-9CC0-BA92D445B006}"/>
+                <a16:creationId xmlns="" xmlns:a16="http://schemas.microsoft.com/office/drawing/2014/main" id="{0E2F23BE-3DAE-4317-9CC0-BA92D445B006}"/>
               </a:ext>
             </a:extLst>
           </p:cNvPr>
@@ -8335,7 +8527,7 @@
           <p:cNvPr id="3" name="Espaço Reservado para Número de Slide 2">
             <a:extLst>
               <a:ext uri="{FF2B5EF4-FFF2-40B4-BE49-F238E27FC236}">
-                <a16:creationId xmlns:a16="http://schemas.microsoft.com/office/drawing/2014/main" xmlns="" id="{4AF4977D-3DA1-45AD-BF19-B613229E2863}"/>
+                <a16:creationId xmlns="" xmlns:a16="http://schemas.microsoft.com/office/drawing/2014/main" id="{4AF4977D-3DA1-45AD-BF19-B613229E2863}"/>
               </a:ext>
             </a:extLst>
           </p:cNvPr>
@@ -8365,7 +8557,7 @@
           <p:cNvPr id="4" name="Título 3">
             <a:extLst>
               <a:ext uri="{FF2B5EF4-FFF2-40B4-BE49-F238E27FC236}">
-                <a16:creationId xmlns:a16="http://schemas.microsoft.com/office/drawing/2014/main" xmlns="" id="{9B4EBEF1-42DE-4018-BD60-BD0F5CC241C8}"/>
+                <a16:creationId xmlns="" xmlns:a16="http://schemas.microsoft.com/office/drawing/2014/main" id="{9B4EBEF1-42DE-4018-BD60-BD0F5CC241C8}"/>
               </a:ext>
             </a:extLst>
           </p:cNvPr>
@@ -8402,7 +8594,7 @@
           <p:cNvPr id="6" name="Imagem 5" descr="img5.jpeg">
             <a:extLst>
               <a:ext uri="{FF2B5EF4-FFF2-40B4-BE49-F238E27FC236}">
-                <a16:creationId xmlns:a16="http://schemas.microsoft.com/office/drawing/2014/main" xmlns="" id="{67F4CEF1-5C4C-4D6D-9F42-DBB76231442B}"/>
+                <a16:creationId xmlns="" xmlns:a16="http://schemas.microsoft.com/office/drawing/2014/main" id="{67F4CEF1-5C4C-4D6D-9F42-DBB76231442B}"/>
               </a:ext>
             </a:extLst>
           </p:cNvPr>
@@ -8427,10 +8619,47 @@
           </a:prstGeom>
         </p:spPr>
       </p:pic>
+      <p:sp>
+        <p:nvSpPr>
+          <p:cNvPr id="8" name="Espaço Reservado para Rodapé 7"/>
+          <p:cNvSpPr>
+            <a:spLocks noGrp="1"/>
+          </p:cNvSpPr>
+          <p:nvPr>
+            <p:ph type="ftr" sz="quarter" idx="11"/>
+          </p:nvPr>
+        </p:nvSpPr>
+        <p:spPr>
+          <a:xfrm>
+            <a:off x="71406" y="6421461"/>
+            <a:ext cx="2350681" cy="365125"/>
+          </a:xfrm>
+        </p:spPr>
+        <p:txBody>
+          <a:bodyPr/>
+          <a:lstStyle/>
+          <a:p>
+            <a:pPr algn="l"/>
+            <a:r>
+              <a:rPr lang="pt-BR" smtClean="0">
+                <a:solidFill>
+                  <a:schemeClr val="bg1"/>
+                </a:solidFill>
+              </a:rPr>
+              <a:t>mbscbsjbs@gmail.com</a:t>
+            </a:r>
+            <a:endParaRPr lang="pt-BR">
+              <a:solidFill>
+                <a:schemeClr val="bg1"/>
+              </a:solidFill>
+            </a:endParaRPr>
+          </a:p>
+        </p:txBody>
+      </p:sp>
     </p:spTree>
     <p:extLst>
       <p:ext uri="{BB962C8B-B14F-4D97-AF65-F5344CB8AC3E}">
-        <p14:creationId xmlns:p14="http://schemas.microsoft.com/office/powerpoint/2010/main" xmlns="" val="669322323"/>
+        <p14:creationId xmlns="" xmlns:p14="http://schemas.microsoft.com/office/powerpoint/2010/main" val="669322323"/>
       </p:ext>
     </p:extLst>
   </p:cSld>
@@ -8469,7 +8698,7 @@
           <p:cNvPr id="2" name="Espaço Reservado para Conteúdo 1">
             <a:extLst>
               <a:ext uri="{FF2B5EF4-FFF2-40B4-BE49-F238E27FC236}">
-                <a16:creationId xmlns:a16="http://schemas.microsoft.com/office/drawing/2014/main" xmlns="" id="{0E2F23BE-3DAE-4317-9CC0-BA92D445B006}"/>
+                <a16:creationId xmlns="" xmlns:a16="http://schemas.microsoft.com/office/drawing/2014/main" id="{0E2F23BE-3DAE-4317-9CC0-BA92D445B006}"/>
               </a:ext>
             </a:extLst>
           </p:cNvPr>
@@ -8507,7 +8736,7 @@
           <p:cNvPr id="3" name="Espaço Reservado para Número de Slide 2">
             <a:extLst>
               <a:ext uri="{FF2B5EF4-FFF2-40B4-BE49-F238E27FC236}">
-                <a16:creationId xmlns:a16="http://schemas.microsoft.com/office/drawing/2014/main" xmlns="" id="{4AF4977D-3DA1-45AD-BF19-B613229E2863}"/>
+                <a16:creationId xmlns="" xmlns:a16="http://schemas.microsoft.com/office/drawing/2014/main" id="{4AF4977D-3DA1-45AD-BF19-B613229E2863}"/>
               </a:ext>
             </a:extLst>
           </p:cNvPr>
@@ -8537,7 +8766,7 @@
           <p:cNvPr id="4" name="Título 3">
             <a:extLst>
               <a:ext uri="{FF2B5EF4-FFF2-40B4-BE49-F238E27FC236}">
-                <a16:creationId xmlns:a16="http://schemas.microsoft.com/office/drawing/2014/main" xmlns="" id="{9B4EBEF1-42DE-4018-BD60-BD0F5CC241C8}"/>
+                <a16:creationId xmlns="" xmlns:a16="http://schemas.microsoft.com/office/drawing/2014/main" id="{9B4EBEF1-42DE-4018-BD60-BD0F5CC241C8}"/>
               </a:ext>
             </a:extLst>
           </p:cNvPr>
@@ -8574,7 +8803,7 @@
           <p:cNvPr id="7" name="Imagem 6" descr="img6.jpeg">
             <a:extLst>
               <a:ext uri="{FF2B5EF4-FFF2-40B4-BE49-F238E27FC236}">
-                <a16:creationId xmlns:a16="http://schemas.microsoft.com/office/drawing/2014/main" xmlns="" id="{14916970-5EA0-4BF0-A275-7930283A0E7D}"/>
+                <a16:creationId xmlns="" xmlns:a16="http://schemas.microsoft.com/office/drawing/2014/main" id="{14916970-5EA0-4BF0-A275-7930283A0E7D}"/>
               </a:ext>
             </a:extLst>
           </p:cNvPr>
@@ -8599,10 +8828,47 @@
           </a:prstGeom>
         </p:spPr>
       </p:pic>
+      <p:sp>
+        <p:nvSpPr>
+          <p:cNvPr id="8" name="Espaço Reservado para Rodapé 7"/>
+          <p:cNvSpPr>
+            <a:spLocks noGrp="1"/>
+          </p:cNvSpPr>
+          <p:nvPr>
+            <p:ph type="ftr" sz="quarter" idx="11"/>
+          </p:nvPr>
+        </p:nvSpPr>
+        <p:spPr>
+          <a:xfrm>
+            <a:off x="71406" y="6421461"/>
+            <a:ext cx="2350681" cy="365125"/>
+          </a:xfrm>
+        </p:spPr>
+        <p:txBody>
+          <a:bodyPr/>
+          <a:lstStyle/>
+          <a:p>
+            <a:pPr algn="l"/>
+            <a:r>
+              <a:rPr lang="pt-BR" dirty="0" smtClean="0">
+                <a:solidFill>
+                  <a:schemeClr val="bg1"/>
+                </a:solidFill>
+              </a:rPr>
+              <a:t>mbscbsjbs@gmail.com</a:t>
+            </a:r>
+            <a:endParaRPr lang="pt-BR" dirty="0">
+              <a:solidFill>
+                <a:schemeClr val="bg1"/>
+              </a:solidFill>
+            </a:endParaRPr>
+          </a:p>
+        </p:txBody>
+      </p:sp>
     </p:spTree>
     <p:extLst>
       <p:ext uri="{BB962C8B-B14F-4D97-AF65-F5344CB8AC3E}">
-        <p14:creationId xmlns:p14="http://schemas.microsoft.com/office/powerpoint/2010/main" xmlns="" val="2455919353"/>
+        <p14:creationId xmlns="" xmlns:p14="http://schemas.microsoft.com/office/powerpoint/2010/main" val="2455919353"/>
       </p:ext>
     </p:extLst>
   </p:cSld>
@@ -8698,30 +8964,6 @@
           </a:p>
         </p:txBody>
       </p:sp>
-      <p:sp>
-        <p:nvSpPr>
-          <p:cNvPr id="3" name="Espaço Reservado para Número de Slide 2"/>
-          <p:cNvSpPr>
-            <a:spLocks noGrp="1"/>
-          </p:cNvSpPr>
-          <p:nvPr>
-            <p:ph type="sldNum" sz="quarter" idx="12"/>
-          </p:nvPr>
-        </p:nvSpPr>
-        <p:spPr/>
-        <p:txBody>
-          <a:bodyPr/>
-          <a:lstStyle/>
-          <a:p>
-            <a:fld id="{2119D8CF-8DEC-4D9F-84EE-ADF04DFF3391}" type="slidenum">
-              <a:rPr lang="pt-BR" smtClean="0"/>
-              <a:pPr/>
-              <a:t>14</a:t>
-            </a:fld>
-            <a:endParaRPr lang="pt-BR"/>
-          </a:p>
-        </p:txBody>
-      </p:sp>
     </p:spTree>
   </p:cSld>
   <p:clrMapOvr>
@@ -8759,7 +9001,7 @@
           <p:cNvPr id="2" name="Espaço Reservado para Número de Slide 1">
             <a:extLst>
               <a:ext uri="{FF2B5EF4-FFF2-40B4-BE49-F238E27FC236}">
-                <a16:creationId xmlns:a16="http://schemas.microsoft.com/office/drawing/2014/main" xmlns="" id="{928B71BB-3B78-4FF2-8179-EE3ADFD61771}"/>
+                <a16:creationId xmlns="" xmlns:a16="http://schemas.microsoft.com/office/drawing/2014/main" id="{928B71BB-3B78-4FF2-8179-EE3ADFD61771}"/>
               </a:ext>
             </a:extLst>
           </p:cNvPr>
@@ -8789,7 +9031,7 @@
           <p:cNvPr id="3" name="Título 2">
             <a:extLst>
               <a:ext uri="{FF2B5EF4-FFF2-40B4-BE49-F238E27FC236}">
-                <a16:creationId xmlns:a16="http://schemas.microsoft.com/office/drawing/2014/main" xmlns="" id="{AABD7376-0BC0-4F4E-9A4C-A8BC7DA25D3C}"/>
+                <a16:creationId xmlns="" xmlns:a16="http://schemas.microsoft.com/office/drawing/2014/main" id="{AABD7376-0BC0-4F4E-9A4C-A8BC7DA25D3C}"/>
               </a:ext>
             </a:extLst>
           </p:cNvPr>
@@ -8821,13 +9063,20 @@
     </p:spTree>
     <p:extLst>
       <p:ext uri="{BB962C8B-B14F-4D97-AF65-F5344CB8AC3E}">
-        <p14:creationId xmlns:p14="http://schemas.microsoft.com/office/powerpoint/2010/main" xmlns="" val="870438317"/>
+        <p14:creationId xmlns="" xmlns:p14="http://schemas.microsoft.com/office/powerpoint/2010/main" val="870438317"/>
       </p:ext>
     </p:extLst>
   </p:cSld>
   <p:clrMapOvr>
     <a:masterClrMapping/>
   </p:clrMapOvr>
+  <p:timing>
+    <p:tnLst>
+      <p:par>
+        <p:cTn id="1" dur="indefinite" restart="never" nodeType="tmRoot"/>
+      </p:par>
+    </p:tnLst>
+  </p:timing>
 </p:sld>
 </file>
 
@@ -8864,7 +9113,7 @@
         </p:xfrm>
         <a:graphic>
           <a:graphicData uri="http://schemas.openxmlformats.org/drawingml/2006/diagram">
-            <dgm:relIds xmlns:dgm="http://schemas.openxmlformats.org/drawingml/2006/diagram" xmlns:r="http://schemas.openxmlformats.org/officeDocument/2006/relationships" r:dm="rId2" r:lo="rId3" r:qs="rId4" r:cs="rId5"/>
+            <dgm:relIds xmlns:dgm="http://schemas.openxmlformats.org/drawingml/2006/diagram" xmlns:r="http://schemas.openxmlformats.org/officeDocument/2006/relationships" r:dm="rId3" r:lo="rId4" r:qs="rId5" r:cs="rId6"/>
           </a:graphicData>
         </a:graphic>
       </p:graphicFrame>
@@ -8913,6 +9162,43 @@
               <a:t>2</a:t>
             </a:fld>
             <a:endParaRPr lang="pt-BR"/>
+          </a:p>
+        </p:txBody>
+      </p:sp>
+      <p:sp>
+        <p:nvSpPr>
+          <p:cNvPr id="7" name="Espaço Reservado para Rodapé 6"/>
+          <p:cNvSpPr>
+            <a:spLocks noGrp="1"/>
+          </p:cNvSpPr>
+          <p:nvPr>
+            <p:ph type="ftr" sz="quarter" idx="11"/>
+          </p:nvPr>
+        </p:nvSpPr>
+        <p:spPr>
+          <a:xfrm>
+            <a:off x="71406" y="6407944"/>
+            <a:ext cx="2350681" cy="365125"/>
+          </a:xfrm>
+        </p:spPr>
+        <p:txBody>
+          <a:bodyPr/>
+          <a:lstStyle/>
+          <a:p>
+            <a:pPr algn="l"/>
+            <a:r>
+              <a:rPr lang="pt-BR" smtClean="0">
+                <a:solidFill>
+                  <a:schemeClr val="bg1"/>
+                </a:solidFill>
+              </a:rPr>
+              <a:t>mbscbsjbs@gmail.com</a:t>
+            </a:r>
+            <a:endParaRPr lang="pt-BR">
+              <a:solidFill>
+                <a:schemeClr val="bg1"/>
+              </a:solidFill>
+            </a:endParaRPr>
           </a:p>
         </p:txBody>
       </p:sp>
@@ -8953,7 +9239,7 @@
           <p:cNvPr id="2" name="Espaço Reservado para Número de Slide 1">
             <a:extLst>
               <a:ext uri="{FF2B5EF4-FFF2-40B4-BE49-F238E27FC236}">
-                <a16:creationId xmlns:a16="http://schemas.microsoft.com/office/drawing/2014/main" xmlns="" id="{BA3F17A2-7685-4BA4-AD8F-1DA5885CB6EC}"/>
+                <a16:creationId xmlns="" xmlns:a16="http://schemas.microsoft.com/office/drawing/2014/main" id="{BA3F17A2-7685-4BA4-AD8F-1DA5885CB6EC}"/>
               </a:ext>
             </a:extLst>
           </p:cNvPr>
@@ -8983,7 +9269,7 @@
           <p:cNvPr id="3" name="Título 2">
             <a:extLst>
               <a:ext uri="{FF2B5EF4-FFF2-40B4-BE49-F238E27FC236}">
-                <a16:creationId xmlns:a16="http://schemas.microsoft.com/office/drawing/2014/main" xmlns="" id="{E2A2A81C-560C-4B98-971D-BA6FD9E208D6}"/>
+                <a16:creationId xmlns="" xmlns:a16="http://schemas.microsoft.com/office/drawing/2014/main" id="{E2A2A81C-560C-4B98-971D-BA6FD9E208D6}"/>
               </a:ext>
             </a:extLst>
           </p:cNvPr>
@@ -9029,7 +9315,7 @@
     </p:spTree>
     <p:extLst>
       <p:ext uri="{BB962C8B-B14F-4D97-AF65-F5344CB8AC3E}">
-        <p14:creationId xmlns:p14="http://schemas.microsoft.com/office/powerpoint/2010/main" xmlns="" val="3879834434"/>
+        <p14:creationId xmlns="" xmlns:p14="http://schemas.microsoft.com/office/powerpoint/2010/main" val="3879834434"/>
       </p:ext>
     </p:extLst>
   </p:cSld>
@@ -9068,7 +9354,7 @@
           <p:cNvPr id="2" name="Espaço Reservado para Número de Slide 1">
             <a:extLst>
               <a:ext uri="{FF2B5EF4-FFF2-40B4-BE49-F238E27FC236}">
-                <a16:creationId xmlns:a16="http://schemas.microsoft.com/office/drawing/2014/main" xmlns="" id="{AE1A7F0B-CC3F-4BDE-82B8-2574AE809D07}"/>
+                <a16:creationId xmlns="" xmlns:a16="http://schemas.microsoft.com/office/drawing/2014/main" id="{AE1A7F0B-CC3F-4BDE-82B8-2574AE809D07}"/>
               </a:ext>
             </a:extLst>
           </p:cNvPr>
@@ -9098,7 +9384,7 @@
           <p:cNvPr id="5" name="Imagem 4">
             <a:extLst>
               <a:ext uri="{FF2B5EF4-FFF2-40B4-BE49-F238E27FC236}">
-                <a16:creationId xmlns:a16="http://schemas.microsoft.com/office/drawing/2014/main" xmlns="" id="{A7055F13-CA38-442F-B134-2249C912EB3A}"/>
+                <a16:creationId xmlns="" xmlns:a16="http://schemas.microsoft.com/office/drawing/2014/main" id="{A7055F13-CA38-442F-B134-2249C912EB3A}"/>
               </a:ext>
             </a:extLst>
           </p:cNvPr>
@@ -9111,7 +9397,7 @@
           <a:blip r:embed="rId2">
             <a:extLst>
               <a:ext uri="{28A0092B-C50C-407E-A947-70E740481C1C}">
-                <a14:useLocalDpi xmlns:a14="http://schemas.microsoft.com/office/drawing/2010/main" xmlns="" val="0"/>
+                <a14:useLocalDpi xmlns="" xmlns:a14="http://schemas.microsoft.com/office/drawing/2010/main" val="0"/>
               </a:ext>
             </a:extLst>
           </a:blip>
@@ -9134,7 +9420,7 @@
           <p:cNvPr id="6" name="Espaço Reservado para Conteúdo 1">
             <a:extLst>
               <a:ext uri="{FF2B5EF4-FFF2-40B4-BE49-F238E27FC236}">
-                <a16:creationId xmlns:a16="http://schemas.microsoft.com/office/drawing/2014/main" xmlns="" id="{B5A00B26-3308-4212-B7C8-5205A43FAA83}"/>
+                <a16:creationId xmlns="" xmlns:a16="http://schemas.microsoft.com/office/drawing/2014/main" id="{B5A00B26-3308-4212-B7C8-5205A43FAA83}"/>
               </a:ext>
             </a:extLst>
           </p:cNvPr>
@@ -9396,10 +9682,47 @@
           </a:p>
         </p:txBody>
       </p:sp>
+      <p:sp>
+        <p:nvSpPr>
+          <p:cNvPr id="8" name="Espaço Reservado para Rodapé 7"/>
+          <p:cNvSpPr>
+            <a:spLocks noGrp="1"/>
+          </p:cNvSpPr>
+          <p:nvPr>
+            <p:ph type="ftr" sz="quarter" idx="11"/>
+          </p:nvPr>
+        </p:nvSpPr>
+        <p:spPr>
+          <a:xfrm>
+            <a:off x="71406" y="6407944"/>
+            <a:ext cx="2350681" cy="365125"/>
+          </a:xfrm>
+        </p:spPr>
+        <p:txBody>
+          <a:bodyPr/>
+          <a:lstStyle/>
+          <a:p>
+            <a:pPr algn="l"/>
+            <a:r>
+              <a:rPr lang="pt-BR" smtClean="0">
+                <a:solidFill>
+                  <a:schemeClr val="bg1"/>
+                </a:solidFill>
+              </a:rPr>
+              <a:t>mbscbsjbs@gmail.com</a:t>
+            </a:r>
+            <a:endParaRPr lang="pt-BR">
+              <a:solidFill>
+                <a:schemeClr val="bg1"/>
+              </a:solidFill>
+            </a:endParaRPr>
+          </a:p>
+        </p:txBody>
+      </p:sp>
     </p:spTree>
     <p:extLst>
       <p:ext uri="{BB962C8B-B14F-4D97-AF65-F5344CB8AC3E}">
-        <p14:creationId xmlns:p14="http://schemas.microsoft.com/office/powerpoint/2010/main" xmlns="" val="1537482686"/>
+        <p14:creationId xmlns="" xmlns:p14="http://schemas.microsoft.com/office/powerpoint/2010/main" val="1537482686"/>
       </p:ext>
     </p:extLst>
   </p:cSld>
@@ -9438,7 +9761,7 @@
           <p:cNvPr id="2" name="Espaço Reservado para Número de Slide 1">
             <a:extLst>
               <a:ext uri="{FF2B5EF4-FFF2-40B4-BE49-F238E27FC236}">
-                <a16:creationId xmlns:a16="http://schemas.microsoft.com/office/drawing/2014/main" xmlns="" id="{BA3F17A2-7685-4BA4-AD8F-1DA5885CB6EC}"/>
+                <a16:creationId xmlns="" xmlns:a16="http://schemas.microsoft.com/office/drawing/2014/main" id="{BA3F17A2-7685-4BA4-AD8F-1DA5885CB6EC}"/>
               </a:ext>
             </a:extLst>
           </p:cNvPr>
@@ -9468,7 +9791,7 @@
           <p:cNvPr id="3" name="Título 2">
             <a:extLst>
               <a:ext uri="{FF2B5EF4-FFF2-40B4-BE49-F238E27FC236}">
-                <a16:creationId xmlns:a16="http://schemas.microsoft.com/office/drawing/2014/main" xmlns="" id="{E2A2A81C-560C-4B98-971D-BA6FD9E208D6}"/>
+                <a16:creationId xmlns="" xmlns:a16="http://schemas.microsoft.com/office/drawing/2014/main" id="{E2A2A81C-560C-4B98-971D-BA6FD9E208D6}"/>
               </a:ext>
             </a:extLst>
           </p:cNvPr>
@@ -9506,7 +9829,7 @@
     </p:spTree>
     <p:extLst>
       <p:ext uri="{BB962C8B-B14F-4D97-AF65-F5344CB8AC3E}">
-        <p14:creationId xmlns:p14="http://schemas.microsoft.com/office/powerpoint/2010/main" xmlns="" val="3275410981"/>
+        <p14:creationId xmlns="" xmlns:p14="http://schemas.microsoft.com/office/powerpoint/2010/main" val="3275410981"/>
       </p:ext>
     </p:extLst>
   </p:cSld>
@@ -9545,7 +9868,7 @@
           <p:cNvPr id="2" name="Espaço Reservado para Número de Slide 1">
             <a:extLst>
               <a:ext uri="{FF2B5EF4-FFF2-40B4-BE49-F238E27FC236}">
-                <a16:creationId xmlns:a16="http://schemas.microsoft.com/office/drawing/2014/main" xmlns="" id="{F0FD465E-3B09-4FEB-A3B8-8441A3DBF6EA}"/>
+                <a16:creationId xmlns="" xmlns:a16="http://schemas.microsoft.com/office/drawing/2014/main" id="{F0FD465E-3B09-4FEB-A3B8-8441A3DBF6EA}"/>
               </a:ext>
             </a:extLst>
           </p:cNvPr>
@@ -9575,7 +9898,7 @@
           <p:cNvPr id="3" name="Espaço Reservado para Conteúdo 1">
             <a:extLst>
               <a:ext uri="{FF2B5EF4-FFF2-40B4-BE49-F238E27FC236}">
-                <a16:creationId xmlns:a16="http://schemas.microsoft.com/office/drawing/2014/main" xmlns="" id="{440E822A-6F6A-4FDC-B83F-F8C3DFF6E8A9}"/>
+                <a16:creationId xmlns="" xmlns:a16="http://schemas.microsoft.com/office/drawing/2014/main" id="{440E822A-6F6A-4FDC-B83F-F8C3DFF6E8A9}"/>
               </a:ext>
             </a:extLst>
           </p:cNvPr>
@@ -9832,10 +10155,47 @@
           </a:p>
         </p:txBody>
       </p:sp>
+      <p:sp>
+        <p:nvSpPr>
+          <p:cNvPr id="5" name="Espaço Reservado para Rodapé 4"/>
+          <p:cNvSpPr>
+            <a:spLocks noGrp="1"/>
+          </p:cNvSpPr>
+          <p:nvPr>
+            <p:ph type="ftr" sz="quarter" idx="11"/>
+          </p:nvPr>
+        </p:nvSpPr>
+        <p:spPr>
+          <a:xfrm>
+            <a:off x="71406" y="6407944"/>
+            <a:ext cx="2350681" cy="365125"/>
+          </a:xfrm>
+        </p:spPr>
+        <p:txBody>
+          <a:bodyPr/>
+          <a:lstStyle/>
+          <a:p>
+            <a:pPr algn="l"/>
+            <a:r>
+              <a:rPr lang="pt-BR" dirty="0" smtClean="0">
+                <a:solidFill>
+                  <a:schemeClr val="bg1"/>
+                </a:solidFill>
+              </a:rPr>
+              <a:t>mbscbsjbs@gmail.com</a:t>
+            </a:r>
+            <a:endParaRPr lang="pt-BR" dirty="0">
+              <a:solidFill>
+                <a:schemeClr val="bg1"/>
+              </a:solidFill>
+            </a:endParaRPr>
+          </a:p>
+        </p:txBody>
+      </p:sp>
     </p:spTree>
     <p:extLst>
       <p:ext uri="{BB962C8B-B14F-4D97-AF65-F5344CB8AC3E}">
-        <p14:creationId xmlns:p14="http://schemas.microsoft.com/office/powerpoint/2010/main" xmlns="" val="1903439623"/>
+        <p14:creationId xmlns="" xmlns:p14="http://schemas.microsoft.com/office/powerpoint/2010/main" val="1903439623"/>
       </p:ext>
     </p:extLst>
   </p:cSld>
@@ -9874,7 +10234,7 @@
           <p:cNvPr id="2" name="Espaço Reservado para Número de Slide 1">
             <a:extLst>
               <a:ext uri="{FF2B5EF4-FFF2-40B4-BE49-F238E27FC236}">
-                <a16:creationId xmlns:a16="http://schemas.microsoft.com/office/drawing/2014/main" xmlns="" id="{606AD064-179E-41BE-AB4F-00812A4B28A5}"/>
+                <a16:creationId xmlns="" xmlns:a16="http://schemas.microsoft.com/office/drawing/2014/main" id="{606AD064-179E-41BE-AB4F-00812A4B28A5}"/>
               </a:ext>
             </a:extLst>
           </p:cNvPr>
@@ -9904,7 +10264,7 @@
           <p:cNvPr id="3" name="Espaço Reservado para Conteúdo 1">
             <a:extLst>
               <a:ext uri="{FF2B5EF4-FFF2-40B4-BE49-F238E27FC236}">
-                <a16:creationId xmlns:a16="http://schemas.microsoft.com/office/drawing/2014/main" xmlns="" id="{D1C77D49-FDF1-4A24-A18F-677FC4B3E010}"/>
+                <a16:creationId xmlns="" xmlns:a16="http://schemas.microsoft.com/office/drawing/2014/main" id="{D1C77D49-FDF1-4A24-A18F-677FC4B3E010}"/>
               </a:ext>
             </a:extLst>
           </p:cNvPr>
@@ -10120,10 +10480,47 @@
           </a:p>
         </p:txBody>
       </p:sp>
+      <p:sp>
+        <p:nvSpPr>
+          <p:cNvPr id="5" name="Espaço Reservado para Rodapé 4"/>
+          <p:cNvSpPr>
+            <a:spLocks noGrp="1"/>
+          </p:cNvSpPr>
+          <p:nvPr>
+            <p:ph type="ftr" sz="quarter" idx="11"/>
+          </p:nvPr>
+        </p:nvSpPr>
+        <p:spPr>
+          <a:xfrm>
+            <a:off x="71406" y="6407944"/>
+            <a:ext cx="2350681" cy="365125"/>
+          </a:xfrm>
+        </p:spPr>
+        <p:txBody>
+          <a:bodyPr/>
+          <a:lstStyle/>
+          <a:p>
+            <a:pPr algn="l"/>
+            <a:r>
+              <a:rPr lang="pt-BR" smtClean="0">
+                <a:solidFill>
+                  <a:schemeClr val="bg1"/>
+                </a:solidFill>
+              </a:rPr>
+              <a:t>mbscbsjbs@gmail.com</a:t>
+            </a:r>
+            <a:endParaRPr lang="pt-BR">
+              <a:solidFill>
+                <a:schemeClr val="bg1"/>
+              </a:solidFill>
+            </a:endParaRPr>
+          </a:p>
+        </p:txBody>
+      </p:sp>
     </p:spTree>
     <p:extLst>
       <p:ext uri="{BB962C8B-B14F-4D97-AF65-F5344CB8AC3E}">
-        <p14:creationId xmlns:p14="http://schemas.microsoft.com/office/powerpoint/2010/main" xmlns="" val="1944531274"/>
+        <p14:creationId xmlns="" xmlns:p14="http://schemas.microsoft.com/office/powerpoint/2010/main" val="1944531274"/>
       </p:ext>
     </p:extLst>
   </p:cSld>
@@ -10162,7 +10559,7 @@
           <p:cNvPr id="2" name="Espaço Reservado para Número de Slide 1">
             <a:extLst>
               <a:ext uri="{FF2B5EF4-FFF2-40B4-BE49-F238E27FC236}">
-                <a16:creationId xmlns:a16="http://schemas.microsoft.com/office/drawing/2014/main" xmlns="" id="{BA3F17A2-7685-4BA4-AD8F-1DA5885CB6EC}"/>
+                <a16:creationId xmlns="" xmlns:a16="http://schemas.microsoft.com/office/drawing/2014/main" id="{BA3F17A2-7685-4BA4-AD8F-1DA5885CB6EC}"/>
               </a:ext>
             </a:extLst>
           </p:cNvPr>
@@ -10192,7 +10589,7 @@
           <p:cNvPr id="3" name="Título 2">
             <a:extLst>
               <a:ext uri="{FF2B5EF4-FFF2-40B4-BE49-F238E27FC236}">
-                <a16:creationId xmlns:a16="http://schemas.microsoft.com/office/drawing/2014/main" xmlns="" id="{E2A2A81C-560C-4B98-971D-BA6FD9E208D6}"/>
+                <a16:creationId xmlns="" xmlns:a16="http://schemas.microsoft.com/office/drawing/2014/main" id="{E2A2A81C-560C-4B98-971D-BA6FD9E208D6}"/>
               </a:ext>
             </a:extLst>
           </p:cNvPr>
@@ -10227,7 +10624,7 @@
     </p:spTree>
     <p:extLst>
       <p:ext uri="{BB962C8B-B14F-4D97-AF65-F5344CB8AC3E}">
-        <p14:creationId xmlns:p14="http://schemas.microsoft.com/office/powerpoint/2010/main" xmlns="" val="3439169747"/>
+        <p14:creationId xmlns="" xmlns:p14="http://schemas.microsoft.com/office/powerpoint/2010/main" val="3439169747"/>
       </p:ext>
     </p:extLst>
   </p:cSld>
@@ -10266,7 +10663,7 @@
           <p:cNvPr id="2" name="Espaço Reservado para Conteúdo 1">
             <a:extLst>
               <a:ext uri="{FF2B5EF4-FFF2-40B4-BE49-F238E27FC236}">
-                <a16:creationId xmlns:a16="http://schemas.microsoft.com/office/drawing/2014/main" xmlns="" id="{0E2F23BE-3DAE-4317-9CC0-BA92D445B006}"/>
+                <a16:creationId xmlns="" xmlns:a16="http://schemas.microsoft.com/office/drawing/2014/main" id="{0E2F23BE-3DAE-4317-9CC0-BA92D445B006}"/>
               </a:ext>
             </a:extLst>
           </p:cNvPr>
@@ -10304,7 +10701,7 @@
           <p:cNvPr id="3" name="Espaço Reservado para Número de Slide 2">
             <a:extLst>
               <a:ext uri="{FF2B5EF4-FFF2-40B4-BE49-F238E27FC236}">
-                <a16:creationId xmlns:a16="http://schemas.microsoft.com/office/drawing/2014/main" xmlns="" id="{4AF4977D-3DA1-45AD-BF19-B613229E2863}"/>
+                <a16:creationId xmlns="" xmlns:a16="http://schemas.microsoft.com/office/drawing/2014/main" id="{4AF4977D-3DA1-45AD-BF19-B613229E2863}"/>
               </a:ext>
             </a:extLst>
           </p:cNvPr>
@@ -10334,7 +10731,7 @@
           <p:cNvPr id="4" name="Título 3">
             <a:extLst>
               <a:ext uri="{FF2B5EF4-FFF2-40B4-BE49-F238E27FC236}">
-                <a16:creationId xmlns:a16="http://schemas.microsoft.com/office/drawing/2014/main" xmlns="" id="{9B4EBEF1-42DE-4018-BD60-BD0F5CC241C8}"/>
+                <a16:creationId xmlns="" xmlns:a16="http://schemas.microsoft.com/office/drawing/2014/main" id="{9B4EBEF1-42DE-4018-BD60-BD0F5CC241C8}"/>
               </a:ext>
             </a:extLst>
           </p:cNvPr>
@@ -10369,7 +10766,7 @@
           <p:cNvPr id="5" name="Imagem 4" descr="img2.jpg">
             <a:extLst>
               <a:ext uri="{FF2B5EF4-FFF2-40B4-BE49-F238E27FC236}">
-                <a16:creationId xmlns:a16="http://schemas.microsoft.com/office/drawing/2014/main" xmlns="" id="{7487A4DC-5818-4977-AC61-D2E5632A3935}"/>
+                <a16:creationId xmlns="" xmlns:a16="http://schemas.microsoft.com/office/drawing/2014/main" id="{7487A4DC-5818-4977-AC61-D2E5632A3935}"/>
               </a:ext>
             </a:extLst>
           </p:cNvPr>
@@ -10394,10 +10791,47 @@
           </a:prstGeom>
         </p:spPr>
       </p:pic>
+      <p:sp>
+        <p:nvSpPr>
+          <p:cNvPr id="7" name="Espaço Reservado para Rodapé 6"/>
+          <p:cNvSpPr>
+            <a:spLocks noGrp="1"/>
+          </p:cNvSpPr>
+          <p:nvPr>
+            <p:ph type="ftr" sz="quarter" idx="11"/>
+          </p:nvPr>
+        </p:nvSpPr>
+        <p:spPr>
+          <a:xfrm>
+            <a:off x="71406" y="6421461"/>
+            <a:ext cx="2350681" cy="365125"/>
+          </a:xfrm>
+        </p:spPr>
+        <p:txBody>
+          <a:bodyPr/>
+          <a:lstStyle/>
+          <a:p>
+            <a:pPr algn="l"/>
+            <a:r>
+              <a:rPr lang="pt-BR" smtClean="0">
+                <a:solidFill>
+                  <a:schemeClr val="bg1"/>
+                </a:solidFill>
+              </a:rPr>
+              <a:t>mbscbsjbs@gmail.com</a:t>
+            </a:r>
+            <a:endParaRPr lang="pt-BR">
+              <a:solidFill>
+                <a:schemeClr val="bg1"/>
+              </a:solidFill>
+            </a:endParaRPr>
+          </a:p>
+        </p:txBody>
+      </p:sp>
     </p:spTree>
     <p:extLst>
       <p:ext uri="{BB962C8B-B14F-4D97-AF65-F5344CB8AC3E}">
-        <p14:creationId xmlns:p14="http://schemas.microsoft.com/office/powerpoint/2010/main" xmlns="" val="2241009664"/>
+        <p14:creationId xmlns="" xmlns:p14="http://schemas.microsoft.com/office/powerpoint/2010/main" val="2241009664"/>
       </p:ext>
     </p:extLst>
   </p:cSld>
